--- a/images/theory_analysis/Prometheus_Architecture/Prometheus.pptx
+++ b/images/theory_analysis/Prometheus_Architecture/Prometheus.pptx
@@ -213,7 +213,7 @@
           <a:p>
             <a:fld id="{6CD5550B-26C4-49A9-A5BA-636EF7BE6CE9}" type="datetimeFigureOut">
               <a:rPr lang="ko-KR" altLang="en-US" smtClean="0"/>
-              <a:t>2020-01-04</a:t>
+              <a:t>2020-01-05</a:t>
             </a:fld>
             <a:endParaRPr lang="ko-KR" altLang="en-US"/>
           </a:p>
@@ -743,7 +743,7 @@
           <a:p>
             <a:fld id="{FB30EDBD-1C2D-4C1E-B459-B60219FAB484}" type="datetimeFigureOut">
               <a:rPr lang="ko-KR" altLang="en-US" smtClean="0"/>
-              <a:t>2020-01-04</a:t>
+              <a:t>2020-01-05</a:t>
             </a:fld>
             <a:endParaRPr lang="ko-KR" altLang="en-US"/>
           </a:p>
@@ -906,7 +906,7 @@
           <a:p>
             <a:fld id="{FB30EDBD-1C2D-4C1E-B459-B60219FAB484}" type="datetimeFigureOut">
               <a:rPr lang="ko-KR" altLang="en-US" smtClean="0"/>
-              <a:t>2020-01-04</a:t>
+              <a:t>2020-01-05</a:t>
             </a:fld>
             <a:endParaRPr lang="ko-KR" altLang="en-US"/>
           </a:p>
@@ -1079,7 +1079,7 @@
           <a:p>
             <a:fld id="{FB30EDBD-1C2D-4C1E-B459-B60219FAB484}" type="datetimeFigureOut">
               <a:rPr lang="ko-KR" altLang="en-US" smtClean="0"/>
-              <a:t>2020-01-04</a:t>
+              <a:t>2020-01-05</a:t>
             </a:fld>
             <a:endParaRPr lang="ko-KR" altLang="en-US"/>
           </a:p>
@@ -1242,7 +1242,7 @@
           <a:p>
             <a:fld id="{FB30EDBD-1C2D-4C1E-B459-B60219FAB484}" type="datetimeFigureOut">
               <a:rPr lang="ko-KR" altLang="en-US" smtClean="0"/>
-              <a:t>2020-01-04</a:t>
+              <a:t>2020-01-05</a:t>
             </a:fld>
             <a:endParaRPr lang="ko-KR" altLang="en-US"/>
           </a:p>
@@ -1482,7 +1482,7 @@
           <a:p>
             <a:fld id="{FB30EDBD-1C2D-4C1E-B459-B60219FAB484}" type="datetimeFigureOut">
               <a:rPr lang="ko-KR" altLang="en-US" smtClean="0"/>
-              <a:t>2020-01-04</a:t>
+              <a:t>2020-01-05</a:t>
             </a:fld>
             <a:endParaRPr lang="ko-KR" altLang="en-US"/>
           </a:p>
@@ -1762,7 +1762,7 @@
           <a:p>
             <a:fld id="{FB30EDBD-1C2D-4C1E-B459-B60219FAB484}" type="datetimeFigureOut">
               <a:rPr lang="ko-KR" altLang="en-US" smtClean="0"/>
-              <a:t>2020-01-04</a:t>
+              <a:t>2020-01-05</a:t>
             </a:fld>
             <a:endParaRPr lang="ko-KR" altLang="en-US"/>
           </a:p>
@@ -2176,7 +2176,7 @@
           <a:p>
             <a:fld id="{FB30EDBD-1C2D-4C1E-B459-B60219FAB484}" type="datetimeFigureOut">
               <a:rPr lang="ko-KR" altLang="en-US" smtClean="0"/>
-              <a:t>2020-01-04</a:t>
+              <a:t>2020-01-05</a:t>
             </a:fld>
             <a:endParaRPr lang="ko-KR" altLang="en-US"/>
           </a:p>
@@ -2288,7 +2288,7 @@
           <a:p>
             <a:fld id="{FB30EDBD-1C2D-4C1E-B459-B60219FAB484}" type="datetimeFigureOut">
               <a:rPr lang="ko-KR" altLang="en-US" smtClean="0"/>
-              <a:t>2020-01-04</a:t>
+              <a:t>2020-01-05</a:t>
             </a:fld>
             <a:endParaRPr lang="ko-KR" altLang="en-US"/>
           </a:p>
@@ -2378,7 +2378,7 @@
           <a:p>
             <a:fld id="{FB30EDBD-1C2D-4C1E-B459-B60219FAB484}" type="datetimeFigureOut">
               <a:rPr lang="ko-KR" altLang="en-US" smtClean="0"/>
-              <a:t>2020-01-04</a:t>
+              <a:t>2020-01-05</a:t>
             </a:fld>
             <a:endParaRPr lang="ko-KR" altLang="en-US"/>
           </a:p>
@@ -2648,7 +2648,7 @@
           <a:p>
             <a:fld id="{FB30EDBD-1C2D-4C1E-B459-B60219FAB484}" type="datetimeFigureOut">
               <a:rPr lang="ko-KR" altLang="en-US" smtClean="0"/>
-              <a:t>2020-01-04</a:t>
+              <a:t>2020-01-05</a:t>
             </a:fld>
             <a:endParaRPr lang="ko-KR" altLang="en-US"/>
           </a:p>
@@ -2895,7 +2895,7 @@
           <a:p>
             <a:fld id="{FB30EDBD-1C2D-4C1E-B459-B60219FAB484}" type="datetimeFigureOut">
               <a:rPr lang="ko-KR" altLang="en-US" smtClean="0"/>
-              <a:t>2020-01-04</a:t>
+              <a:t>2020-01-05</a:t>
             </a:fld>
             <a:endParaRPr lang="ko-KR" altLang="en-US"/>
           </a:p>
@@ -3101,7 +3101,7 @@
           <a:p>
             <a:fld id="{FB30EDBD-1C2D-4C1E-B459-B60219FAB484}" type="datetimeFigureOut">
               <a:rPr lang="ko-KR" altLang="en-US" smtClean="0"/>
-              <a:t>2020-01-04</a:t>
+              <a:t>2020-01-05</a:t>
             </a:fld>
             <a:endParaRPr lang="ko-KR" altLang="en-US"/>
           </a:p>
@@ -3670,7 +3670,7 @@
         </p:nvSpPr>
         <p:spPr>
           <a:xfrm>
-            <a:off x="975674" y="1928680"/>
+            <a:off x="975674" y="2284122"/>
             <a:ext cx="1287695" cy="643070"/>
           </a:xfrm>
           <a:prstGeom prst="roundRect">
@@ -3715,10 +3715,10 @@
       </p:sp>
       <p:sp>
         <p:nvSpPr>
-          <p:cNvPr id="5" name="사각형: 둥근 모서리 4">
+          <p:cNvPr id="6" name="사각형: 둥근 모서리 5">
             <a:extLst>
               <a:ext uri="{FF2B5EF4-FFF2-40B4-BE49-F238E27FC236}">
-                <a16:creationId xmlns:a16="http://schemas.microsoft.com/office/drawing/2014/main" id="{616C477A-10EB-4288-8BA9-8D1A8CD7769C}"/>
+                <a16:creationId xmlns:a16="http://schemas.microsoft.com/office/drawing/2014/main" id="{38621790-3888-4E5F-A539-E1945B41E740}"/>
               </a:ext>
             </a:extLst>
           </p:cNvPr>
@@ -3727,8 +3727,8 @@
         </p:nvSpPr>
         <p:spPr>
           <a:xfrm>
-            <a:off x="975673" y="2859782"/>
-            <a:ext cx="1287694" cy="409160"/>
+            <a:off x="975673" y="3124392"/>
+            <a:ext cx="1287693" cy="643069"/>
           </a:xfrm>
           <a:prstGeom prst="roundRect">
             <a:avLst>
@@ -3756,19 +3756,26 @@
           <a:p>
             <a:pPr algn="ctr"/>
             <a:r>
-              <a:rPr lang="en-US" altLang="ko-KR" sz="1200"/>
-              <a:t>Exporter A</a:t>
-            </a:r>
-            <a:endParaRPr lang="ko-KR" altLang="en-US" sz="1200"/>
-          </a:p>
-        </p:txBody>
-      </p:sp>
-      <p:sp>
-        <p:nvSpPr>
-          <p:cNvPr id="6" name="사각형: 둥근 모서리 5">
+              <a:rPr lang="en-US" altLang="ko-KR" sz="1200" b="1"/>
+              <a:t>Prometheus</a:t>
+            </a:r>
+          </a:p>
+          <a:p>
+            <a:pPr algn="ctr"/>
+            <a:r>
+              <a:rPr lang="en-US" altLang="ko-KR" sz="1200" b="1"/>
+              <a:t>Exporter</a:t>
+            </a:r>
+            <a:endParaRPr lang="ko-KR" altLang="en-US" sz="1200" b="1"/>
+          </a:p>
+        </p:txBody>
+      </p:sp>
+      <p:sp>
+        <p:nvSpPr>
+          <p:cNvPr id="7" name="사각형: 둥근 모서리 6">
             <a:extLst>
               <a:ext uri="{FF2B5EF4-FFF2-40B4-BE49-F238E27FC236}">
-                <a16:creationId xmlns:a16="http://schemas.microsoft.com/office/drawing/2014/main" id="{38621790-3888-4E5F-A539-E1945B41E740}"/>
+                <a16:creationId xmlns:a16="http://schemas.microsoft.com/office/drawing/2014/main" id="{8F4E3788-4F12-4A66-82B7-2DD468D36F88}"/>
               </a:ext>
             </a:extLst>
           </p:cNvPr>
@@ -3777,8 +3784,8 @@
         </p:nvSpPr>
         <p:spPr>
           <a:xfrm>
-            <a:off x="975673" y="3363838"/>
-            <a:ext cx="1287693" cy="409160"/>
+            <a:off x="975673" y="1563638"/>
+            <a:ext cx="1287695" cy="409160"/>
           </a:xfrm>
           <a:prstGeom prst="roundRect">
             <a:avLst>
@@ -3807,57 +3814,7 @@
             <a:pPr algn="ctr"/>
             <a:r>
               <a:rPr lang="en-US" altLang="ko-KR" sz="1200"/>
-              <a:t>Exporter B</a:t>
-            </a:r>
-            <a:endParaRPr lang="ko-KR" altLang="en-US" sz="1200"/>
-          </a:p>
-        </p:txBody>
-      </p:sp>
-      <p:sp>
-        <p:nvSpPr>
-          <p:cNvPr id="7" name="사각형: 둥근 모서리 6">
-            <a:extLst>
-              <a:ext uri="{FF2B5EF4-FFF2-40B4-BE49-F238E27FC236}">
-                <a16:creationId xmlns:a16="http://schemas.microsoft.com/office/drawing/2014/main" id="{8F4E3788-4F12-4A66-82B7-2DD468D36F88}"/>
-              </a:ext>
-            </a:extLst>
-          </p:cNvPr>
-          <p:cNvSpPr/>
-          <p:nvPr/>
-        </p:nvSpPr>
-        <p:spPr>
-          <a:xfrm>
-            <a:off x="975673" y="1208196"/>
-            <a:ext cx="1287695" cy="409160"/>
-          </a:xfrm>
-          <a:prstGeom prst="roundRect">
-            <a:avLst>
-              <a:gd name="adj" fmla="val 5026"/>
-            </a:avLst>
-          </a:prstGeom>
-        </p:spPr>
-        <p:style>
-          <a:lnRef idx="2">
-            <a:schemeClr val="dk1"/>
-          </a:lnRef>
-          <a:fillRef idx="1">
-            <a:schemeClr val="lt1"/>
-          </a:fillRef>
-          <a:effectRef idx="0">
-            <a:schemeClr val="dk1"/>
-          </a:effectRef>
-          <a:fontRef idx="minor">
-            <a:schemeClr val="dk1"/>
-          </a:fontRef>
-        </p:style>
-        <p:txBody>
-          <a:bodyPr rtlCol="0" anchor="ctr"/>
-          <a:lstStyle/>
-          <a:p>
-            <a:pPr algn="ctr"/>
-            <a:r>
-              <a:rPr lang="en-US" altLang="ko-KR" sz="1200"/>
-              <a:t>Short-lived Jobs</a:t>
+              <a:t>Short-lived Job</a:t>
             </a:r>
             <a:endParaRPr lang="ko-KR" altLang="en-US" sz="1200"/>
           </a:p>
@@ -3881,7 +3838,7 @@
         </p:nvCxnSpPr>
         <p:spPr>
           <a:xfrm>
-            <a:off x="1619521" y="1617356"/>
+            <a:off x="1619521" y="1972798"/>
             <a:ext cx="1" cy="311324"/>
           </a:xfrm>
           <a:prstGeom prst="line">
@@ -3928,55 +3885,8 @@
         </p:nvCxnSpPr>
         <p:spPr>
           <a:xfrm flipH="1" flipV="1">
-            <a:off x="2263369" y="2250215"/>
-            <a:ext cx="408229" cy="1000101"/>
-          </a:xfrm>
-          <a:prstGeom prst="line">
-            <a:avLst/>
-          </a:prstGeom>
-          <a:ln w="19050">
-            <a:solidFill>
-              <a:srgbClr val="C00000"/>
-            </a:solidFill>
-            <a:headEnd type="arrow" w="med" len="med"/>
-            <a:tailEnd type="none" w="med" len="med"/>
-          </a:ln>
-        </p:spPr>
-        <p:style>
-          <a:lnRef idx="1">
-            <a:schemeClr val="accent1"/>
-          </a:lnRef>
-          <a:fillRef idx="0">
-            <a:schemeClr val="accent1"/>
-          </a:fillRef>
-          <a:effectRef idx="0">
-            <a:schemeClr val="accent1"/>
-          </a:effectRef>
-          <a:fontRef idx="minor">
-            <a:schemeClr val="tx1"/>
-          </a:fontRef>
-        </p:style>
-      </p:cxnSp>
-      <p:cxnSp>
-        <p:nvCxnSpPr>
-          <p:cNvPr id="14" name="직선 연결선 13">
-            <a:extLst>
-              <a:ext uri="{FF2B5EF4-FFF2-40B4-BE49-F238E27FC236}">
-                <a16:creationId xmlns:a16="http://schemas.microsoft.com/office/drawing/2014/main" id="{3E807C10-F5BB-47C8-A2E5-1A9B2BB289D3}"/>
-              </a:ext>
-            </a:extLst>
-          </p:cNvPr>
-          <p:cNvCxnSpPr>
-            <a:cxnSpLocks/>
-            <a:stCxn id="54" idx="1"/>
-            <a:endCxn id="5" idx="3"/>
-          </p:cNvCxnSpPr>
-          <p:nvPr/>
-        </p:nvCxnSpPr>
-        <p:spPr>
-          <a:xfrm flipH="1" flipV="1">
-            <a:off x="2263367" y="3064362"/>
-            <a:ext cx="408231" cy="185954"/>
+            <a:off x="2263369" y="2605657"/>
+            <a:ext cx="408229" cy="644659"/>
           </a:xfrm>
           <a:prstGeom prst="line">
             <a:avLst/>
@@ -4023,7 +3933,7 @@
         <p:spPr>
           <a:xfrm flipH="1">
             <a:off x="2263366" y="3250316"/>
-            <a:ext cx="408232" cy="318102"/>
+            <a:ext cx="408232" cy="195611"/>
           </a:xfrm>
           <a:prstGeom prst="line">
             <a:avLst/>
@@ -5474,7 +5384,7 @@
         </p:nvSpPr>
         <p:spPr>
           <a:xfrm>
-            <a:off x="971600" y="4034798"/>
+            <a:off x="971600" y="3962790"/>
             <a:ext cx="1287693" cy="409160"/>
           </a:xfrm>
           <a:prstGeom prst="roundRect">
@@ -5576,7 +5486,7 @@
         <p:spPr>
           <a:xfrm flipH="1">
             <a:off x="2259293" y="3454896"/>
-            <a:ext cx="2057793" cy="784482"/>
+            <a:ext cx="2057793" cy="712474"/>
           </a:xfrm>
           <a:prstGeom prst="line">
             <a:avLst/>
@@ -5806,7 +5716,7 @@
         </p:nvSpPr>
         <p:spPr>
           <a:xfrm>
-            <a:off x="1924477" y="2814196"/>
+            <a:off x="1924477" y="3060948"/>
             <a:ext cx="956133" cy="261610"/>
           </a:xfrm>
           <a:prstGeom prst="rect">
@@ -6609,6 +6519,51 @@
           </p:txBody>
         </p:sp>
       </p:grpSp>
+      <p:sp>
+        <p:nvSpPr>
+          <p:cNvPr id="71" name="TextBox 70">
+            <a:extLst>
+              <a:ext uri="{FF2B5EF4-FFF2-40B4-BE49-F238E27FC236}">
+                <a16:creationId xmlns:a16="http://schemas.microsoft.com/office/drawing/2014/main" id="{291169E0-569A-4AF6-813E-8218B7B24921}"/>
+              </a:ext>
+            </a:extLst>
+          </p:cNvPr>
+          <p:cNvSpPr txBox="1"/>
+          <p:nvPr/>
+        </p:nvSpPr>
+        <p:spPr>
+          <a:xfrm>
+            <a:off x="1393285" y="1984299"/>
+            <a:ext cx="956133" cy="261610"/>
+          </a:xfrm>
+          <a:prstGeom prst="rect">
+            <a:avLst/>
+          </a:prstGeom>
+          <a:noFill/>
+        </p:spPr>
+        <p:txBody>
+          <a:bodyPr wrap="square" rtlCol="0" anchor="ctr">
+            <a:spAutoFit/>
+          </a:bodyPr>
+          <a:lstStyle/>
+          <a:p>
+            <a:pPr algn="ctr"/>
+            <a:r>
+              <a:rPr lang="en-US" altLang="ko-KR" sz="1100">
+                <a:solidFill>
+                  <a:srgbClr val="C00000"/>
+                </a:solidFill>
+              </a:rPr>
+              <a:t>Push</a:t>
+            </a:r>
+            <a:endParaRPr lang="ko-KR" altLang="en-US" sz="1100">
+              <a:solidFill>
+                <a:srgbClr val="C00000"/>
+              </a:solidFill>
+            </a:endParaRPr>
+          </a:p>
+        </p:txBody>
+      </p:sp>
     </p:spTree>
     <p:extLst>
       <p:ext uri="{BB962C8B-B14F-4D97-AF65-F5344CB8AC3E}">

--- a/images/theory_analysis/Prometheus_Architecture/Prometheus.pptx
+++ b/images/theory_analysis/Prometheus_Architecture/Prometheus.pptx
@@ -3670,7 +3670,7 @@
         </p:nvSpPr>
         <p:spPr>
           <a:xfrm>
-            <a:off x="975674" y="2284122"/>
+            <a:off x="975674" y="1745924"/>
             <a:ext cx="1287695" cy="643070"/>
           </a:xfrm>
           <a:prstGeom prst="roundRect">
@@ -3727,7 +3727,7 @@
         </p:nvSpPr>
         <p:spPr>
           <a:xfrm>
-            <a:off x="975673" y="3124392"/>
+            <a:off x="975673" y="2586194"/>
             <a:ext cx="1287693" cy="643069"/>
           </a:xfrm>
           <a:prstGeom prst="roundRect">
@@ -3784,7 +3784,7 @@
         </p:nvSpPr>
         <p:spPr>
           <a:xfrm>
-            <a:off x="975673" y="1563638"/>
+            <a:off x="975673" y="1025440"/>
             <a:ext cx="1287695" cy="409160"/>
           </a:xfrm>
           <a:prstGeom prst="roundRect">
@@ -3814,7 +3814,7 @@
             <a:pPr algn="ctr"/>
             <a:r>
               <a:rPr lang="en-US" altLang="ko-KR" sz="1200"/>
-              <a:t>Short-lived Job</a:t>
+              <a:t>Batch Job</a:t>
             </a:r>
             <a:endParaRPr lang="ko-KR" altLang="en-US" sz="1200"/>
           </a:p>
@@ -3838,7 +3838,7 @@
         </p:nvCxnSpPr>
         <p:spPr>
           <a:xfrm>
-            <a:off x="1619521" y="1972798"/>
+            <a:off x="1619521" y="1434600"/>
             <a:ext cx="1" cy="311324"/>
           </a:xfrm>
           <a:prstGeom prst="line">
@@ -3885,8 +3885,8 @@
         </p:nvCxnSpPr>
         <p:spPr>
           <a:xfrm flipH="1" flipV="1">
-            <a:off x="2263369" y="2605657"/>
-            <a:ext cx="408229" cy="644659"/>
+            <a:off x="2263369" y="2067459"/>
+            <a:ext cx="408229" cy="1182857"/>
           </a:xfrm>
           <a:prstGeom prst="line">
             <a:avLst/>
@@ -3931,9 +3931,9 @@
           <p:nvPr/>
         </p:nvCxnSpPr>
         <p:spPr>
-          <a:xfrm flipH="1">
-            <a:off x="2263366" y="3250316"/>
-            <a:ext cx="408232" cy="195611"/>
+          <a:xfrm flipH="1" flipV="1">
+            <a:off x="2263366" y="2907729"/>
+            <a:ext cx="408232" cy="342587"/>
           </a:xfrm>
           <a:prstGeom prst="line">
             <a:avLst/>
@@ -4833,7 +4833,7 @@
             <a:pPr algn="ctr"/>
             <a:r>
               <a:rPr lang="en-US" altLang="ko-KR" sz="1200" b="1"/>
-              <a:t>Service (Target)</a:t>
+              <a:t>Target (Service)</a:t>
             </a:r>
             <a:endParaRPr lang="ko-KR" altLang="en-US" sz="1200" b="1"/>
           </a:p>
@@ -5384,7 +5384,7 @@
         </p:nvSpPr>
         <p:spPr>
           <a:xfrm>
-            <a:off x="971600" y="3962790"/>
+            <a:off x="971600" y="3424592"/>
             <a:ext cx="1287693" cy="409160"/>
           </a:xfrm>
           <a:prstGeom prst="roundRect">
@@ -5414,7 +5414,7 @@
             <a:pPr algn="ctr"/>
             <a:r>
               <a:rPr lang="en-US" altLang="ko-KR" sz="1200"/>
-              <a:t>Remote Storage</a:t>
+              <a:t>Target</a:t>
             </a:r>
             <a:endParaRPr lang="ko-KR" altLang="en-US" sz="1200"/>
           </a:p>
@@ -5479,14 +5479,14 @@
           <p:cNvCxnSpPr>
             <a:cxnSpLocks/>
             <a:stCxn id="53" idx="2"/>
-            <a:endCxn id="120" idx="3"/>
+            <a:endCxn id="69" idx="3"/>
           </p:cNvCxnSpPr>
           <p:nvPr/>
         </p:nvCxnSpPr>
         <p:spPr>
           <a:xfrm flipH="1">
             <a:off x="2259293" y="3454896"/>
-            <a:ext cx="2057793" cy="712474"/>
+            <a:ext cx="2057793" cy="784482"/>
           </a:xfrm>
           <a:prstGeom prst="line">
             <a:avLst/>
@@ -5716,7 +5716,7 @@
         </p:nvSpPr>
         <p:spPr>
           <a:xfrm>
-            <a:off x="1924477" y="3060948"/>
+            <a:off x="1924477" y="2742188"/>
             <a:ext cx="956133" cy="261610"/>
           </a:xfrm>
           <a:prstGeom prst="rect">
@@ -6533,7 +6533,7 @@
         </p:nvSpPr>
         <p:spPr>
           <a:xfrm>
-            <a:off x="1393285" y="1984299"/>
+            <a:off x="1393285" y="1446101"/>
             <a:ext cx="956133" cy="261610"/>
           </a:xfrm>
           <a:prstGeom prst="rect">
@@ -6564,6 +6564,103 @@
           </a:p>
         </p:txBody>
       </p:sp>
+      <p:sp>
+        <p:nvSpPr>
+          <p:cNvPr id="69" name="사각형: 둥근 모서리 68">
+            <a:extLst>
+              <a:ext uri="{FF2B5EF4-FFF2-40B4-BE49-F238E27FC236}">
+                <a16:creationId xmlns:a16="http://schemas.microsoft.com/office/drawing/2014/main" id="{DC633AA7-040D-406B-ADFE-62108416F048}"/>
+              </a:ext>
+            </a:extLst>
+          </p:cNvPr>
+          <p:cNvSpPr/>
+          <p:nvPr/>
+        </p:nvSpPr>
+        <p:spPr>
+          <a:xfrm>
+            <a:off x="971600" y="4034798"/>
+            <a:ext cx="1287693" cy="409160"/>
+          </a:xfrm>
+          <a:prstGeom prst="roundRect">
+            <a:avLst>
+              <a:gd name="adj" fmla="val 8130"/>
+            </a:avLst>
+          </a:prstGeom>
+        </p:spPr>
+        <p:style>
+          <a:lnRef idx="2">
+            <a:schemeClr val="dk1"/>
+          </a:lnRef>
+          <a:fillRef idx="1">
+            <a:schemeClr val="lt1"/>
+          </a:fillRef>
+          <a:effectRef idx="0">
+            <a:schemeClr val="dk1"/>
+          </a:effectRef>
+          <a:fontRef idx="minor">
+            <a:schemeClr val="dk1"/>
+          </a:fontRef>
+        </p:style>
+        <p:txBody>
+          <a:bodyPr rtlCol="0" anchor="ctr"/>
+          <a:lstStyle/>
+          <a:p>
+            <a:pPr algn="ctr"/>
+            <a:r>
+              <a:rPr lang="en-US" altLang="ko-KR" sz="1200"/>
+              <a:t>Remote Storage</a:t>
+            </a:r>
+            <a:endParaRPr lang="ko-KR" altLang="en-US" sz="1200"/>
+          </a:p>
+        </p:txBody>
+      </p:sp>
+      <p:cxnSp>
+        <p:nvCxnSpPr>
+          <p:cNvPr id="72" name="직선 연결선 71">
+            <a:extLst>
+              <a:ext uri="{FF2B5EF4-FFF2-40B4-BE49-F238E27FC236}">
+                <a16:creationId xmlns:a16="http://schemas.microsoft.com/office/drawing/2014/main" id="{63AEA18C-BAE8-4915-973F-BD16459A662C}"/>
+              </a:ext>
+            </a:extLst>
+          </p:cNvPr>
+          <p:cNvCxnSpPr>
+            <a:cxnSpLocks/>
+            <a:stCxn id="6" idx="2"/>
+            <a:endCxn id="120" idx="0"/>
+          </p:cNvCxnSpPr>
+          <p:nvPr/>
+        </p:nvCxnSpPr>
+        <p:spPr>
+          <a:xfrm flipH="1">
+            <a:off x="1615447" y="3229263"/>
+            <a:ext cx="4073" cy="195329"/>
+          </a:xfrm>
+          <a:prstGeom prst="line">
+            <a:avLst/>
+          </a:prstGeom>
+          <a:ln w="19050">
+            <a:solidFill>
+              <a:srgbClr val="C00000"/>
+            </a:solidFill>
+            <a:headEnd type="arrow" w="med" len="med"/>
+            <a:tailEnd type="none" w="med" len="med"/>
+          </a:ln>
+        </p:spPr>
+        <p:style>
+          <a:lnRef idx="1">
+            <a:schemeClr val="accent1"/>
+          </a:lnRef>
+          <a:fillRef idx="0">
+            <a:schemeClr val="accent1"/>
+          </a:fillRef>
+          <a:effectRef idx="0">
+            <a:schemeClr val="accent1"/>
+          </a:effectRef>
+          <a:fontRef idx="minor">
+            <a:schemeClr val="tx1"/>
+          </a:fontRef>
+        </p:style>
+      </p:cxnSp>
     </p:spTree>
     <p:extLst>
       <p:ext uri="{BB962C8B-B14F-4D97-AF65-F5344CB8AC3E}">

--- a/images/theory_analysis/Prometheus_Architecture/Prometheus.pptx
+++ b/images/theory_analysis/Prometheus_Architecture/Prometheus.pptx
@@ -5,10 +5,12 @@
     <p:sldMasterId id="2147483648" r:id="rId1"/>
   </p:sldMasterIdLst>
   <p:notesMasterIdLst>
-    <p:notesMasterId r:id="rId3"/>
+    <p:notesMasterId r:id="rId5"/>
   </p:notesMasterIdLst>
   <p:sldIdLst>
-    <p:sldId id="366" r:id="rId2"/>
+    <p:sldId id="367" r:id="rId2"/>
+    <p:sldId id="368" r:id="rId3"/>
+    <p:sldId id="366" r:id="rId4"/>
   </p:sldIdLst>
   <p:sldSz cx="9144000" cy="5143500" type="screen16x9"/>
   <p:notesSz cx="6858000" cy="9144000"/>
@@ -546,6 +548,90 @@
             <a:fld id="{BA5DFA43-8D57-47FB-BC46-057616015C3B}" type="slidenum">
               <a:rPr lang="ko-KR" altLang="en-US" smtClean="0"/>
               <a:t>1</a:t>
+            </a:fld>
+            <a:endParaRPr lang="ko-KR" altLang="en-US"/>
+          </a:p>
+        </p:txBody>
+      </p:sp>
+    </p:spTree>
+    <p:extLst>
+      <p:ext uri="{BB962C8B-B14F-4D97-AF65-F5344CB8AC3E}">
+        <p14:creationId xmlns:p14="http://schemas.microsoft.com/office/powerpoint/2010/main" val="3195895851"/>
+      </p:ext>
+    </p:extLst>
+  </p:cSld>
+  <p:clrMapOvr>
+    <a:masterClrMapping/>
+  </p:clrMapOvr>
+</p:notes>
+</file>
+
+<file path=ppt/notesSlides/notesSlide2.xml><?xml version="1.0" encoding="utf-8"?>
+<p:notes xmlns:a="http://schemas.openxmlformats.org/drawingml/2006/main" xmlns:r="http://schemas.openxmlformats.org/officeDocument/2006/relationships" xmlns:p="http://schemas.openxmlformats.org/presentationml/2006/main">
+  <p:cSld>
+    <p:spTree>
+      <p:nvGrpSpPr>
+        <p:cNvPr id="1" name=""/>
+        <p:cNvGrpSpPr/>
+        <p:nvPr/>
+      </p:nvGrpSpPr>
+      <p:grpSpPr>
+        <a:xfrm>
+          <a:off x="0" y="0"/>
+          <a:ext cx="0" cy="0"/>
+          <a:chOff x="0" y="0"/>
+          <a:chExt cx="0" cy="0"/>
+        </a:xfrm>
+      </p:grpSpPr>
+      <p:sp>
+        <p:nvSpPr>
+          <p:cNvPr id="2" name="슬라이드 이미지 개체 틀 1"/>
+          <p:cNvSpPr>
+            <a:spLocks noGrp="1" noRot="1" noChangeAspect="1"/>
+          </p:cNvSpPr>
+          <p:nvPr>
+            <p:ph type="sldImg"/>
+          </p:nvPr>
+        </p:nvSpPr>
+        <p:spPr/>
+      </p:sp>
+      <p:sp>
+        <p:nvSpPr>
+          <p:cNvPr id="3" name="슬라이드 노트 개체 틀 2"/>
+          <p:cNvSpPr>
+            <a:spLocks noGrp="1"/>
+          </p:cNvSpPr>
+          <p:nvPr>
+            <p:ph type="body" idx="1"/>
+          </p:nvPr>
+        </p:nvSpPr>
+        <p:spPr/>
+        <p:txBody>
+          <a:bodyPr/>
+          <a:lstStyle/>
+          <a:p>
+            <a:endParaRPr lang="ko-KR" altLang="en-US"/>
+          </a:p>
+        </p:txBody>
+      </p:sp>
+      <p:sp>
+        <p:nvSpPr>
+          <p:cNvPr id="4" name="슬라이드 번호 개체 틀 3"/>
+          <p:cNvSpPr>
+            <a:spLocks noGrp="1"/>
+          </p:cNvSpPr>
+          <p:nvPr>
+            <p:ph type="sldNum" sz="quarter" idx="10"/>
+          </p:nvPr>
+        </p:nvSpPr>
+        <p:spPr/>
+        <p:txBody>
+          <a:bodyPr/>
+          <a:lstStyle/>
+          <a:p>
+            <a:fld id="{BA5DFA43-8D57-47FB-BC46-057616015C3B}" type="slidenum">
+              <a:rPr lang="ko-KR" altLang="en-US" smtClean="0"/>
+              <a:t>3</a:t>
             </a:fld>
             <a:endParaRPr lang="ko-KR" altLang="en-US"/>
           </a:p>
@@ -3485,7 +3571,7 @@
         </p:nvSpPr>
         <p:spPr>
           <a:xfrm>
-            <a:off x="4453384" y="2787774"/>
+            <a:off x="4308360" y="2785048"/>
             <a:ext cx="1157562" cy="261610"/>
           </a:xfrm>
           <a:prstGeom prst="rect">
@@ -3506,7 +3592,7 @@
                   <a:schemeClr val="tx2"/>
                 </a:solidFill>
               </a:rPr>
-              <a:t>Metric Alert</a:t>
+              <a:t>Metric</a:t>
             </a:r>
             <a:endParaRPr lang="ko-KR" altLang="en-US" sz="1100">
               <a:solidFill>
@@ -3530,7 +3616,7 @@
         </p:nvSpPr>
         <p:spPr>
           <a:xfrm>
-            <a:off x="5546208" y="784002"/>
+            <a:off x="5345112" y="784002"/>
             <a:ext cx="2407940" cy="1355700"/>
           </a:xfrm>
           <a:prstGeom prst="roundRect">
@@ -3611,8 +3697,8 @@
         </p:nvSpPr>
         <p:spPr>
           <a:xfrm>
-            <a:off x="2564076" y="2260600"/>
-            <a:ext cx="3531924" cy="2183854"/>
+            <a:off x="2823490" y="2260600"/>
+            <a:ext cx="2935960" cy="2183854"/>
           </a:xfrm>
           <a:prstGeom prst="roundRect">
             <a:avLst>
@@ -3670,7 +3756,7 @@
         </p:nvSpPr>
         <p:spPr>
           <a:xfrm>
-            <a:off x="975674" y="1745924"/>
+            <a:off x="1191698" y="1745924"/>
             <a:ext cx="1287695" cy="643070"/>
           </a:xfrm>
           <a:prstGeom prst="roundRect">
@@ -3727,7 +3813,7 @@
         </p:nvSpPr>
         <p:spPr>
           <a:xfrm>
-            <a:off x="975673" y="2586194"/>
+            <a:off x="1191697" y="2586194"/>
             <a:ext cx="1287693" cy="643069"/>
           </a:xfrm>
           <a:prstGeom prst="roundRect">
@@ -3784,7 +3870,7 @@
         </p:nvSpPr>
         <p:spPr>
           <a:xfrm>
-            <a:off x="975673" y="1025440"/>
+            <a:off x="1191697" y="1025440"/>
             <a:ext cx="1287695" cy="409160"/>
           </a:xfrm>
           <a:prstGeom prst="roundRect">
@@ -3838,7 +3924,7 @@
         </p:nvCxnSpPr>
         <p:spPr>
           <a:xfrm>
-            <a:off x="1619521" y="1434600"/>
+            <a:off x="1835545" y="1434600"/>
             <a:ext cx="1" cy="311324"/>
           </a:xfrm>
           <a:prstGeom prst="line">
@@ -3885,8 +3971,8 @@
         </p:nvCxnSpPr>
         <p:spPr>
           <a:xfrm flipH="1" flipV="1">
-            <a:off x="2263369" y="2067459"/>
-            <a:ext cx="408229" cy="1182857"/>
+            <a:off x="2479393" y="2067459"/>
+            <a:ext cx="458262" cy="803767"/>
           </a:xfrm>
           <a:prstGeom prst="line">
             <a:avLst/>
@@ -3931,9 +4017,9 @@
           <p:nvPr/>
         </p:nvCxnSpPr>
         <p:spPr>
-          <a:xfrm flipH="1" flipV="1">
-            <a:off x="2263366" y="2907729"/>
-            <a:ext cx="408232" cy="342587"/>
+          <a:xfrm flipH="1">
+            <a:off x="2479390" y="2871226"/>
+            <a:ext cx="458265" cy="36503"/>
           </a:xfrm>
           <a:prstGeom prst="line">
             <a:avLst/>
@@ -3975,7 +4061,7 @@
         </p:nvSpPr>
         <p:spPr>
           <a:xfrm>
-            <a:off x="6358256" y="2258318"/>
+            <a:off x="5926208" y="2258318"/>
             <a:ext cx="1287695" cy="485059"/>
           </a:xfrm>
           <a:prstGeom prst="roundRect">
@@ -4032,7 +4118,7 @@
         </p:nvSpPr>
         <p:spPr>
           <a:xfrm>
-            <a:off x="5647525" y="1096318"/>
+            <a:off x="5446429" y="1096318"/>
             <a:ext cx="870792" cy="409160"/>
           </a:xfrm>
           <a:prstGeom prst="roundRect">
@@ -4082,7 +4168,7 @@
         </p:nvSpPr>
         <p:spPr>
           <a:xfrm>
-            <a:off x="6619633" y="1096318"/>
+            <a:off x="6418537" y="1096318"/>
             <a:ext cx="870792" cy="409160"/>
           </a:xfrm>
           <a:prstGeom prst="roundRect">
@@ -4132,7 +4218,7 @@
         </p:nvSpPr>
         <p:spPr>
           <a:xfrm>
-            <a:off x="6619633" y="1626872"/>
+            <a:off x="6418537" y="1626872"/>
             <a:ext cx="870792" cy="409160"/>
           </a:xfrm>
           <a:prstGeom prst="roundRect">
@@ -4182,7 +4268,7 @@
         </p:nvSpPr>
         <p:spPr>
           <a:xfrm>
-            <a:off x="5647525" y="1628590"/>
+            <a:off x="5446429" y="1628590"/>
             <a:ext cx="870792" cy="409160"/>
           </a:xfrm>
           <a:prstGeom prst="roundRect">
@@ -4236,8 +4322,8 @@
         </p:nvCxnSpPr>
         <p:spPr>
           <a:xfrm flipH="1" flipV="1">
-            <a:off x="6750178" y="2139702"/>
-            <a:ext cx="251926" cy="118616"/>
+            <a:off x="6549082" y="2139702"/>
+            <a:ext cx="20974" cy="118616"/>
           </a:xfrm>
           <a:prstGeom prst="line">
             <a:avLst/>
@@ -4279,12 +4365,12 @@
         </p:nvSpPr>
         <p:spPr>
           <a:xfrm>
-            <a:off x="3832900" y="3045736"/>
-            <a:ext cx="968371" cy="409160"/>
+            <a:off x="2938537" y="3258247"/>
+            <a:ext cx="1534020" cy="854084"/>
           </a:xfrm>
           <a:prstGeom prst="roundRect">
             <a:avLst>
-              <a:gd name="adj" fmla="val 5026"/>
+              <a:gd name="adj" fmla="val 2982"/>
             </a:avLst>
           </a:prstGeom>
         </p:spPr>
@@ -4303,7 +4389,7 @@
           </a:fontRef>
         </p:style>
         <p:txBody>
-          <a:bodyPr rtlCol="0" anchor="ctr"/>
+          <a:bodyPr rtlCol="0" anchor="t"/>
           <a:lstStyle/>
           <a:p>
             <a:pPr algn="ctr"/>
@@ -4311,7 +4397,6 @@
               <a:rPr lang="en-US" altLang="ko-KR" sz="1200"/>
               <a:t>Storage</a:t>
             </a:r>
-            <a:endParaRPr lang="ko-KR" altLang="en-US" sz="1200"/>
           </a:p>
         </p:txBody>
       </p:sp>
@@ -4329,7 +4414,7 @@
         </p:nvSpPr>
         <p:spPr>
           <a:xfrm>
-            <a:off x="2671598" y="3045736"/>
+            <a:off x="2937655" y="2666646"/>
             <a:ext cx="968371" cy="409160"/>
           </a:xfrm>
           <a:prstGeom prst="roundRect">
@@ -4368,7 +4453,6 @@
               <a:rPr lang="en-US" altLang="ko-KR" sz="1200"/>
               <a:t>Manager</a:t>
             </a:r>
-            <a:endParaRPr lang="ko-KR" altLang="en-US" sz="1200"/>
           </a:p>
         </p:txBody>
       </p:sp>
@@ -4386,7 +4470,7 @@
         </p:nvSpPr>
         <p:spPr>
           <a:xfrm>
-            <a:off x="4994913" y="2378614"/>
+            <a:off x="4683749" y="2378614"/>
             <a:ext cx="968371" cy="409160"/>
           </a:xfrm>
           <a:prstGeom prst="roundRect">
@@ -4440,8 +4524,8 @@
         </p:nvCxnSpPr>
         <p:spPr>
           <a:xfrm flipV="1">
-            <a:off x="5963284" y="2500848"/>
-            <a:ext cx="394972" cy="82346"/>
+            <a:off x="5652120" y="2500848"/>
+            <a:ext cx="274088" cy="82346"/>
           </a:xfrm>
           <a:prstGeom prst="line">
             <a:avLst/>
@@ -4483,7 +4567,7 @@
         </p:nvSpPr>
         <p:spPr>
           <a:xfrm>
-            <a:off x="4992682" y="3714930"/>
+            <a:off x="4681518" y="3714930"/>
             <a:ext cx="968371" cy="409160"/>
           </a:xfrm>
           <a:prstGeom prst="roundRect">
@@ -4515,7 +4599,6 @@
               <a:rPr lang="en-US" altLang="ko-KR" sz="1200"/>
               <a:t>PromQL</a:t>
             </a:r>
-            <a:endParaRPr lang="ko-KR" altLang="en-US" sz="1200"/>
           </a:p>
         </p:txBody>
       </p:sp>
@@ -4537,8 +4620,8 @@
         </p:nvCxnSpPr>
         <p:spPr>
           <a:xfrm flipV="1">
-            <a:off x="3155784" y="2139702"/>
-            <a:ext cx="819986" cy="906034"/>
+            <a:off x="3421841" y="2139702"/>
+            <a:ext cx="606961" cy="526944"/>
           </a:xfrm>
           <a:prstGeom prst="line">
             <a:avLst/>
@@ -4580,7 +4663,7 @@
         </p:nvSpPr>
         <p:spPr>
           <a:xfrm>
-            <a:off x="2771800" y="2211710"/>
+            <a:off x="3524127" y="2289061"/>
             <a:ext cx="956133" cy="430887"/>
           </a:xfrm>
           <a:prstGeom prst="rect">
@@ -4623,7 +4706,7 @@
         </p:nvGrpSpPr>
         <p:grpSpPr>
           <a:xfrm>
-            <a:off x="7562432" y="1525074"/>
+            <a:off x="7361336" y="1525074"/>
             <a:ext cx="300112" cy="65162"/>
             <a:chOff x="8028384" y="1512622"/>
             <a:chExt cx="300112" cy="65162"/>
@@ -4800,7 +4883,7 @@
         </p:nvSpPr>
         <p:spPr>
           <a:xfrm>
-            <a:off x="2771800" y="784002"/>
+            <a:off x="2824832" y="784002"/>
             <a:ext cx="2407940" cy="1355700"/>
           </a:xfrm>
           <a:prstGeom prst="roundRect">
@@ -4853,7 +4936,7 @@
         </p:nvSpPr>
         <p:spPr>
           <a:xfrm>
-            <a:off x="2873117" y="1096318"/>
+            <a:off x="2926149" y="1096318"/>
             <a:ext cx="870792" cy="409160"/>
           </a:xfrm>
           <a:prstGeom prst="roundRect">
@@ -4903,7 +4986,7 @@
         </p:nvSpPr>
         <p:spPr>
           <a:xfrm>
-            <a:off x="3845225" y="1096318"/>
+            <a:off x="3898257" y="1096318"/>
             <a:ext cx="870792" cy="409160"/>
           </a:xfrm>
           <a:prstGeom prst="roundRect">
@@ -4953,7 +5036,7 @@
         </p:nvSpPr>
         <p:spPr>
           <a:xfrm>
-            <a:off x="3845225" y="1626872"/>
+            <a:off x="3898257" y="1626872"/>
             <a:ext cx="870792" cy="409160"/>
           </a:xfrm>
           <a:prstGeom prst="roundRect">
@@ -5003,7 +5086,7 @@
         </p:nvSpPr>
         <p:spPr>
           <a:xfrm>
-            <a:off x="2873117" y="1628590"/>
+            <a:off x="2926149" y="1628590"/>
             <a:ext cx="870792" cy="409160"/>
           </a:xfrm>
           <a:prstGeom prst="roundRect">
@@ -5053,7 +5136,7 @@
         </p:nvGrpSpPr>
         <p:grpSpPr>
           <a:xfrm>
-            <a:off x="4788024" y="1525074"/>
+            <a:off x="4841056" y="1525074"/>
             <a:ext cx="300112" cy="65162"/>
             <a:chOff x="8028384" y="1512622"/>
             <a:chExt cx="300112" cy="65162"/>
@@ -5216,33 +5299,189 @@
           </p:txBody>
         </p:sp>
       </p:grpSp>
+      <p:sp>
+        <p:nvSpPr>
+          <p:cNvPr id="106" name="사각형: 둥근 모서리 105">
+            <a:extLst>
+              <a:ext uri="{FF2B5EF4-FFF2-40B4-BE49-F238E27FC236}">
+                <a16:creationId xmlns:a16="http://schemas.microsoft.com/office/drawing/2014/main" id="{73AF33D7-79AA-4C7F-B935-09D342451698}"/>
+              </a:ext>
+            </a:extLst>
+          </p:cNvPr>
+          <p:cNvSpPr/>
+          <p:nvPr/>
+        </p:nvSpPr>
+        <p:spPr>
+          <a:xfrm>
+            <a:off x="4682077" y="3045736"/>
+            <a:ext cx="968371" cy="409160"/>
+          </a:xfrm>
+          <a:prstGeom prst="roundRect">
+            <a:avLst>
+              <a:gd name="adj" fmla="val 5026"/>
+            </a:avLst>
+          </a:prstGeom>
+        </p:spPr>
+        <p:style>
+          <a:lnRef idx="2">
+            <a:schemeClr val="dk1"/>
+          </a:lnRef>
+          <a:fillRef idx="1">
+            <a:schemeClr val="lt1"/>
+          </a:fillRef>
+          <a:effectRef idx="0">
+            <a:schemeClr val="dk1"/>
+          </a:effectRef>
+          <a:fontRef idx="minor">
+            <a:schemeClr val="dk1"/>
+          </a:fontRef>
+        </p:style>
+        <p:txBody>
+          <a:bodyPr rtlCol="0" anchor="ctr"/>
+          <a:lstStyle/>
+          <a:p>
+            <a:pPr algn="ctr"/>
+            <a:r>
+              <a:rPr lang="en-US" altLang="ko-KR" sz="1200"/>
+              <a:t>Rule Manager</a:t>
+            </a:r>
+            <a:endParaRPr lang="ko-KR" altLang="en-US" sz="1200"/>
+          </a:p>
+        </p:txBody>
+      </p:sp>
+      <p:sp>
+        <p:nvSpPr>
+          <p:cNvPr id="115" name="사각형: 둥근 모서리 114">
+            <a:extLst>
+              <a:ext uri="{FF2B5EF4-FFF2-40B4-BE49-F238E27FC236}">
+                <a16:creationId xmlns:a16="http://schemas.microsoft.com/office/drawing/2014/main" id="{B038B081-D7FD-43E1-8F07-F4EEE3A7A276}"/>
+              </a:ext>
+            </a:extLst>
+          </p:cNvPr>
+          <p:cNvSpPr/>
+          <p:nvPr/>
+        </p:nvSpPr>
+        <p:spPr>
+          <a:xfrm>
+            <a:off x="3103900" y="3550040"/>
+            <a:ext cx="1189809" cy="480470"/>
+          </a:xfrm>
+          <a:prstGeom prst="roundRect">
+            <a:avLst>
+              <a:gd name="adj" fmla="val 5026"/>
+            </a:avLst>
+          </a:prstGeom>
+        </p:spPr>
+        <p:style>
+          <a:lnRef idx="2">
+            <a:schemeClr val="dk1"/>
+          </a:lnRef>
+          <a:fillRef idx="1">
+            <a:schemeClr val="lt1"/>
+          </a:fillRef>
+          <a:effectRef idx="0">
+            <a:schemeClr val="dk1"/>
+          </a:effectRef>
+          <a:fontRef idx="minor">
+            <a:schemeClr val="dk1"/>
+          </a:fontRef>
+        </p:style>
+        <p:txBody>
+          <a:bodyPr rtlCol="0" anchor="ctr"/>
+          <a:lstStyle/>
+          <a:p>
+            <a:pPr algn="ctr"/>
+            <a:r>
+              <a:rPr lang="en-US" altLang="ko-KR" sz="1200"/>
+              <a:t>Local Storage </a:t>
+            </a:r>
+          </a:p>
+          <a:p>
+            <a:pPr algn="ctr"/>
+            <a:r>
+              <a:rPr lang="en-US" altLang="ko-KR" sz="1200"/>
+              <a:t>(TSDB)</a:t>
+            </a:r>
+            <a:endParaRPr lang="ko-KR" altLang="en-US" sz="1200"/>
+          </a:p>
+        </p:txBody>
+      </p:sp>
+      <p:sp>
+        <p:nvSpPr>
+          <p:cNvPr id="120" name="사각형: 둥근 모서리 119">
+            <a:extLst>
+              <a:ext uri="{FF2B5EF4-FFF2-40B4-BE49-F238E27FC236}">
+                <a16:creationId xmlns:a16="http://schemas.microsoft.com/office/drawing/2014/main" id="{8F5762BA-1C69-4353-A60F-2E13D0CB0F73}"/>
+              </a:ext>
+            </a:extLst>
+          </p:cNvPr>
+          <p:cNvSpPr/>
+          <p:nvPr/>
+        </p:nvSpPr>
+        <p:spPr>
+          <a:xfrm>
+            <a:off x="1187624" y="3424592"/>
+            <a:ext cx="1287693" cy="409160"/>
+          </a:xfrm>
+          <a:prstGeom prst="roundRect">
+            <a:avLst>
+              <a:gd name="adj" fmla="val 8130"/>
+            </a:avLst>
+          </a:prstGeom>
+        </p:spPr>
+        <p:style>
+          <a:lnRef idx="2">
+            <a:schemeClr val="dk1"/>
+          </a:lnRef>
+          <a:fillRef idx="1">
+            <a:schemeClr val="lt1"/>
+          </a:fillRef>
+          <a:effectRef idx="0">
+            <a:schemeClr val="dk1"/>
+          </a:effectRef>
+          <a:fontRef idx="minor">
+            <a:schemeClr val="dk1"/>
+          </a:fontRef>
+        </p:style>
+        <p:txBody>
+          <a:bodyPr rtlCol="0" anchor="ctr"/>
+          <a:lstStyle/>
+          <a:p>
+            <a:pPr algn="ctr"/>
+            <a:r>
+              <a:rPr lang="en-US" altLang="ko-KR" sz="1200"/>
+              <a:t>Target</a:t>
+            </a:r>
+            <a:endParaRPr lang="ko-KR" altLang="en-US" sz="1200"/>
+          </a:p>
+        </p:txBody>
+      </p:sp>
       <p:cxnSp>
         <p:nvCxnSpPr>
-          <p:cNvPr id="101" name="직선 연결선 100">
+          <p:cNvPr id="129" name="직선 연결선 128">
             <a:extLst>
               <a:ext uri="{FF2B5EF4-FFF2-40B4-BE49-F238E27FC236}">
-                <a16:creationId xmlns:a16="http://schemas.microsoft.com/office/drawing/2014/main" id="{4F96398B-AB0A-41CA-91C6-83530ECD2D89}"/>
+                <a16:creationId xmlns:a16="http://schemas.microsoft.com/office/drawing/2014/main" id="{F49D05F0-C8F4-4EDA-9B4A-11DFC968B2F9}"/>
               </a:ext>
             </a:extLst>
           </p:cNvPr>
           <p:cNvCxnSpPr>
             <a:cxnSpLocks/>
-            <a:stCxn id="54" idx="3"/>
-            <a:endCxn id="53" idx="1"/>
+            <a:stCxn id="89" idx="2"/>
           </p:cNvCxnSpPr>
           <p:nvPr/>
         </p:nvCxnSpPr>
         <p:spPr>
           <a:xfrm>
-            <a:off x="3639969" y="3250316"/>
-            <a:ext cx="192931" cy="0"/>
+            <a:off x="4028802" y="2139702"/>
+            <a:ext cx="655117" cy="329654"/>
           </a:xfrm>
           <a:prstGeom prst="line">
             <a:avLst/>
           </a:prstGeom>
           <a:ln w="19050">
             <a:solidFill>
-              <a:srgbClr val="C00000"/>
+              <a:schemeClr val="tx2"/>
             </a:solidFill>
             <a:headEnd type="none" w="med" len="med"/>
             <a:tailEnd type="arrow" w="med" len="med"/>
@@ -5265,304 +5504,6 @@
       </p:cxnSp>
       <p:sp>
         <p:nvSpPr>
-          <p:cNvPr id="106" name="사각형: 둥근 모서리 105">
-            <a:extLst>
-              <a:ext uri="{FF2B5EF4-FFF2-40B4-BE49-F238E27FC236}">
-                <a16:creationId xmlns:a16="http://schemas.microsoft.com/office/drawing/2014/main" id="{73AF33D7-79AA-4C7F-B935-09D342451698}"/>
-              </a:ext>
-            </a:extLst>
-          </p:cNvPr>
-          <p:cNvSpPr/>
-          <p:nvPr/>
-        </p:nvSpPr>
-        <p:spPr>
-          <a:xfrm>
-            <a:off x="4993241" y="3045736"/>
-            <a:ext cx="968371" cy="409160"/>
-          </a:xfrm>
-          <a:prstGeom prst="roundRect">
-            <a:avLst>
-              <a:gd name="adj" fmla="val 5026"/>
-            </a:avLst>
-          </a:prstGeom>
-        </p:spPr>
-        <p:style>
-          <a:lnRef idx="2">
-            <a:schemeClr val="dk1"/>
-          </a:lnRef>
-          <a:fillRef idx="1">
-            <a:schemeClr val="lt1"/>
-          </a:fillRef>
-          <a:effectRef idx="0">
-            <a:schemeClr val="dk1"/>
-          </a:effectRef>
-          <a:fontRef idx="minor">
-            <a:schemeClr val="dk1"/>
-          </a:fontRef>
-        </p:style>
-        <p:txBody>
-          <a:bodyPr rtlCol="0" anchor="ctr"/>
-          <a:lstStyle/>
-          <a:p>
-            <a:pPr algn="ctr"/>
-            <a:r>
-              <a:rPr lang="en-US" altLang="ko-KR" sz="1200"/>
-              <a:t>Rule Manager</a:t>
-            </a:r>
-            <a:endParaRPr lang="ko-KR" altLang="en-US" sz="1200"/>
-          </a:p>
-        </p:txBody>
-      </p:sp>
-      <p:sp>
-        <p:nvSpPr>
-          <p:cNvPr id="115" name="사각형: 둥근 모서리 114">
-            <a:extLst>
-              <a:ext uri="{FF2B5EF4-FFF2-40B4-BE49-F238E27FC236}">
-                <a16:creationId xmlns:a16="http://schemas.microsoft.com/office/drawing/2014/main" id="{B038B081-D7FD-43E1-8F07-F4EEE3A7A276}"/>
-              </a:ext>
-            </a:extLst>
-          </p:cNvPr>
-          <p:cNvSpPr/>
-          <p:nvPr/>
-        </p:nvSpPr>
-        <p:spPr>
-          <a:xfrm>
-            <a:off x="3563888" y="3709467"/>
-            <a:ext cx="1207766" cy="409160"/>
-          </a:xfrm>
-          <a:prstGeom prst="roundRect">
-            <a:avLst>
-              <a:gd name="adj" fmla="val 5026"/>
-            </a:avLst>
-          </a:prstGeom>
-        </p:spPr>
-        <p:style>
-          <a:lnRef idx="2">
-            <a:schemeClr val="dk1"/>
-          </a:lnRef>
-          <a:fillRef idx="1">
-            <a:schemeClr val="lt1"/>
-          </a:fillRef>
-          <a:effectRef idx="0">
-            <a:schemeClr val="dk1"/>
-          </a:effectRef>
-          <a:fontRef idx="minor">
-            <a:schemeClr val="dk1"/>
-          </a:fontRef>
-        </p:style>
-        <p:txBody>
-          <a:bodyPr rtlCol="0" anchor="ctr"/>
-          <a:lstStyle/>
-          <a:p>
-            <a:pPr algn="ctr"/>
-            <a:r>
-              <a:rPr lang="en-US" altLang="ko-KR" sz="1200"/>
-              <a:t>Local Storage </a:t>
-            </a:r>
-          </a:p>
-          <a:p>
-            <a:pPr algn="ctr"/>
-            <a:r>
-              <a:rPr lang="en-US" altLang="ko-KR" sz="1200"/>
-              <a:t>(TSDB)</a:t>
-            </a:r>
-            <a:endParaRPr lang="ko-KR" altLang="en-US" sz="1200"/>
-          </a:p>
-        </p:txBody>
-      </p:sp>
-      <p:sp>
-        <p:nvSpPr>
-          <p:cNvPr id="120" name="사각형: 둥근 모서리 119">
-            <a:extLst>
-              <a:ext uri="{FF2B5EF4-FFF2-40B4-BE49-F238E27FC236}">
-                <a16:creationId xmlns:a16="http://schemas.microsoft.com/office/drawing/2014/main" id="{8F5762BA-1C69-4353-A60F-2E13D0CB0F73}"/>
-              </a:ext>
-            </a:extLst>
-          </p:cNvPr>
-          <p:cNvSpPr/>
-          <p:nvPr/>
-        </p:nvSpPr>
-        <p:spPr>
-          <a:xfrm>
-            <a:off x="971600" y="3424592"/>
-            <a:ext cx="1287693" cy="409160"/>
-          </a:xfrm>
-          <a:prstGeom prst="roundRect">
-            <a:avLst>
-              <a:gd name="adj" fmla="val 8130"/>
-            </a:avLst>
-          </a:prstGeom>
-        </p:spPr>
-        <p:style>
-          <a:lnRef idx="2">
-            <a:schemeClr val="dk1"/>
-          </a:lnRef>
-          <a:fillRef idx="1">
-            <a:schemeClr val="lt1"/>
-          </a:fillRef>
-          <a:effectRef idx="0">
-            <a:schemeClr val="dk1"/>
-          </a:effectRef>
-          <a:fontRef idx="minor">
-            <a:schemeClr val="dk1"/>
-          </a:fontRef>
-        </p:style>
-        <p:txBody>
-          <a:bodyPr rtlCol="0" anchor="ctr"/>
-          <a:lstStyle/>
-          <a:p>
-            <a:pPr algn="ctr"/>
-            <a:r>
-              <a:rPr lang="en-US" altLang="ko-KR" sz="1200"/>
-              <a:t>Target</a:t>
-            </a:r>
-            <a:endParaRPr lang="ko-KR" altLang="en-US" sz="1200"/>
-          </a:p>
-        </p:txBody>
-      </p:sp>
-      <p:cxnSp>
-        <p:nvCxnSpPr>
-          <p:cNvPr id="121" name="직선 연결선 120">
-            <a:extLst>
-              <a:ext uri="{FF2B5EF4-FFF2-40B4-BE49-F238E27FC236}">
-                <a16:creationId xmlns:a16="http://schemas.microsoft.com/office/drawing/2014/main" id="{D832854A-109E-4128-9D7C-811155870B70}"/>
-              </a:ext>
-            </a:extLst>
-          </p:cNvPr>
-          <p:cNvCxnSpPr>
-            <a:cxnSpLocks/>
-            <a:stCxn id="53" idx="2"/>
-            <a:endCxn id="115" idx="0"/>
-          </p:cNvCxnSpPr>
-          <p:nvPr/>
-        </p:nvCxnSpPr>
-        <p:spPr>
-          <a:xfrm flipH="1">
-            <a:off x="4167771" y="3454896"/>
-            <a:ext cx="149315" cy="254571"/>
-          </a:xfrm>
-          <a:prstGeom prst="line">
-            <a:avLst/>
-          </a:prstGeom>
-          <a:ln w="19050">
-            <a:solidFill>
-              <a:srgbClr val="C00000"/>
-            </a:solidFill>
-            <a:headEnd type="none" w="med" len="med"/>
-            <a:tailEnd type="arrow" w="med" len="med"/>
-          </a:ln>
-        </p:spPr>
-        <p:style>
-          <a:lnRef idx="1">
-            <a:schemeClr val="accent1"/>
-          </a:lnRef>
-          <a:fillRef idx="0">
-            <a:schemeClr val="accent1"/>
-          </a:fillRef>
-          <a:effectRef idx="0">
-            <a:schemeClr val="accent1"/>
-          </a:effectRef>
-          <a:fontRef idx="minor">
-            <a:schemeClr val="tx1"/>
-          </a:fontRef>
-        </p:style>
-      </p:cxnSp>
-      <p:cxnSp>
-        <p:nvCxnSpPr>
-          <p:cNvPr id="125" name="직선 연결선 124">
-            <a:extLst>
-              <a:ext uri="{FF2B5EF4-FFF2-40B4-BE49-F238E27FC236}">
-                <a16:creationId xmlns:a16="http://schemas.microsoft.com/office/drawing/2014/main" id="{961CFF57-071F-4B89-AA73-41EAC9E6DF5D}"/>
-              </a:ext>
-            </a:extLst>
-          </p:cNvPr>
-          <p:cNvCxnSpPr>
-            <a:cxnSpLocks/>
-            <a:stCxn id="53" idx="2"/>
-            <a:endCxn id="69" idx="3"/>
-          </p:cNvCxnSpPr>
-          <p:nvPr/>
-        </p:nvCxnSpPr>
-        <p:spPr>
-          <a:xfrm flipH="1">
-            <a:off x="2259293" y="3454896"/>
-            <a:ext cx="2057793" cy="784482"/>
-          </a:xfrm>
-          <a:prstGeom prst="line">
-            <a:avLst/>
-          </a:prstGeom>
-          <a:ln w="19050">
-            <a:solidFill>
-              <a:srgbClr val="C00000"/>
-            </a:solidFill>
-            <a:headEnd type="none" w="med" len="med"/>
-            <a:tailEnd type="arrow" w="med" len="med"/>
-          </a:ln>
-        </p:spPr>
-        <p:style>
-          <a:lnRef idx="1">
-            <a:schemeClr val="accent1"/>
-          </a:lnRef>
-          <a:fillRef idx="0">
-            <a:schemeClr val="accent1"/>
-          </a:fillRef>
-          <a:effectRef idx="0">
-            <a:schemeClr val="accent1"/>
-          </a:effectRef>
-          <a:fontRef idx="minor">
-            <a:schemeClr val="tx1"/>
-          </a:fontRef>
-        </p:style>
-      </p:cxnSp>
-      <p:cxnSp>
-        <p:nvCxnSpPr>
-          <p:cNvPr id="129" name="직선 연결선 128">
-            <a:extLst>
-              <a:ext uri="{FF2B5EF4-FFF2-40B4-BE49-F238E27FC236}">
-                <a16:creationId xmlns:a16="http://schemas.microsoft.com/office/drawing/2014/main" id="{F49D05F0-C8F4-4EDA-9B4A-11DFC968B2F9}"/>
-              </a:ext>
-            </a:extLst>
-          </p:cNvPr>
-          <p:cNvCxnSpPr>
-            <a:cxnSpLocks/>
-            <a:stCxn id="54" idx="0"/>
-            <a:endCxn id="64" idx="1"/>
-          </p:cNvCxnSpPr>
-          <p:nvPr/>
-        </p:nvCxnSpPr>
-        <p:spPr>
-          <a:xfrm flipV="1">
-            <a:off x="3155784" y="2583194"/>
-            <a:ext cx="1839129" cy="462542"/>
-          </a:xfrm>
-          <a:prstGeom prst="line">
-            <a:avLst/>
-          </a:prstGeom>
-          <a:ln w="19050">
-            <a:solidFill>
-              <a:schemeClr val="tx2"/>
-            </a:solidFill>
-            <a:headEnd type="none" w="med" len="med"/>
-            <a:tailEnd type="arrow" w="med" len="med"/>
-          </a:ln>
-        </p:spPr>
-        <p:style>
-          <a:lnRef idx="1">
-            <a:schemeClr val="accent1"/>
-          </a:lnRef>
-          <a:fillRef idx="0">
-            <a:schemeClr val="accent1"/>
-          </a:fillRef>
-          <a:effectRef idx="0">
-            <a:schemeClr val="accent1"/>
-          </a:effectRef>
-          <a:fontRef idx="minor">
-            <a:schemeClr val="tx1"/>
-          </a:fontRef>
-        </p:style>
-      </p:cxnSp>
-      <p:sp>
-        <p:nvSpPr>
           <p:cNvPr id="135" name="TextBox 134">
             <a:extLst>
               <a:ext uri="{FF2B5EF4-FFF2-40B4-BE49-F238E27FC236}">
@@ -5575,7 +5516,7 @@
         </p:nvSpPr>
         <p:spPr>
           <a:xfrm>
-            <a:off x="3988176" y="2310140"/>
+            <a:off x="4341073" y="2322045"/>
             <a:ext cx="1159888" cy="261610"/>
           </a:xfrm>
           <a:prstGeom prst="rect">
@@ -5596,7 +5537,7 @@
                   <a:schemeClr val="tx2"/>
                 </a:solidFill>
               </a:rPr>
-              <a:t>Target Alert</a:t>
+              <a:t>Target</a:t>
             </a:r>
             <a:endParaRPr lang="ko-KR" altLang="en-US" sz="1100">
               <a:solidFill>
@@ -5624,7 +5565,7 @@
         </p:nvCxnSpPr>
         <p:spPr>
           <a:xfrm flipV="1">
-            <a:off x="5477427" y="2787774"/>
+            <a:off x="5166263" y="2787774"/>
             <a:ext cx="1672" cy="257962"/>
           </a:xfrm>
           <a:prstGeom prst="line">
@@ -5671,7 +5612,7 @@
         </p:nvCxnSpPr>
         <p:spPr>
           <a:xfrm flipV="1">
-            <a:off x="5476868" y="3454896"/>
+            <a:off x="5165704" y="3454896"/>
             <a:ext cx="559" cy="260034"/>
           </a:xfrm>
           <a:prstGeom prst="line">
@@ -5683,7 +5624,7 @@
                 <a:lumMod val="75000"/>
               </a:schemeClr>
             </a:solidFill>
-            <a:headEnd type="none" w="med" len="med"/>
+            <a:headEnd type="arrow" w="med" len="med"/>
             <a:tailEnd type="arrow" w="med" len="med"/>
           </a:ln>
         </p:spPr>
@@ -5716,7 +5657,7 @@
         </p:nvSpPr>
         <p:spPr>
           <a:xfrm>
-            <a:off x="1924477" y="2742188"/>
+            <a:off x="2175707" y="2598172"/>
             <a:ext cx="956133" cy="261610"/>
           </a:xfrm>
           <a:prstGeom prst="rect">
@@ -5765,8 +5706,8 @@
         </p:nvCxnSpPr>
         <p:spPr>
           <a:xfrm>
-            <a:off x="4801271" y="3250316"/>
-            <a:ext cx="191411" cy="669194"/>
+            <a:off x="4472557" y="3685289"/>
+            <a:ext cx="208961" cy="234221"/>
           </a:xfrm>
           <a:prstGeom prst="line">
             <a:avLst/>
@@ -5808,7 +5749,7 @@
         </p:nvGrpSpPr>
         <p:grpSpPr>
           <a:xfrm>
-            <a:off x="6358256" y="2867290"/>
+            <a:off x="5926208" y="2867290"/>
             <a:ext cx="1598120" cy="1590037"/>
             <a:chOff x="6358256" y="2757934"/>
             <a:chExt cx="1598120" cy="1699394"/>
@@ -6170,8 +6111,8 @@
         </p:nvCxnSpPr>
         <p:spPr>
           <a:xfrm flipV="1">
-            <a:off x="5961053" y="3855429"/>
-            <a:ext cx="540177" cy="64081"/>
+            <a:off x="5649889" y="3855429"/>
+            <a:ext cx="419293" cy="64081"/>
           </a:xfrm>
           <a:prstGeom prst="line">
             <a:avLst/>
@@ -6182,7 +6123,7 @@
                 <a:lumMod val="75000"/>
               </a:schemeClr>
             </a:solidFill>
-            <a:headEnd type="none" w="med" len="med"/>
+            <a:headEnd type="arrow" w="med" len="med"/>
             <a:tailEnd type="arrow" w="med" len="med"/>
           </a:ln>
         </p:spPr>
@@ -6219,8 +6160,8 @@
         </p:nvCxnSpPr>
         <p:spPr>
           <a:xfrm flipV="1">
-            <a:off x="5961053" y="3357114"/>
-            <a:ext cx="552416" cy="562396"/>
+            <a:off x="5649889" y="3357114"/>
+            <a:ext cx="431532" cy="562396"/>
           </a:xfrm>
           <a:prstGeom prst="line">
             <a:avLst/>
@@ -6231,7 +6172,7 @@
                 <a:lumMod val="75000"/>
               </a:schemeClr>
             </a:solidFill>
-            <a:headEnd type="none" w="med" len="med"/>
+            <a:headEnd type="arrow" w="med" len="med"/>
             <a:tailEnd type="arrow" w="med" len="med"/>
           </a:ln>
         </p:spPr>
@@ -6264,10 +6205,10 @@
         </p:nvGrpSpPr>
         <p:grpSpPr>
           <a:xfrm>
-            <a:off x="2603958" y="4515966"/>
-            <a:ext cx="3611526" cy="261610"/>
+            <a:off x="2500542" y="4463008"/>
+            <a:ext cx="4015674" cy="261610"/>
             <a:chOff x="2555776" y="4515966"/>
-            <a:chExt cx="3611526" cy="261610"/>
+            <a:chExt cx="4015674" cy="261610"/>
           </a:xfrm>
         </p:grpSpPr>
         <p:cxnSp>
@@ -6451,8 +6392,8 @@
           </p:nvCxnSpPr>
           <p:spPr>
             <a:xfrm flipH="1">
-              <a:off x="4644008" y="4646771"/>
-              <a:ext cx="288032" cy="1"/>
+              <a:off x="4644009" y="4646771"/>
+              <a:ext cx="288030" cy="1"/>
             </a:xfrm>
             <a:prstGeom prst="line">
               <a:avLst/>
@@ -6496,8 +6437,8 @@
           </p:nvSpPr>
           <p:spPr>
             <a:xfrm>
-              <a:off x="4932040" y="4515966"/>
-              <a:ext cx="1235262" cy="261610"/>
+              <a:off x="4932039" y="4515966"/>
+              <a:ext cx="1639411" cy="261610"/>
             </a:xfrm>
             <a:prstGeom prst="rect">
               <a:avLst/>
@@ -6513,7 +6454,3396 @@
               <a:pPr algn="ctr"/>
               <a:r>
                 <a:rPr lang="en-US" altLang="ko-KR" sz="1100"/>
-                <a:t>PromQL Result</a:t>
+                <a:t>PromQL Query/Result</a:t>
+              </a:r>
+            </a:p>
+          </p:txBody>
+        </p:sp>
+      </p:grpSp>
+      <p:sp>
+        <p:nvSpPr>
+          <p:cNvPr id="71" name="TextBox 70">
+            <a:extLst>
+              <a:ext uri="{FF2B5EF4-FFF2-40B4-BE49-F238E27FC236}">
+                <a16:creationId xmlns:a16="http://schemas.microsoft.com/office/drawing/2014/main" id="{291169E0-569A-4AF6-813E-8218B7B24921}"/>
+              </a:ext>
+            </a:extLst>
+          </p:cNvPr>
+          <p:cNvSpPr txBox="1"/>
+          <p:nvPr/>
+        </p:nvSpPr>
+        <p:spPr>
+          <a:xfrm>
+            <a:off x="1609309" y="1446101"/>
+            <a:ext cx="956133" cy="261610"/>
+          </a:xfrm>
+          <a:prstGeom prst="rect">
+            <a:avLst/>
+          </a:prstGeom>
+          <a:noFill/>
+        </p:spPr>
+        <p:txBody>
+          <a:bodyPr wrap="square" rtlCol="0" anchor="ctr">
+            <a:spAutoFit/>
+          </a:bodyPr>
+          <a:lstStyle/>
+          <a:p>
+            <a:pPr algn="ctr"/>
+            <a:r>
+              <a:rPr lang="en-US" altLang="ko-KR" sz="1100">
+                <a:solidFill>
+                  <a:srgbClr val="C00000"/>
+                </a:solidFill>
+              </a:rPr>
+              <a:t>Push</a:t>
+            </a:r>
+            <a:endParaRPr lang="ko-KR" altLang="en-US" sz="1100">
+              <a:solidFill>
+                <a:srgbClr val="C00000"/>
+              </a:solidFill>
+            </a:endParaRPr>
+          </a:p>
+        </p:txBody>
+      </p:sp>
+      <p:sp>
+        <p:nvSpPr>
+          <p:cNvPr id="69" name="사각형: 둥근 모서리 68">
+            <a:extLst>
+              <a:ext uri="{FF2B5EF4-FFF2-40B4-BE49-F238E27FC236}">
+                <a16:creationId xmlns:a16="http://schemas.microsoft.com/office/drawing/2014/main" id="{DC633AA7-040D-406B-ADFE-62108416F048}"/>
+              </a:ext>
+            </a:extLst>
+          </p:cNvPr>
+          <p:cNvSpPr/>
+          <p:nvPr/>
+        </p:nvSpPr>
+        <p:spPr>
+          <a:xfrm>
+            <a:off x="1187624" y="4030447"/>
+            <a:ext cx="1287693" cy="409160"/>
+          </a:xfrm>
+          <a:prstGeom prst="roundRect">
+            <a:avLst>
+              <a:gd name="adj" fmla="val 8130"/>
+            </a:avLst>
+          </a:prstGeom>
+        </p:spPr>
+        <p:style>
+          <a:lnRef idx="2">
+            <a:schemeClr val="dk1"/>
+          </a:lnRef>
+          <a:fillRef idx="1">
+            <a:schemeClr val="lt1"/>
+          </a:fillRef>
+          <a:effectRef idx="0">
+            <a:schemeClr val="dk1"/>
+          </a:effectRef>
+          <a:fontRef idx="minor">
+            <a:schemeClr val="dk1"/>
+          </a:fontRef>
+        </p:style>
+        <p:txBody>
+          <a:bodyPr rtlCol="0" anchor="ctr"/>
+          <a:lstStyle/>
+          <a:p>
+            <a:pPr algn="ctr"/>
+            <a:r>
+              <a:rPr lang="en-US" altLang="ko-KR" sz="1200"/>
+              <a:t>Remote Storage</a:t>
+            </a:r>
+            <a:endParaRPr lang="ko-KR" altLang="en-US" sz="1200"/>
+          </a:p>
+        </p:txBody>
+      </p:sp>
+      <p:cxnSp>
+        <p:nvCxnSpPr>
+          <p:cNvPr id="72" name="직선 연결선 71">
+            <a:extLst>
+              <a:ext uri="{FF2B5EF4-FFF2-40B4-BE49-F238E27FC236}">
+                <a16:creationId xmlns:a16="http://schemas.microsoft.com/office/drawing/2014/main" id="{63AEA18C-BAE8-4915-973F-BD16459A662C}"/>
+              </a:ext>
+            </a:extLst>
+          </p:cNvPr>
+          <p:cNvCxnSpPr>
+            <a:cxnSpLocks/>
+            <a:stCxn id="6" idx="2"/>
+            <a:endCxn id="120" idx="0"/>
+          </p:cNvCxnSpPr>
+          <p:nvPr/>
+        </p:nvCxnSpPr>
+        <p:spPr>
+          <a:xfrm flipH="1">
+            <a:off x="1831471" y="3229263"/>
+            <a:ext cx="4073" cy="195329"/>
+          </a:xfrm>
+          <a:prstGeom prst="line">
+            <a:avLst/>
+          </a:prstGeom>
+          <a:ln w="19050">
+            <a:solidFill>
+              <a:srgbClr val="C00000"/>
+            </a:solidFill>
+            <a:headEnd type="arrow" w="med" len="med"/>
+            <a:tailEnd type="none" w="med" len="med"/>
+          </a:ln>
+        </p:spPr>
+        <p:style>
+          <a:lnRef idx="1">
+            <a:schemeClr val="accent1"/>
+          </a:lnRef>
+          <a:fillRef idx="0">
+            <a:schemeClr val="accent1"/>
+          </a:fillRef>
+          <a:effectRef idx="0">
+            <a:schemeClr val="accent1"/>
+          </a:effectRef>
+          <a:fontRef idx="minor">
+            <a:schemeClr val="tx1"/>
+          </a:fontRef>
+        </p:style>
+      </p:cxnSp>
+      <p:cxnSp>
+        <p:nvCxnSpPr>
+          <p:cNvPr id="98" name="직선 연결선 97">
+            <a:extLst>
+              <a:ext uri="{FF2B5EF4-FFF2-40B4-BE49-F238E27FC236}">
+                <a16:creationId xmlns:a16="http://schemas.microsoft.com/office/drawing/2014/main" id="{C0EBC855-D0F3-48EF-B154-C1E39FBD0A2F}"/>
+              </a:ext>
+            </a:extLst>
+          </p:cNvPr>
+          <p:cNvCxnSpPr>
+            <a:cxnSpLocks/>
+            <a:stCxn id="69" idx="3"/>
+            <a:endCxn id="53" idx="1"/>
+          </p:cNvCxnSpPr>
+          <p:nvPr/>
+        </p:nvCxnSpPr>
+        <p:spPr>
+          <a:xfrm flipV="1">
+            <a:off x="2475317" y="3685289"/>
+            <a:ext cx="463220" cy="549738"/>
+          </a:xfrm>
+          <a:prstGeom prst="line">
+            <a:avLst/>
+          </a:prstGeom>
+          <a:ln w="19050">
+            <a:solidFill>
+              <a:srgbClr val="C00000"/>
+            </a:solidFill>
+            <a:headEnd type="arrow" w="med" len="med"/>
+            <a:tailEnd type="arrow" w="med" len="med"/>
+          </a:ln>
+        </p:spPr>
+        <p:style>
+          <a:lnRef idx="1">
+            <a:schemeClr val="accent1"/>
+          </a:lnRef>
+          <a:fillRef idx="0">
+            <a:schemeClr val="accent1"/>
+          </a:fillRef>
+          <a:effectRef idx="0">
+            <a:schemeClr val="accent1"/>
+          </a:effectRef>
+          <a:fontRef idx="minor">
+            <a:schemeClr val="tx1"/>
+          </a:fontRef>
+        </p:style>
+      </p:cxnSp>
+      <p:cxnSp>
+        <p:nvCxnSpPr>
+          <p:cNvPr id="114" name="직선 연결선 113">
+            <a:extLst>
+              <a:ext uri="{FF2B5EF4-FFF2-40B4-BE49-F238E27FC236}">
+                <a16:creationId xmlns:a16="http://schemas.microsoft.com/office/drawing/2014/main" id="{D5B7BE39-2E96-4D91-ADD7-7F1FD93C5C21}"/>
+              </a:ext>
+            </a:extLst>
+          </p:cNvPr>
+          <p:cNvCxnSpPr>
+            <a:cxnSpLocks/>
+            <a:stCxn id="53" idx="0"/>
+            <a:endCxn id="54" idx="2"/>
+          </p:cNvCxnSpPr>
+          <p:nvPr/>
+        </p:nvCxnSpPr>
+        <p:spPr>
+          <a:xfrm flipH="1" flipV="1">
+            <a:off x="3421841" y="3075806"/>
+            <a:ext cx="283706" cy="182441"/>
+          </a:xfrm>
+          <a:prstGeom prst="line">
+            <a:avLst/>
+          </a:prstGeom>
+          <a:ln w="19050">
+            <a:solidFill>
+              <a:srgbClr val="C00000"/>
+            </a:solidFill>
+            <a:headEnd type="arrow" w="med" len="med"/>
+            <a:tailEnd type="none" w="med" len="med"/>
+          </a:ln>
+        </p:spPr>
+        <p:style>
+          <a:lnRef idx="1">
+            <a:schemeClr val="accent1"/>
+          </a:lnRef>
+          <a:fillRef idx="0">
+            <a:schemeClr val="accent1"/>
+          </a:fillRef>
+          <a:effectRef idx="0">
+            <a:schemeClr val="accent1"/>
+          </a:effectRef>
+          <a:fontRef idx="minor">
+            <a:schemeClr val="tx1"/>
+          </a:fontRef>
+        </p:style>
+      </p:cxnSp>
+      <p:cxnSp>
+        <p:nvCxnSpPr>
+          <p:cNvPr id="119" name="직선 연결선 118">
+            <a:extLst>
+              <a:ext uri="{FF2B5EF4-FFF2-40B4-BE49-F238E27FC236}">
+                <a16:creationId xmlns:a16="http://schemas.microsoft.com/office/drawing/2014/main" id="{19B0492C-FE33-4EB2-9F3B-8E8C482BF313}"/>
+              </a:ext>
+            </a:extLst>
+          </p:cNvPr>
+          <p:cNvCxnSpPr>
+            <a:cxnSpLocks/>
+            <a:endCxn id="89" idx="2"/>
+          </p:cNvCxnSpPr>
+          <p:nvPr/>
+        </p:nvCxnSpPr>
+        <p:spPr>
+          <a:xfrm flipH="1" flipV="1">
+            <a:off x="4028802" y="2139702"/>
+            <a:ext cx="655117" cy="548729"/>
+          </a:xfrm>
+          <a:prstGeom prst="line">
+            <a:avLst/>
+          </a:prstGeom>
+          <a:ln w="19050">
+            <a:solidFill>
+              <a:schemeClr val="tx1"/>
+            </a:solidFill>
+            <a:headEnd type="none" w="med" len="med"/>
+            <a:tailEnd type="arrow" w="med" len="med"/>
+          </a:ln>
+        </p:spPr>
+        <p:style>
+          <a:lnRef idx="1">
+            <a:schemeClr val="accent1"/>
+          </a:lnRef>
+          <a:fillRef idx="0">
+            <a:schemeClr val="accent1"/>
+          </a:fillRef>
+          <a:effectRef idx="0">
+            <a:schemeClr val="accent1"/>
+          </a:effectRef>
+          <a:fontRef idx="minor">
+            <a:schemeClr val="tx1"/>
+          </a:fontRef>
+        </p:style>
+      </p:cxnSp>
+    </p:spTree>
+    <p:extLst>
+      <p:ext uri="{BB962C8B-B14F-4D97-AF65-F5344CB8AC3E}">
+        <p14:creationId xmlns:p14="http://schemas.microsoft.com/office/powerpoint/2010/main" val="3013921878"/>
+      </p:ext>
+    </p:extLst>
+  </p:cSld>
+  <p:clrMapOvr>
+    <a:masterClrMapping/>
+  </p:clrMapOvr>
+</p:sld>
+</file>
+
+<file path=ppt/slides/slide2.xml><?xml version="1.0" encoding="utf-8"?>
+<p:sld xmlns:a="http://schemas.openxmlformats.org/drawingml/2006/main" xmlns:r="http://schemas.openxmlformats.org/officeDocument/2006/relationships" xmlns:p="http://schemas.openxmlformats.org/presentationml/2006/main">
+  <p:cSld>
+    <p:spTree>
+      <p:nvGrpSpPr>
+        <p:cNvPr id="1" name=""/>
+        <p:cNvGrpSpPr/>
+        <p:nvPr/>
+      </p:nvGrpSpPr>
+      <p:grpSpPr>
+        <a:xfrm>
+          <a:off x="0" y="0"/>
+          <a:ext cx="0" cy="0"/>
+          <a:chOff x="0" y="0"/>
+          <a:chExt cx="0" cy="0"/>
+        </a:xfrm>
+      </p:grpSpPr>
+    </p:spTree>
+    <p:extLst>
+      <p:ext uri="{BB962C8B-B14F-4D97-AF65-F5344CB8AC3E}">
+        <p14:creationId xmlns:p14="http://schemas.microsoft.com/office/powerpoint/2010/main" val="589009470"/>
+      </p:ext>
+    </p:extLst>
+  </p:cSld>
+  <p:clrMapOvr>
+    <a:masterClrMapping/>
+  </p:clrMapOvr>
+</p:sld>
+</file>
+
+<file path=ppt/slides/slide3.xml><?xml version="1.0" encoding="utf-8"?>
+<p:sld xmlns:a="http://schemas.openxmlformats.org/drawingml/2006/main" xmlns:r="http://schemas.openxmlformats.org/officeDocument/2006/relationships" xmlns:p="http://schemas.openxmlformats.org/presentationml/2006/main">
+  <p:cSld>
+    <p:spTree>
+      <p:nvGrpSpPr>
+        <p:cNvPr id="1" name=""/>
+        <p:cNvGrpSpPr/>
+        <p:nvPr/>
+      </p:nvGrpSpPr>
+      <p:grpSpPr>
+        <a:xfrm>
+          <a:off x="0" y="0"/>
+          <a:ext cx="0" cy="0"/>
+          <a:chOff x="0" y="0"/>
+          <a:chExt cx="0" cy="0"/>
+        </a:xfrm>
+      </p:grpSpPr>
+      <p:sp>
+        <p:nvSpPr>
+          <p:cNvPr id="168" name="TextBox 167">
+            <a:extLst>
+              <a:ext uri="{FF2B5EF4-FFF2-40B4-BE49-F238E27FC236}">
+                <a16:creationId xmlns:a16="http://schemas.microsoft.com/office/drawing/2014/main" id="{4D658D72-C27E-4E8B-BA5E-404B6E6A557C}"/>
+              </a:ext>
+            </a:extLst>
+          </p:cNvPr>
+          <p:cNvSpPr txBox="1"/>
+          <p:nvPr/>
+        </p:nvSpPr>
+        <p:spPr>
+          <a:xfrm>
+            <a:off x="4619524" y="2787774"/>
+            <a:ext cx="1157562" cy="261610"/>
+          </a:xfrm>
+          <a:prstGeom prst="rect">
+            <a:avLst/>
+          </a:prstGeom>
+          <a:noFill/>
+        </p:spPr>
+        <p:txBody>
+          <a:bodyPr wrap="square" rtlCol="0" anchor="ctr">
+            <a:spAutoFit/>
+          </a:bodyPr>
+          <a:lstStyle/>
+          <a:p>
+            <a:pPr algn="ctr"/>
+            <a:r>
+              <a:rPr lang="en-US" altLang="ko-KR" sz="1100">
+                <a:solidFill>
+                  <a:schemeClr val="tx2"/>
+                </a:solidFill>
+              </a:rPr>
+              <a:t>Metric</a:t>
+            </a:r>
+            <a:endParaRPr lang="ko-KR" altLang="en-US" sz="1100">
+              <a:solidFill>
+                <a:schemeClr val="tx2"/>
+              </a:solidFill>
+            </a:endParaRPr>
+          </a:p>
+        </p:txBody>
+      </p:sp>
+      <p:sp>
+        <p:nvSpPr>
+          <p:cNvPr id="44" name="사각형: 둥근 모서리 43">
+            <a:extLst>
+              <a:ext uri="{FF2B5EF4-FFF2-40B4-BE49-F238E27FC236}">
+                <a16:creationId xmlns:a16="http://schemas.microsoft.com/office/drawing/2014/main" id="{5BD225FF-7FCC-453F-975C-6A518AB4A6E9}"/>
+              </a:ext>
+            </a:extLst>
+          </p:cNvPr>
+          <p:cNvSpPr/>
+          <p:nvPr/>
+        </p:nvSpPr>
+        <p:spPr>
+          <a:xfrm>
+            <a:off x="5546208" y="784002"/>
+            <a:ext cx="2407940" cy="1355700"/>
+          </a:xfrm>
+          <a:prstGeom prst="roundRect">
+            <a:avLst>
+              <a:gd name="adj" fmla="val 3621"/>
+            </a:avLst>
+          </a:prstGeom>
+          <a:ln>
+            <a:prstDash val="dash"/>
+          </a:ln>
+        </p:spPr>
+        <p:style>
+          <a:lnRef idx="2">
+            <a:schemeClr val="dk1"/>
+          </a:lnRef>
+          <a:fillRef idx="1">
+            <a:schemeClr val="lt1"/>
+          </a:fillRef>
+          <a:effectRef idx="0">
+            <a:schemeClr val="dk1"/>
+          </a:effectRef>
+          <a:fontRef idx="minor">
+            <a:schemeClr val="dk1"/>
+          </a:fontRef>
+        </p:style>
+        <p:txBody>
+          <a:bodyPr rtlCol="0" anchor="t"/>
+          <a:lstStyle/>
+          <a:p>
+            <a:pPr algn="ctr"/>
+            <a:r>
+              <a:rPr lang="en-US" altLang="ko-KR" sz="1200" b="1"/>
+              <a:t>Alert Destination</a:t>
+            </a:r>
+            <a:endParaRPr lang="ko-KR" altLang="en-US" sz="1200" b="1"/>
+          </a:p>
+        </p:txBody>
+      </p:sp>
+      <p:sp>
+        <p:nvSpPr>
+          <p:cNvPr id="2" name="제목 1"/>
+          <p:cNvSpPr>
+            <a:spLocks noGrp="1"/>
+          </p:cNvSpPr>
+          <p:nvPr>
+            <p:ph type="title"/>
+          </p:nvPr>
+        </p:nvSpPr>
+        <p:spPr>
+          <a:xfrm>
+            <a:off x="565354" y="-164554"/>
+            <a:ext cx="8229600" cy="857250"/>
+          </a:xfrm>
+        </p:spPr>
+        <p:txBody>
+          <a:bodyPr/>
+          <a:lstStyle/>
+          <a:p>
+            <a:r>
+              <a:rPr lang="en-US" altLang="ko-KR"/>
+              <a:t>Prometheus</a:t>
+            </a:r>
+            <a:endParaRPr lang="ko-KR" altLang="en-US"/>
+          </a:p>
+        </p:txBody>
+      </p:sp>
+      <p:sp>
+        <p:nvSpPr>
+          <p:cNvPr id="3" name="사각형: 둥근 모서리 2">
+            <a:extLst>
+              <a:ext uri="{FF2B5EF4-FFF2-40B4-BE49-F238E27FC236}">
+                <a16:creationId xmlns:a16="http://schemas.microsoft.com/office/drawing/2014/main" id="{42B5E3DD-4903-48C8-8495-1481530A6503}"/>
+              </a:ext>
+            </a:extLst>
+          </p:cNvPr>
+          <p:cNvSpPr/>
+          <p:nvPr/>
+        </p:nvSpPr>
+        <p:spPr>
+          <a:xfrm>
+            <a:off x="2564076" y="2260600"/>
+            <a:ext cx="3531924" cy="2183854"/>
+          </a:xfrm>
+          <a:prstGeom prst="roundRect">
+            <a:avLst>
+              <a:gd name="adj" fmla="val 1670"/>
+            </a:avLst>
+          </a:prstGeom>
+          <a:noFill/>
+        </p:spPr>
+        <p:style>
+          <a:lnRef idx="2">
+            <a:schemeClr val="dk1"/>
+          </a:lnRef>
+          <a:fillRef idx="1">
+            <a:schemeClr val="lt1"/>
+          </a:fillRef>
+          <a:effectRef idx="0">
+            <a:schemeClr val="dk1"/>
+          </a:effectRef>
+          <a:fontRef idx="minor">
+            <a:schemeClr val="dk1"/>
+          </a:fontRef>
+        </p:style>
+        <p:txBody>
+          <a:bodyPr rtlCol="0" anchor="b"/>
+          <a:lstStyle/>
+          <a:p>
+            <a:pPr algn="ctr"/>
+            <a:r>
+              <a:rPr lang="en-US" altLang="ko-KR" sz="1200" b="1"/>
+              <a:t>Prometheus</a:t>
+            </a:r>
+            <a:r>
+              <a:rPr lang="ko-KR" altLang="en-US" sz="1200" b="1"/>
+              <a:t> </a:t>
+            </a:r>
+            <a:r>
+              <a:rPr lang="en-US" altLang="ko-KR" sz="1200" b="1"/>
+              <a:t>Server</a:t>
+            </a:r>
+            <a:endParaRPr lang="ko-KR" altLang="en-US" sz="1200" b="1"/>
+          </a:p>
+        </p:txBody>
+      </p:sp>
+      <p:sp>
+        <p:nvSpPr>
+          <p:cNvPr id="4" name="사각형: 둥근 모서리 3">
+            <a:extLst>
+              <a:ext uri="{FF2B5EF4-FFF2-40B4-BE49-F238E27FC236}">
+                <a16:creationId xmlns:a16="http://schemas.microsoft.com/office/drawing/2014/main" id="{5219D31E-254A-4D51-A842-B42856E66609}"/>
+              </a:ext>
+            </a:extLst>
+          </p:cNvPr>
+          <p:cNvSpPr/>
+          <p:nvPr/>
+        </p:nvSpPr>
+        <p:spPr>
+          <a:xfrm>
+            <a:off x="975674" y="1745924"/>
+            <a:ext cx="1287695" cy="643070"/>
+          </a:xfrm>
+          <a:prstGeom prst="roundRect">
+            <a:avLst>
+              <a:gd name="adj" fmla="val 5026"/>
+            </a:avLst>
+          </a:prstGeom>
+        </p:spPr>
+        <p:style>
+          <a:lnRef idx="2">
+            <a:schemeClr val="dk1"/>
+          </a:lnRef>
+          <a:fillRef idx="1">
+            <a:schemeClr val="lt1"/>
+          </a:fillRef>
+          <a:effectRef idx="0">
+            <a:schemeClr val="dk1"/>
+          </a:effectRef>
+          <a:fontRef idx="minor">
+            <a:schemeClr val="dk1"/>
+          </a:fontRef>
+        </p:style>
+        <p:txBody>
+          <a:bodyPr rtlCol="0" anchor="ctr"/>
+          <a:lstStyle/>
+          <a:p>
+            <a:pPr algn="ctr"/>
+            <a:r>
+              <a:rPr lang="en-US" altLang="ko-KR" sz="1200" b="1"/>
+              <a:t>Prometheus</a:t>
+            </a:r>
+          </a:p>
+          <a:p>
+            <a:pPr algn="ctr"/>
+            <a:r>
+              <a:rPr lang="en-US" altLang="ko-KR" sz="1200" b="1"/>
+              <a:t>Pushgateway</a:t>
+            </a:r>
+            <a:endParaRPr lang="ko-KR" altLang="en-US" sz="1200" b="1"/>
+          </a:p>
+        </p:txBody>
+      </p:sp>
+      <p:sp>
+        <p:nvSpPr>
+          <p:cNvPr id="6" name="사각형: 둥근 모서리 5">
+            <a:extLst>
+              <a:ext uri="{FF2B5EF4-FFF2-40B4-BE49-F238E27FC236}">
+                <a16:creationId xmlns:a16="http://schemas.microsoft.com/office/drawing/2014/main" id="{38621790-3888-4E5F-A539-E1945B41E740}"/>
+              </a:ext>
+            </a:extLst>
+          </p:cNvPr>
+          <p:cNvSpPr/>
+          <p:nvPr/>
+        </p:nvSpPr>
+        <p:spPr>
+          <a:xfrm>
+            <a:off x="975673" y="2586194"/>
+            <a:ext cx="1287693" cy="643069"/>
+          </a:xfrm>
+          <a:prstGeom prst="roundRect">
+            <a:avLst>
+              <a:gd name="adj" fmla="val 5026"/>
+            </a:avLst>
+          </a:prstGeom>
+        </p:spPr>
+        <p:style>
+          <a:lnRef idx="2">
+            <a:schemeClr val="dk1"/>
+          </a:lnRef>
+          <a:fillRef idx="1">
+            <a:schemeClr val="lt1"/>
+          </a:fillRef>
+          <a:effectRef idx="0">
+            <a:schemeClr val="dk1"/>
+          </a:effectRef>
+          <a:fontRef idx="minor">
+            <a:schemeClr val="dk1"/>
+          </a:fontRef>
+        </p:style>
+        <p:txBody>
+          <a:bodyPr rtlCol="0" anchor="ctr"/>
+          <a:lstStyle/>
+          <a:p>
+            <a:pPr algn="ctr"/>
+            <a:r>
+              <a:rPr lang="en-US" altLang="ko-KR" sz="1200" b="1"/>
+              <a:t>Prometheus</a:t>
+            </a:r>
+          </a:p>
+          <a:p>
+            <a:pPr algn="ctr"/>
+            <a:r>
+              <a:rPr lang="en-US" altLang="ko-KR" sz="1200" b="1"/>
+              <a:t>Exporter</a:t>
+            </a:r>
+            <a:endParaRPr lang="ko-KR" altLang="en-US" sz="1200" b="1"/>
+          </a:p>
+        </p:txBody>
+      </p:sp>
+      <p:sp>
+        <p:nvSpPr>
+          <p:cNvPr id="7" name="사각형: 둥근 모서리 6">
+            <a:extLst>
+              <a:ext uri="{FF2B5EF4-FFF2-40B4-BE49-F238E27FC236}">
+                <a16:creationId xmlns:a16="http://schemas.microsoft.com/office/drawing/2014/main" id="{8F4E3788-4F12-4A66-82B7-2DD468D36F88}"/>
+              </a:ext>
+            </a:extLst>
+          </p:cNvPr>
+          <p:cNvSpPr/>
+          <p:nvPr/>
+        </p:nvSpPr>
+        <p:spPr>
+          <a:xfrm>
+            <a:off x="975673" y="1025440"/>
+            <a:ext cx="1287695" cy="409160"/>
+          </a:xfrm>
+          <a:prstGeom prst="roundRect">
+            <a:avLst>
+              <a:gd name="adj" fmla="val 5026"/>
+            </a:avLst>
+          </a:prstGeom>
+        </p:spPr>
+        <p:style>
+          <a:lnRef idx="2">
+            <a:schemeClr val="dk1"/>
+          </a:lnRef>
+          <a:fillRef idx="1">
+            <a:schemeClr val="lt1"/>
+          </a:fillRef>
+          <a:effectRef idx="0">
+            <a:schemeClr val="dk1"/>
+          </a:effectRef>
+          <a:fontRef idx="minor">
+            <a:schemeClr val="dk1"/>
+          </a:fontRef>
+        </p:style>
+        <p:txBody>
+          <a:bodyPr rtlCol="0" anchor="ctr"/>
+          <a:lstStyle/>
+          <a:p>
+            <a:pPr algn="ctr"/>
+            <a:r>
+              <a:rPr lang="en-US" altLang="ko-KR" sz="1200"/>
+              <a:t>Batch Job</a:t>
+            </a:r>
+            <a:endParaRPr lang="ko-KR" altLang="en-US" sz="1200"/>
+          </a:p>
+        </p:txBody>
+      </p:sp>
+      <p:cxnSp>
+        <p:nvCxnSpPr>
+          <p:cNvPr id="8" name="직선 연결선 7">
+            <a:extLst>
+              <a:ext uri="{FF2B5EF4-FFF2-40B4-BE49-F238E27FC236}">
+                <a16:creationId xmlns:a16="http://schemas.microsoft.com/office/drawing/2014/main" id="{B2D4838A-ACEB-454C-B6DE-5D24FC39C5AD}"/>
+              </a:ext>
+            </a:extLst>
+          </p:cNvPr>
+          <p:cNvCxnSpPr>
+            <a:cxnSpLocks/>
+            <a:stCxn id="7" idx="2"/>
+            <a:endCxn id="4" idx="0"/>
+          </p:cNvCxnSpPr>
+          <p:nvPr/>
+        </p:nvCxnSpPr>
+        <p:spPr>
+          <a:xfrm>
+            <a:off x="1619521" y="1434600"/>
+            <a:ext cx="1" cy="311324"/>
+          </a:xfrm>
+          <a:prstGeom prst="line">
+            <a:avLst/>
+          </a:prstGeom>
+          <a:ln w="19050">
+            <a:solidFill>
+              <a:srgbClr val="C00000"/>
+            </a:solidFill>
+            <a:headEnd type="none" w="med" len="med"/>
+            <a:tailEnd type="arrow" w="med" len="med"/>
+          </a:ln>
+        </p:spPr>
+        <p:style>
+          <a:lnRef idx="1">
+            <a:schemeClr val="accent1"/>
+          </a:lnRef>
+          <a:fillRef idx="0">
+            <a:schemeClr val="accent1"/>
+          </a:fillRef>
+          <a:effectRef idx="0">
+            <a:schemeClr val="accent1"/>
+          </a:effectRef>
+          <a:fontRef idx="minor">
+            <a:schemeClr val="tx1"/>
+          </a:fontRef>
+        </p:style>
+      </p:cxnSp>
+      <p:cxnSp>
+        <p:nvCxnSpPr>
+          <p:cNvPr id="11" name="직선 연결선 10">
+            <a:extLst>
+              <a:ext uri="{FF2B5EF4-FFF2-40B4-BE49-F238E27FC236}">
+                <a16:creationId xmlns:a16="http://schemas.microsoft.com/office/drawing/2014/main" id="{B9E8065F-5F40-48CF-9EA7-AA6F8A17B2D3}"/>
+              </a:ext>
+            </a:extLst>
+          </p:cNvPr>
+          <p:cNvCxnSpPr>
+            <a:cxnSpLocks/>
+            <a:stCxn id="54" idx="1"/>
+            <a:endCxn id="4" idx="3"/>
+          </p:cNvCxnSpPr>
+          <p:nvPr/>
+        </p:nvCxnSpPr>
+        <p:spPr>
+          <a:xfrm flipH="1" flipV="1">
+            <a:off x="2263369" y="2067459"/>
+            <a:ext cx="408229" cy="1182857"/>
+          </a:xfrm>
+          <a:prstGeom prst="line">
+            <a:avLst/>
+          </a:prstGeom>
+          <a:ln w="19050">
+            <a:solidFill>
+              <a:srgbClr val="C00000"/>
+            </a:solidFill>
+            <a:headEnd type="arrow" w="med" len="med"/>
+            <a:tailEnd type="none" w="med" len="med"/>
+          </a:ln>
+        </p:spPr>
+        <p:style>
+          <a:lnRef idx="1">
+            <a:schemeClr val="accent1"/>
+          </a:lnRef>
+          <a:fillRef idx="0">
+            <a:schemeClr val="accent1"/>
+          </a:fillRef>
+          <a:effectRef idx="0">
+            <a:schemeClr val="accent1"/>
+          </a:effectRef>
+          <a:fontRef idx="minor">
+            <a:schemeClr val="tx1"/>
+          </a:fontRef>
+        </p:style>
+      </p:cxnSp>
+      <p:cxnSp>
+        <p:nvCxnSpPr>
+          <p:cNvPr id="17" name="직선 연결선 16">
+            <a:extLst>
+              <a:ext uri="{FF2B5EF4-FFF2-40B4-BE49-F238E27FC236}">
+                <a16:creationId xmlns:a16="http://schemas.microsoft.com/office/drawing/2014/main" id="{70359EE4-7282-4B05-BB4C-A880DD745097}"/>
+              </a:ext>
+            </a:extLst>
+          </p:cNvPr>
+          <p:cNvCxnSpPr>
+            <a:cxnSpLocks/>
+            <a:stCxn id="54" idx="1"/>
+            <a:endCxn id="6" idx="3"/>
+          </p:cNvCxnSpPr>
+          <p:nvPr/>
+        </p:nvCxnSpPr>
+        <p:spPr>
+          <a:xfrm flipH="1" flipV="1">
+            <a:off x="2263366" y="2907729"/>
+            <a:ext cx="408232" cy="342587"/>
+          </a:xfrm>
+          <a:prstGeom prst="line">
+            <a:avLst/>
+          </a:prstGeom>
+          <a:ln w="19050">
+            <a:solidFill>
+              <a:srgbClr val="C00000"/>
+            </a:solidFill>
+            <a:headEnd type="arrow" w="med" len="med"/>
+            <a:tailEnd type="none" w="med" len="med"/>
+          </a:ln>
+        </p:spPr>
+        <p:style>
+          <a:lnRef idx="1">
+            <a:schemeClr val="accent1"/>
+          </a:lnRef>
+          <a:fillRef idx="0">
+            <a:schemeClr val="accent1"/>
+          </a:fillRef>
+          <a:effectRef idx="0">
+            <a:schemeClr val="accent1"/>
+          </a:effectRef>
+          <a:fontRef idx="minor">
+            <a:schemeClr val="tx1"/>
+          </a:fontRef>
+        </p:style>
+      </p:cxnSp>
+      <p:sp>
+        <p:nvSpPr>
+          <p:cNvPr id="26" name="사각형: 둥근 모서리 25">
+            <a:extLst>
+              <a:ext uri="{FF2B5EF4-FFF2-40B4-BE49-F238E27FC236}">
+                <a16:creationId xmlns:a16="http://schemas.microsoft.com/office/drawing/2014/main" id="{0842EE3E-0910-4A1C-B774-A24FCD3F14CF}"/>
+              </a:ext>
+            </a:extLst>
+          </p:cNvPr>
+          <p:cNvSpPr/>
+          <p:nvPr/>
+        </p:nvSpPr>
+        <p:spPr>
+          <a:xfrm>
+            <a:off x="6358256" y="2258318"/>
+            <a:ext cx="1287695" cy="485059"/>
+          </a:xfrm>
+          <a:prstGeom prst="roundRect">
+            <a:avLst>
+              <a:gd name="adj" fmla="val 5026"/>
+            </a:avLst>
+          </a:prstGeom>
+        </p:spPr>
+        <p:style>
+          <a:lnRef idx="2">
+            <a:schemeClr val="dk1"/>
+          </a:lnRef>
+          <a:fillRef idx="1">
+            <a:schemeClr val="lt1"/>
+          </a:fillRef>
+          <a:effectRef idx="0">
+            <a:schemeClr val="dk1"/>
+          </a:effectRef>
+          <a:fontRef idx="minor">
+            <a:schemeClr val="dk1"/>
+          </a:fontRef>
+        </p:style>
+        <p:txBody>
+          <a:bodyPr rtlCol="0" anchor="ctr"/>
+          <a:lstStyle/>
+          <a:p>
+            <a:pPr algn="ctr"/>
+            <a:r>
+              <a:rPr lang="en-US" altLang="ko-KR" sz="1200" b="1"/>
+              <a:t>Prometheus</a:t>
+            </a:r>
+          </a:p>
+          <a:p>
+            <a:pPr algn="ctr"/>
+            <a:r>
+              <a:rPr lang="en-US" altLang="ko-KR" sz="1200" b="1"/>
+              <a:t>Alertmanager</a:t>
+            </a:r>
+            <a:endParaRPr lang="ko-KR" altLang="en-US" sz="1200" b="1"/>
+          </a:p>
+        </p:txBody>
+      </p:sp>
+      <p:sp>
+        <p:nvSpPr>
+          <p:cNvPr id="28" name="사각형: 둥근 모서리 27">
+            <a:extLst>
+              <a:ext uri="{FF2B5EF4-FFF2-40B4-BE49-F238E27FC236}">
+                <a16:creationId xmlns:a16="http://schemas.microsoft.com/office/drawing/2014/main" id="{B6D1F209-4918-419D-AE61-0DB8F3C74085}"/>
+              </a:ext>
+            </a:extLst>
+          </p:cNvPr>
+          <p:cNvSpPr/>
+          <p:nvPr/>
+        </p:nvSpPr>
+        <p:spPr>
+          <a:xfrm>
+            <a:off x="5647525" y="1096318"/>
+            <a:ext cx="870792" cy="409160"/>
+          </a:xfrm>
+          <a:prstGeom prst="roundRect">
+            <a:avLst>
+              <a:gd name="adj" fmla="val 5026"/>
+            </a:avLst>
+          </a:prstGeom>
+        </p:spPr>
+        <p:style>
+          <a:lnRef idx="2">
+            <a:schemeClr val="dk1"/>
+          </a:lnRef>
+          <a:fillRef idx="1">
+            <a:schemeClr val="lt1"/>
+          </a:fillRef>
+          <a:effectRef idx="0">
+            <a:schemeClr val="dk1"/>
+          </a:effectRef>
+          <a:fontRef idx="minor">
+            <a:schemeClr val="dk1"/>
+          </a:fontRef>
+        </p:style>
+        <p:txBody>
+          <a:bodyPr rtlCol="0" anchor="ctr"/>
+          <a:lstStyle/>
+          <a:p>
+            <a:pPr algn="ctr"/>
+            <a:r>
+              <a:rPr lang="en-US" altLang="ko-KR" sz="1100"/>
+              <a:t>Email</a:t>
+            </a:r>
+            <a:endParaRPr lang="ko-KR" altLang="en-US" sz="1100"/>
+          </a:p>
+        </p:txBody>
+      </p:sp>
+      <p:sp>
+        <p:nvSpPr>
+          <p:cNvPr id="29" name="사각형: 둥근 모서리 28">
+            <a:extLst>
+              <a:ext uri="{FF2B5EF4-FFF2-40B4-BE49-F238E27FC236}">
+                <a16:creationId xmlns:a16="http://schemas.microsoft.com/office/drawing/2014/main" id="{58DDC7E0-5BFE-44CB-AF5B-371C0AD067CC}"/>
+              </a:ext>
+            </a:extLst>
+          </p:cNvPr>
+          <p:cNvSpPr/>
+          <p:nvPr/>
+        </p:nvSpPr>
+        <p:spPr>
+          <a:xfrm>
+            <a:off x="6619633" y="1096318"/>
+            <a:ext cx="870792" cy="409160"/>
+          </a:xfrm>
+          <a:prstGeom prst="roundRect">
+            <a:avLst>
+              <a:gd name="adj" fmla="val 5026"/>
+            </a:avLst>
+          </a:prstGeom>
+        </p:spPr>
+        <p:style>
+          <a:lnRef idx="2">
+            <a:schemeClr val="dk1"/>
+          </a:lnRef>
+          <a:fillRef idx="1">
+            <a:schemeClr val="lt1"/>
+          </a:fillRef>
+          <a:effectRef idx="0">
+            <a:schemeClr val="dk1"/>
+          </a:effectRef>
+          <a:fontRef idx="minor">
+            <a:schemeClr val="dk1"/>
+          </a:fontRef>
+        </p:style>
+        <p:txBody>
+          <a:bodyPr rtlCol="0" anchor="ctr"/>
+          <a:lstStyle/>
+          <a:p>
+            <a:pPr algn="ctr"/>
+            <a:r>
+              <a:rPr lang="en-US" altLang="ko-KR" sz="1100"/>
+              <a:t>HTTP, HTTPS</a:t>
+            </a:r>
+            <a:endParaRPr lang="ko-KR" altLang="en-US" sz="1100"/>
+          </a:p>
+        </p:txBody>
+      </p:sp>
+      <p:sp>
+        <p:nvSpPr>
+          <p:cNvPr id="30" name="사각형: 둥근 모서리 29">
+            <a:extLst>
+              <a:ext uri="{FF2B5EF4-FFF2-40B4-BE49-F238E27FC236}">
+                <a16:creationId xmlns:a16="http://schemas.microsoft.com/office/drawing/2014/main" id="{21D8BFF1-02A9-4922-9E66-187D09F2F7A5}"/>
+              </a:ext>
+            </a:extLst>
+          </p:cNvPr>
+          <p:cNvSpPr/>
+          <p:nvPr/>
+        </p:nvSpPr>
+        <p:spPr>
+          <a:xfrm>
+            <a:off x="6619633" y="1626872"/>
+            <a:ext cx="870792" cy="409160"/>
+          </a:xfrm>
+          <a:prstGeom prst="roundRect">
+            <a:avLst>
+              <a:gd name="adj" fmla="val 5026"/>
+            </a:avLst>
+          </a:prstGeom>
+        </p:spPr>
+        <p:style>
+          <a:lnRef idx="2">
+            <a:schemeClr val="dk1"/>
+          </a:lnRef>
+          <a:fillRef idx="1">
+            <a:schemeClr val="lt1"/>
+          </a:fillRef>
+          <a:effectRef idx="0">
+            <a:schemeClr val="dk1"/>
+          </a:effectRef>
+          <a:fontRef idx="minor">
+            <a:schemeClr val="dk1"/>
+          </a:fontRef>
+        </p:style>
+        <p:txBody>
+          <a:bodyPr rtlCol="0" anchor="ctr"/>
+          <a:lstStyle/>
+          <a:p>
+            <a:pPr algn="ctr"/>
+            <a:r>
+              <a:rPr lang="en-US" altLang="ko-KR" sz="1100"/>
+              <a:t>Slack</a:t>
+            </a:r>
+            <a:endParaRPr lang="ko-KR" altLang="en-US" sz="1100"/>
+          </a:p>
+        </p:txBody>
+      </p:sp>
+      <p:sp>
+        <p:nvSpPr>
+          <p:cNvPr id="31" name="사각형: 둥근 모서리 30">
+            <a:extLst>
+              <a:ext uri="{FF2B5EF4-FFF2-40B4-BE49-F238E27FC236}">
+                <a16:creationId xmlns:a16="http://schemas.microsoft.com/office/drawing/2014/main" id="{EEC5937D-9F44-4E1C-B516-506F564338E0}"/>
+              </a:ext>
+            </a:extLst>
+          </p:cNvPr>
+          <p:cNvSpPr/>
+          <p:nvPr/>
+        </p:nvSpPr>
+        <p:spPr>
+          <a:xfrm>
+            <a:off x="5647525" y="1628590"/>
+            <a:ext cx="870792" cy="409160"/>
+          </a:xfrm>
+          <a:prstGeom prst="roundRect">
+            <a:avLst>
+              <a:gd name="adj" fmla="val 5026"/>
+            </a:avLst>
+          </a:prstGeom>
+        </p:spPr>
+        <p:style>
+          <a:lnRef idx="2">
+            <a:schemeClr val="dk1"/>
+          </a:lnRef>
+          <a:fillRef idx="1">
+            <a:schemeClr val="lt1"/>
+          </a:fillRef>
+          <a:effectRef idx="0">
+            <a:schemeClr val="dk1"/>
+          </a:effectRef>
+          <a:fontRef idx="minor">
+            <a:schemeClr val="dk1"/>
+          </a:fontRef>
+        </p:style>
+        <p:txBody>
+          <a:bodyPr rtlCol="0" anchor="ctr"/>
+          <a:lstStyle/>
+          <a:p>
+            <a:pPr algn="ctr"/>
+            <a:r>
+              <a:rPr lang="en-US" altLang="ko-KR" sz="1100"/>
+              <a:t>Webhook</a:t>
+            </a:r>
+            <a:endParaRPr lang="ko-KR" altLang="en-US" sz="1100"/>
+          </a:p>
+        </p:txBody>
+      </p:sp>
+      <p:cxnSp>
+        <p:nvCxnSpPr>
+          <p:cNvPr id="45" name="직선 연결선 44">
+            <a:extLst>
+              <a:ext uri="{FF2B5EF4-FFF2-40B4-BE49-F238E27FC236}">
+                <a16:creationId xmlns:a16="http://schemas.microsoft.com/office/drawing/2014/main" id="{1D4E0DD1-05E9-41BF-8E77-D12F94F2EE99}"/>
+              </a:ext>
+            </a:extLst>
+          </p:cNvPr>
+          <p:cNvCxnSpPr>
+            <a:cxnSpLocks/>
+            <a:stCxn id="26" idx="0"/>
+            <a:endCxn id="44" idx="2"/>
+          </p:cNvCxnSpPr>
+          <p:nvPr/>
+        </p:nvCxnSpPr>
+        <p:spPr>
+          <a:xfrm flipH="1" flipV="1">
+            <a:off x="6750178" y="2139702"/>
+            <a:ext cx="251926" cy="118616"/>
+          </a:xfrm>
+          <a:prstGeom prst="line">
+            <a:avLst/>
+          </a:prstGeom>
+          <a:ln w="19050">
+            <a:solidFill>
+              <a:schemeClr val="tx2"/>
+            </a:solidFill>
+            <a:headEnd type="none" w="med" len="med"/>
+            <a:tailEnd type="arrow" w="med" len="med"/>
+          </a:ln>
+        </p:spPr>
+        <p:style>
+          <a:lnRef idx="1">
+            <a:schemeClr val="accent1"/>
+          </a:lnRef>
+          <a:fillRef idx="0">
+            <a:schemeClr val="accent1"/>
+          </a:fillRef>
+          <a:effectRef idx="0">
+            <a:schemeClr val="accent1"/>
+          </a:effectRef>
+          <a:fontRef idx="minor">
+            <a:schemeClr val="tx1"/>
+          </a:fontRef>
+        </p:style>
+      </p:cxnSp>
+      <p:sp>
+        <p:nvSpPr>
+          <p:cNvPr id="53" name="사각형: 둥근 모서리 52">
+            <a:extLst>
+              <a:ext uri="{FF2B5EF4-FFF2-40B4-BE49-F238E27FC236}">
+                <a16:creationId xmlns:a16="http://schemas.microsoft.com/office/drawing/2014/main" id="{C1B91AEC-AFEA-4541-8939-B9A6336C40AC}"/>
+              </a:ext>
+            </a:extLst>
+          </p:cNvPr>
+          <p:cNvSpPr/>
+          <p:nvPr/>
+        </p:nvSpPr>
+        <p:spPr>
+          <a:xfrm>
+            <a:off x="3832900" y="3045736"/>
+            <a:ext cx="968371" cy="409160"/>
+          </a:xfrm>
+          <a:prstGeom prst="roundRect">
+            <a:avLst>
+              <a:gd name="adj" fmla="val 5026"/>
+            </a:avLst>
+          </a:prstGeom>
+        </p:spPr>
+        <p:style>
+          <a:lnRef idx="2">
+            <a:schemeClr val="dk1"/>
+          </a:lnRef>
+          <a:fillRef idx="1">
+            <a:schemeClr val="lt1"/>
+          </a:fillRef>
+          <a:effectRef idx="0">
+            <a:schemeClr val="dk1"/>
+          </a:effectRef>
+          <a:fontRef idx="minor">
+            <a:schemeClr val="dk1"/>
+          </a:fontRef>
+        </p:style>
+        <p:txBody>
+          <a:bodyPr rtlCol="0" anchor="ctr"/>
+          <a:lstStyle/>
+          <a:p>
+            <a:pPr algn="ctr"/>
+            <a:r>
+              <a:rPr lang="en-US" altLang="ko-KR" sz="1200"/>
+              <a:t>Storage</a:t>
+            </a:r>
+          </a:p>
+        </p:txBody>
+      </p:sp>
+      <p:sp>
+        <p:nvSpPr>
+          <p:cNvPr id="54" name="사각형: 둥근 모서리 53">
+            <a:extLst>
+              <a:ext uri="{FF2B5EF4-FFF2-40B4-BE49-F238E27FC236}">
+                <a16:creationId xmlns:a16="http://schemas.microsoft.com/office/drawing/2014/main" id="{1DF9AAE2-5C87-4524-8369-02B800671202}"/>
+              </a:ext>
+            </a:extLst>
+          </p:cNvPr>
+          <p:cNvSpPr/>
+          <p:nvPr/>
+        </p:nvSpPr>
+        <p:spPr>
+          <a:xfrm>
+            <a:off x="2671598" y="3045736"/>
+            <a:ext cx="968371" cy="409160"/>
+          </a:xfrm>
+          <a:prstGeom prst="roundRect">
+            <a:avLst>
+              <a:gd name="adj" fmla="val 5026"/>
+            </a:avLst>
+          </a:prstGeom>
+        </p:spPr>
+        <p:style>
+          <a:lnRef idx="2">
+            <a:schemeClr val="dk1"/>
+          </a:lnRef>
+          <a:fillRef idx="1">
+            <a:schemeClr val="lt1"/>
+          </a:fillRef>
+          <a:effectRef idx="0">
+            <a:schemeClr val="dk1"/>
+          </a:effectRef>
+          <a:fontRef idx="minor">
+            <a:schemeClr val="dk1"/>
+          </a:fontRef>
+        </p:style>
+        <p:txBody>
+          <a:bodyPr rtlCol="0" anchor="ctr"/>
+          <a:lstStyle/>
+          <a:p>
+            <a:pPr algn="ctr"/>
+            <a:r>
+              <a:rPr lang="en-US" altLang="ko-KR" sz="1200"/>
+              <a:t>Scrape</a:t>
+            </a:r>
+          </a:p>
+          <a:p>
+            <a:pPr algn="ctr"/>
+            <a:r>
+              <a:rPr lang="en-US" altLang="ko-KR" sz="1200"/>
+              <a:t>Manager</a:t>
+            </a:r>
+            <a:endParaRPr lang="ko-KR" altLang="en-US" sz="1200"/>
+          </a:p>
+        </p:txBody>
+      </p:sp>
+      <p:sp>
+        <p:nvSpPr>
+          <p:cNvPr id="64" name="사각형: 둥근 모서리 63">
+            <a:extLst>
+              <a:ext uri="{FF2B5EF4-FFF2-40B4-BE49-F238E27FC236}">
+                <a16:creationId xmlns:a16="http://schemas.microsoft.com/office/drawing/2014/main" id="{942C992A-CEBF-4F11-9828-1A4FDFBBC242}"/>
+              </a:ext>
+            </a:extLst>
+          </p:cNvPr>
+          <p:cNvSpPr/>
+          <p:nvPr/>
+        </p:nvSpPr>
+        <p:spPr>
+          <a:xfrm>
+            <a:off x="4994913" y="2378614"/>
+            <a:ext cx="968371" cy="409160"/>
+          </a:xfrm>
+          <a:prstGeom prst="roundRect">
+            <a:avLst>
+              <a:gd name="adj" fmla="val 5026"/>
+            </a:avLst>
+          </a:prstGeom>
+        </p:spPr>
+        <p:style>
+          <a:lnRef idx="2">
+            <a:schemeClr val="dk1"/>
+          </a:lnRef>
+          <a:fillRef idx="1">
+            <a:schemeClr val="lt1"/>
+          </a:fillRef>
+          <a:effectRef idx="0">
+            <a:schemeClr val="dk1"/>
+          </a:effectRef>
+          <a:fontRef idx="minor">
+            <a:schemeClr val="dk1"/>
+          </a:fontRef>
+        </p:style>
+        <p:txBody>
+          <a:bodyPr rtlCol="0" anchor="ctr"/>
+          <a:lstStyle/>
+          <a:p>
+            <a:pPr algn="ctr"/>
+            <a:r>
+              <a:rPr lang="en-US" altLang="ko-KR" sz="1200"/>
+              <a:t>Notifier</a:t>
+            </a:r>
+            <a:endParaRPr lang="ko-KR" altLang="en-US" sz="1200"/>
+          </a:p>
+        </p:txBody>
+      </p:sp>
+      <p:cxnSp>
+        <p:nvCxnSpPr>
+          <p:cNvPr id="65" name="직선 연결선 64">
+            <a:extLst>
+              <a:ext uri="{FF2B5EF4-FFF2-40B4-BE49-F238E27FC236}">
+                <a16:creationId xmlns:a16="http://schemas.microsoft.com/office/drawing/2014/main" id="{2B562CA4-B42B-4A6D-8298-01CD6A6F4607}"/>
+              </a:ext>
+            </a:extLst>
+          </p:cNvPr>
+          <p:cNvCxnSpPr>
+            <a:cxnSpLocks/>
+            <a:stCxn id="64" idx="3"/>
+            <a:endCxn id="26" idx="1"/>
+          </p:cNvCxnSpPr>
+          <p:nvPr/>
+        </p:nvCxnSpPr>
+        <p:spPr>
+          <a:xfrm flipV="1">
+            <a:off x="5963284" y="2500848"/>
+            <a:ext cx="394972" cy="82346"/>
+          </a:xfrm>
+          <a:prstGeom prst="line">
+            <a:avLst/>
+          </a:prstGeom>
+          <a:ln w="19050">
+            <a:solidFill>
+              <a:schemeClr val="tx2"/>
+            </a:solidFill>
+            <a:headEnd type="none" w="med" len="med"/>
+            <a:tailEnd type="arrow" w="med" len="med"/>
+          </a:ln>
+        </p:spPr>
+        <p:style>
+          <a:lnRef idx="1">
+            <a:schemeClr val="accent1"/>
+          </a:lnRef>
+          <a:fillRef idx="0">
+            <a:schemeClr val="accent1"/>
+          </a:fillRef>
+          <a:effectRef idx="0">
+            <a:schemeClr val="accent1"/>
+          </a:effectRef>
+          <a:fontRef idx="minor">
+            <a:schemeClr val="tx1"/>
+          </a:fontRef>
+        </p:style>
+      </p:cxnSp>
+      <p:sp>
+        <p:nvSpPr>
+          <p:cNvPr id="73" name="사각형: 둥근 모서리 72">
+            <a:extLst>
+              <a:ext uri="{FF2B5EF4-FFF2-40B4-BE49-F238E27FC236}">
+                <a16:creationId xmlns:a16="http://schemas.microsoft.com/office/drawing/2014/main" id="{B8A91312-748B-40CD-8F2B-8E2A35263267}"/>
+              </a:ext>
+            </a:extLst>
+          </p:cNvPr>
+          <p:cNvSpPr/>
+          <p:nvPr/>
+        </p:nvSpPr>
+        <p:spPr>
+          <a:xfrm>
+            <a:off x="4992682" y="3714930"/>
+            <a:ext cx="968371" cy="409160"/>
+          </a:xfrm>
+          <a:prstGeom prst="roundRect">
+            <a:avLst>
+              <a:gd name="adj" fmla="val 5026"/>
+            </a:avLst>
+          </a:prstGeom>
+        </p:spPr>
+        <p:style>
+          <a:lnRef idx="2">
+            <a:schemeClr val="dk1"/>
+          </a:lnRef>
+          <a:fillRef idx="1">
+            <a:schemeClr val="lt1"/>
+          </a:fillRef>
+          <a:effectRef idx="0">
+            <a:schemeClr val="dk1"/>
+          </a:effectRef>
+          <a:fontRef idx="minor">
+            <a:schemeClr val="dk1"/>
+          </a:fontRef>
+        </p:style>
+        <p:txBody>
+          <a:bodyPr rtlCol="0" anchor="ctr"/>
+          <a:lstStyle/>
+          <a:p>
+            <a:pPr algn="ctr"/>
+            <a:r>
+              <a:rPr lang="en-US" altLang="ko-KR" sz="1200"/>
+              <a:t>PromQL</a:t>
+            </a:r>
+            <a:endParaRPr lang="ko-KR" altLang="en-US" sz="1200"/>
+          </a:p>
+        </p:txBody>
+      </p:sp>
+      <p:cxnSp>
+        <p:nvCxnSpPr>
+          <p:cNvPr id="77" name="직선 연결선 76">
+            <a:extLst>
+              <a:ext uri="{FF2B5EF4-FFF2-40B4-BE49-F238E27FC236}">
+                <a16:creationId xmlns:a16="http://schemas.microsoft.com/office/drawing/2014/main" id="{72C86ABB-815C-4996-B06C-0A70A6D0E336}"/>
+              </a:ext>
+            </a:extLst>
+          </p:cNvPr>
+          <p:cNvCxnSpPr>
+            <a:cxnSpLocks/>
+            <a:stCxn id="54" idx="0"/>
+            <a:endCxn id="89" idx="2"/>
+          </p:cNvCxnSpPr>
+          <p:nvPr/>
+        </p:nvCxnSpPr>
+        <p:spPr>
+          <a:xfrm flipV="1">
+            <a:off x="3155784" y="2139702"/>
+            <a:ext cx="819986" cy="906034"/>
+          </a:xfrm>
+          <a:prstGeom prst="line">
+            <a:avLst/>
+          </a:prstGeom>
+          <a:ln w="19050">
+            <a:solidFill>
+              <a:schemeClr val="tx1"/>
+            </a:solidFill>
+            <a:headEnd type="none" w="med" len="med"/>
+            <a:tailEnd type="arrow" w="med" len="med"/>
+          </a:ln>
+        </p:spPr>
+        <p:style>
+          <a:lnRef idx="1">
+            <a:schemeClr val="accent1"/>
+          </a:lnRef>
+          <a:fillRef idx="0">
+            <a:schemeClr val="accent1"/>
+          </a:fillRef>
+          <a:effectRef idx="0">
+            <a:schemeClr val="accent1"/>
+          </a:effectRef>
+          <a:fontRef idx="minor">
+            <a:schemeClr val="tx1"/>
+          </a:fontRef>
+        </p:style>
+      </p:cxnSp>
+      <p:sp>
+        <p:nvSpPr>
+          <p:cNvPr id="80" name="TextBox 79">
+            <a:extLst>
+              <a:ext uri="{FF2B5EF4-FFF2-40B4-BE49-F238E27FC236}">
+                <a16:creationId xmlns:a16="http://schemas.microsoft.com/office/drawing/2014/main" id="{27C380EB-5D72-45A9-9A2D-2C20F08AA061}"/>
+              </a:ext>
+            </a:extLst>
+          </p:cNvPr>
+          <p:cNvSpPr txBox="1"/>
+          <p:nvPr/>
+        </p:nvSpPr>
+        <p:spPr>
+          <a:xfrm>
+            <a:off x="2843808" y="2237110"/>
+            <a:ext cx="956133" cy="430887"/>
+          </a:xfrm>
+          <a:prstGeom prst="rect">
+            <a:avLst/>
+          </a:prstGeom>
+          <a:noFill/>
+        </p:spPr>
+        <p:txBody>
+          <a:bodyPr wrap="square" rtlCol="0" anchor="ctr">
+            <a:spAutoFit/>
+          </a:bodyPr>
+          <a:lstStyle/>
+          <a:p>
+            <a:pPr algn="ctr"/>
+            <a:r>
+              <a:rPr lang="en-US" altLang="ko-KR" sz="1100"/>
+              <a:t>Discover</a:t>
+            </a:r>
+          </a:p>
+          <a:p>
+            <a:pPr algn="ctr"/>
+            <a:r>
+              <a:rPr lang="en-US" altLang="ko-KR" sz="1100"/>
+              <a:t>Target</a:t>
+            </a:r>
+          </a:p>
+        </p:txBody>
+      </p:sp>
+      <p:grpSp>
+        <p:nvGrpSpPr>
+          <p:cNvPr id="87" name="그룹 86">
+            <a:extLst>
+              <a:ext uri="{FF2B5EF4-FFF2-40B4-BE49-F238E27FC236}">
+                <a16:creationId xmlns:a16="http://schemas.microsoft.com/office/drawing/2014/main" id="{6D93933C-A081-4B3D-A7A4-5EE58235C2F8}"/>
+              </a:ext>
+            </a:extLst>
+          </p:cNvPr>
+          <p:cNvGrpSpPr/>
+          <p:nvPr/>
+        </p:nvGrpSpPr>
+        <p:grpSpPr>
+          <a:xfrm>
+            <a:off x="7562432" y="1525074"/>
+            <a:ext cx="300112" cy="65162"/>
+            <a:chOff x="8028384" y="1512622"/>
+            <a:chExt cx="300112" cy="65162"/>
+          </a:xfrm>
+        </p:grpSpPr>
+        <p:sp>
+          <p:nvSpPr>
+            <p:cNvPr id="83" name="타원 82">
+              <a:extLst>
+                <a:ext uri="{FF2B5EF4-FFF2-40B4-BE49-F238E27FC236}">
+                  <a16:creationId xmlns:a16="http://schemas.microsoft.com/office/drawing/2014/main" id="{62B353D5-094C-4AD9-9694-75ED17E5A362}"/>
+                </a:ext>
+              </a:extLst>
+            </p:cNvPr>
+            <p:cNvSpPr/>
+            <p:nvPr/>
+          </p:nvSpPr>
+          <p:spPr>
+            <a:xfrm>
+              <a:off x="8028384" y="1512622"/>
+              <a:ext cx="65162" cy="65162"/>
+            </a:xfrm>
+            <a:prstGeom prst="ellipse">
+              <a:avLst/>
+            </a:prstGeom>
+            <a:solidFill>
+              <a:schemeClr val="tx1"/>
+            </a:solidFill>
+            <a:ln>
+              <a:noFill/>
+            </a:ln>
+          </p:spPr>
+          <p:style>
+            <a:lnRef idx="2">
+              <a:schemeClr val="accent1">
+                <a:shade val="50000"/>
+              </a:schemeClr>
+            </a:lnRef>
+            <a:fillRef idx="1">
+              <a:schemeClr val="accent1"/>
+            </a:fillRef>
+            <a:effectRef idx="0">
+              <a:schemeClr val="accent1"/>
+            </a:effectRef>
+            <a:fontRef idx="minor">
+              <a:schemeClr val="lt1"/>
+            </a:fontRef>
+          </p:style>
+          <p:txBody>
+            <a:bodyPr rtlCol="0" anchor="ctr"/>
+            <a:lstStyle/>
+            <a:p>
+              <a:pPr algn="ctr"/>
+              <a:endParaRPr lang="ko-KR" altLang="en-US"/>
+            </a:p>
+          </p:txBody>
+        </p:sp>
+        <p:sp>
+          <p:nvSpPr>
+            <p:cNvPr id="85" name="타원 84">
+              <a:extLst>
+                <a:ext uri="{FF2B5EF4-FFF2-40B4-BE49-F238E27FC236}">
+                  <a16:creationId xmlns:a16="http://schemas.microsoft.com/office/drawing/2014/main" id="{FAD9CEB6-092F-44D5-87DF-78B16081C41E}"/>
+                </a:ext>
+              </a:extLst>
+            </p:cNvPr>
+            <p:cNvSpPr/>
+            <p:nvPr/>
+          </p:nvSpPr>
+          <p:spPr>
+            <a:xfrm>
+              <a:off x="8142684" y="1512622"/>
+              <a:ext cx="65162" cy="65162"/>
+            </a:xfrm>
+            <a:prstGeom prst="ellipse">
+              <a:avLst/>
+            </a:prstGeom>
+            <a:solidFill>
+              <a:schemeClr val="tx1"/>
+            </a:solidFill>
+            <a:ln>
+              <a:noFill/>
+            </a:ln>
+          </p:spPr>
+          <p:style>
+            <a:lnRef idx="2">
+              <a:schemeClr val="accent1">
+                <a:shade val="50000"/>
+              </a:schemeClr>
+            </a:lnRef>
+            <a:fillRef idx="1">
+              <a:schemeClr val="accent1"/>
+            </a:fillRef>
+            <a:effectRef idx="0">
+              <a:schemeClr val="accent1"/>
+            </a:effectRef>
+            <a:fontRef idx="minor">
+              <a:schemeClr val="lt1"/>
+            </a:fontRef>
+          </p:style>
+          <p:txBody>
+            <a:bodyPr rtlCol="0" anchor="ctr"/>
+            <a:lstStyle/>
+            <a:p>
+              <a:pPr algn="ctr"/>
+              <a:endParaRPr lang="ko-KR" altLang="en-US"/>
+            </a:p>
+          </p:txBody>
+        </p:sp>
+        <p:sp>
+          <p:nvSpPr>
+            <p:cNvPr id="86" name="타원 85">
+              <a:extLst>
+                <a:ext uri="{FF2B5EF4-FFF2-40B4-BE49-F238E27FC236}">
+                  <a16:creationId xmlns:a16="http://schemas.microsoft.com/office/drawing/2014/main" id="{C172A9BE-1D80-4957-BB0D-569446934DDA}"/>
+                </a:ext>
+              </a:extLst>
+            </p:cNvPr>
+            <p:cNvSpPr/>
+            <p:nvPr/>
+          </p:nvSpPr>
+          <p:spPr>
+            <a:xfrm>
+              <a:off x="8263334" y="1512622"/>
+              <a:ext cx="65162" cy="65162"/>
+            </a:xfrm>
+            <a:prstGeom prst="ellipse">
+              <a:avLst/>
+            </a:prstGeom>
+            <a:solidFill>
+              <a:schemeClr val="tx1"/>
+            </a:solidFill>
+            <a:ln>
+              <a:noFill/>
+            </a:ln>
+          </p:spPr>
+          <p:style>
+            <a:lnRef idx="2">
+              <a:schemeClr val="accent1">
+                <a:shade val="50000"/>
+              </a:schemeClr>
+            </a:lnRef>
+            <a:fillRef idx="1">
+              <a:schemeClr val="accent1"/>
+            </a:fillRef>
+            <a:effectRef idx="0">
+              <a:schemeClr val="accent1"/>
+            </a:effectRef>
+            <a:fontRef idx="minor">
+              <a:schemeClr val="lt1"/>
+            </a:fontRef>
+          </p:style>
+          <p:txBody>
+            <a:bodyPr rtlCol="0" anchor="ctr"/>
+            <a:lstStyle/>
+            <a:p>
+              <a:pPr algn="ctr"/>
+              <a:endParaRPr lang="ko-KR" altLang="en-US"/>
+            </a:p>
+          </p:txBody>
+        </p:sp>
+      </p:grpSp>
+      <p:sp>
+        <p:nvSpPr>
+          <p:cNvPr id="89" name="사각형: 둥근 모서리 88">
+            <a:extLst>
+              <a:ext uri="{FF2B5EF4-FFF2-40B4-BE49-F238E27FC236}">
+                <a16:creationId xmlns:a16="http://schemas.microsoft.com/office/drawing/2014/main" id="{F599F04D-2644-48AC-B1EE-128A3574817B}"/>
+              </a:ext>
+            </a:extLst>
+          </p:cNvPr>
+          <p:cNvSpPr/>
+          <p:nvPr/>
+        </p:nvSpPr>
+        <p:spPr>
+          <a:xfrm>
+            <a:off x="2771800" y="784002"/>
+            <a:ext cx="2407940" cy="1355700"/>
+          </a:xfrm>
+          <a:prstGeom prst="roundRect">
+            <a:avLst>
+              <a:gd name="adj" fmla="val 4089"/>
+            </a:avLst>
+          </a:prstGeom>
+          <a:ln>
+            <a:prstDash val="dash"/>
+          </a:ln>
+        </p:spPr>
+        <p:style>
+          <a:lnRef idx="2">
+            <a:schemeClr val="dk1"/>
+          </a:lnRef>
+          <a:fillRef idx="1">
+            <a:schemeClr val="lt1"/>
+          </a:fillRef>
+          <a:effectRef idx="0">
+            <a:schemeClr val="dk1"/>
+          </a:effectRef>
+          <a:fontRef idx="minor">
+            <a:schemeClr val="dk1"/>
+          </a:fontRef>
+        </p:style>
+        <p:txBody>
+          <a:bodyPr rtlCol="0" anchor="t"/>
+          <a:lstStyle/>
+          <a:p>
+            <a:pPr algn="ctr"/>
+            <a:r>
+              <a:rPr lang="en-US" altLang="ko-KR" sz="1200" b="1"/>
+              <a:t>Target (Service)</a:t>
+            </a:r>
+            <a:endParaRPr lang="ko-KR" altLang="en-US" sz="1200" b="1"/>
+          </a:p>
+        </p:txBody>
+      </p:sp>
+      <p:sp>
+        <p:nvSpPr>
+          <p:cNvPr id="90" name="사각형: 둥근 모서리 89">
+            <a:extLst>
+              <a:ext uri="{FF2B5EF4-FFF2-40B4-BE49-F238E27FC236}">
+                <a16:creationId xmlns:a16="http://schemas.microsoft.com/office/drawing/2014/main" id="{851A06A8-B56F-4B90-B837-1E60F93631F0}"/>
+              </a:ext>
+            </a:extLst>
+          </p:cNvPr>
+          <p:cNvSpPr/>
+          <p:nvPr/>
+        </p:nvSpPr>
+        <p:spPr>
+          <a:xfrm>
+            <a:off x="2873117" y="1096318"/>
+            <a:ext cx="870792" cy="409160"/>
+          </a:xfrm>
+          <a:prstGeom prst="roundRect">
+            <a:avLst>
+              <a:gd name="adj" fmla="val 5026"/>
+            </a:avLst>
+          </a:prstGeom>
+        </p:spPr>
+        <p:style>
+          <a:lnRef idx="2">
+            <a:schemeClr val="dk1"/>
+          </a:lnRef>
+          <a:fillRef idx="1">
+            <a:schemeClr val="lt1"/>
+          </a:fillRef>
+          <a:effectRef idx="0">
+            <a:schemeClr val="dk1"/>
+          </a:effectRef>
+          <a:fontRef idx="minor">
+            <a:schemeClr val="dk1"/>
+          </a:fontRef>
+        </p:style>
+        <p:txBody>
+          <a:bodyPr rtlCol="0" anchor="ctr"/>
+          <a:lstStyle/>
+          <a:p>
+            <a:pPr algn="ctr"/>
+            <a:r>
+              <a:rPr lang="en-US" altLang="ko-KR" sz="1100"/>
+              <a:t>K8s</a:t>
+            </a:r>
+            <a:endParaRPr lang="ko-KR" altLang="en-US" sz="1100"/>
+          </a:p>
+        </p:txBody>
+      </p:sp>
+      <p:sp>
+        <p:nvSpPr>
+          <p:cNvPr id="91" name="사각형: 둥근 모서리 90">
+            <a:extLst>
+              <a:ext uri="{FF2B5EF4-FFF2-40B4-BE49-F238E27FC236}">
+                <a16:creationId xmlns:a16="http://schemas.microsoft.com/office/drawing/2014/main" id="{8F9A2416-E287-4B25-9471-9B1ACAB48E5E}"/>
+              </a:ext>
+            </a:extLst>
+          </p:cNvPr>
+          <p:cNvSpPr/>
+          <p:nvPr/>
+        </p:nvSpPr>
+        <p:spPr>
+          <a:xfrm>
+            <a:off x="3845225" y="1096318"/>
+            <a:ext cx="870792" cy="409160"/>
+          </a:xfrm>
+          <a:prstGeom prst="roundRect">
+            <a:avLst>
+              <a:gd name="adj" fmla="val 5026"/>
+            </a:avLst>
+          </a:prstGeom>
+        </p:spPr>
+        <p:style>
+          <a:lnRef idx="2">
+            <a:schemeClr val="dk1"/>
+          </a:lnRef>
+          <a:fillRef idx="1">
+            <a:schemeClr val="lt1"/>
+          </a:fillRef>
+          <a:effectRef idx="0">
+            <a:schemeClr val="dk1"/>
+          </a:effectRef>
+          <a:fontRef idx="minor">
+            <a:schemeClr val="dk1"/>
+          </a:fontRef>
+        </p:style>
+        <p:txBody>
+          <a:bodyPr rtlCol="0" anchor="ctr"/>
+          <a:lstStyle/>
+          <a:p>
+            <a:pPr algn="ctr"/>
+            <a:r>
+              <a:rPr lang="en-US" altLang="ko-KR" sz="1100"/>
+              <a:t>Marathon</a:t>
+            </a:r>
+            <a:endParaRPr lang="ko-KR" altLang="en-US" sz="1100"/>
+          </a:p>
+        </p:txBody>
+      </p:sp>
+      <p:sp>
+        <p:nvSpPr>
+          <p:cNvPr id="92" name="사각형: 둥근 모서리 91">
+            <a:extLst>
+              <a:ext uri="{FF2B5EF4-FFF2-40B4-BE49-F238E27FC236}">
+                <a16:creationId xmlns:a16="http://schemas.microsoft.com/office/drawing/2014/main" id="{984C2891-9887-498A-AEA2-623B339C4B37}"/>
+              </a:ext>
+            </a:extLst>
+          </p:cNvPr>
+          <p:cNvSpPr/>
+          <p:nvPr/>
+        </p:nvSpPr>
+        <p:spPr>
+          <a:xfrm>
+            <a:off x="3845225" y="1626872"/>
+            <a:ext cx="870792" cy="409160"/>
+          </a:xfrm>
+          <a:prstGeom prst="roundRect">
+            <a:avLst>
+              <a:gd name="adj" fmla="val 5026"/>
+            </a:avLst>
+          </a:prstGeom>
+        </p:spPr>
+        <p:style>
+          <a:lnRef idx="2">
+            <a:schemeClr val="dk1"/>
+          </a:lnRef>
+          <a:fillRef idx="1">
+            <a:schemeClr val="lt1"/>
+          </a:fillRef>
+          <a:effectRef idx="0">
+            <a:schemeClr val="dk1"/>
+          </a:effectRef>
+          <a:fontRef idx="minor">
+            <a:schemeClr val="dk1"/>
+          </a:fontRef>
+        </p:style>
+        <p:txBody>
+          <a:bodyPr rtlCol="0" anchor="ctr"/>
+          <a:lstStyle/>
+          <a:p>
+            <a:pPr algn="ctr"/>
+            <a:r>
+              <a:rPr lang="en-US" altLang="ko-KR" sz="1100"/>
+              <a:t>Openstack</a:t>
+            </a:r>
+            <a:endParaRPr lang="ko-KR" altLang="en-US" sz="1100"/>
+          </a:p>
+        </p:txBody>
+      </p:sp>
+      <p:sp>
+        <p:nvSpPr>
+          <p:cNvPr id="93" name="사각형: 둥근 모서리 92">
+            <a:extLst>
+              <a:ext uri="{FF2B5EF4-FFF2-40B4-BE49-F238E27FC236}">
+                <a16:creationId xmlns:a16="http://schemas.microsoft.com/office/drawing/2014/main" id="{A91C243E-D359-4C75-86AC-463738444E5C}"/>
+              </a:ext>
+            </a:extLst>
+          </p:cNvPr>
+          <p:cNvSpPr/>
+          <p:nvPr/>
+        </p:nvSpPr>
+        <p:spPr>
+          <a:xfrm>
+            <a:off x="2873117" y="1628590"/>
+            <a:ext cx="870792" cy="409160"/>
+          </a:xfrm>
+          <a:prstGeom prst="roundRect">
+            <a:avLst>
+              <a:gd name="adj" fmla="val 5026"/>
+            </a:avLst>
+          </a:prstGeom>
+        </p:spPr>
+        <p:style>
+          <a:lnRef idx="2">
+            <a:schemeClr val="dk1"/>
+          </a:lnRef>
+          <a:fillRef idx="1">
+            <a:schemeClr val="lt1"/>
+          </a:fillRef>
+          <a:effectRef idx="0">
+            <a:schemeClr val="dk1"/>
+          </a:effectRef>
+          <a:fontRef idx="minor">
+            <a:schemeClr val="dk1"/>
+          </a:fontRef>
+        </p:style>
+        <p:txBody>
+          <a:bodyPr rtlCol="0" anchor="ctr"/>
+          <a:lstStyle/>
+          <a:p>
+            <a:pPr algn="ctr"/>
+            <a:r>
+              <a:rPr lang="en-US" altLang="ko-KR" sz="1100"/>
+              <a:t>DNS</a:t>
+            </a:r>
+            <a:endParaRPr lang="ko-KR" altLang="en-US" sz="1100"/>
+          </a:p>
+        </p:txBody>
+      </p:sp>
+      <p:grpSp>
+        <p:nvGrpSpPr>
+          <p:cNvPr id="94" name="그룹 93">
+            <a:extLst>
+              <a:ext uri="{FF2B5EF4-FFF2-40B4-BE49-F238E27FC236}">
+                <a16:creationId xmlns:a16="http://schemas.microsoft.com/office/drawing/2014/main" id="{4E8865B4-7B80-4FB5-A700-56A5477A29E5}"/>
+              </a:ext>
+            </a:extLst>
+          </p:cNvPr>
+          <p:cNvGrpSpPr/>
+          <p:nvPr/>
+        </p:nvGrpSpPr>
+        <p:grpSpPr>
+          <a:xfrm>
+            <a:off x="4788024" y="1525074"/>
+            <a:ext cx="300112" cy="65162"/>
+            <a:chOff x="8028384" y="1512622"/>
+            <a:chExt cx="300112" cy="65162"/>
+          </a:xfrm>
+        </p:grpSpPr>
+        <p:sp>
+          <p:nvSpPr>
+            <p:cNvPr id="95" name="타원 94">
+              <a:extLst>
+                <a:ext uri="{FF2B5EF4-FFF2-40B4-BE49-F238E27FC236}">
+                  <a16:creationId xmlns:a16="http://schemas.microsoft.com/office/drawing/2014/main" id="{D15D6868-55C0-4759-B71F-FECC5C06BBCC}"/>
+                </a:ext>
+              </a:extLst>
+            </p:cNvPr>
+            <p:cNvSpPr/>
+            <p:nvPr/>
+          </p:nvSpPr>
+          <p:spPr>
+            <a:xfrm>
+              <a:off x="8028384" y="1512622"/>
+              <a:ext cx="65162" cy="65162"/>
+            </a:xfrm>
+            <a:prstGeom prst="ellipse">
+              <a:avLst/>
+            </a:prstGeom>
+            <a:solidFill>
+              <a:schemeClr val="tx1"/>
+            </a:solidFill>
+            <a:ln>
+              <a:noFill/>
+            </a:ln>
+          </p:spPr>
+          <p:style>
+            <a:lnRef idx="2">
+              <a:schemeClr val="accent1">
+                <a:shade val="50000"/>
+              </a:schemeClr>
+            </a:lnRef>
+            <a:fillRef idx="1">
+              <a:schemeClr val="accent1"/>
+            </a:fillRef>
+            <a:effectRef idx="0">
+              <a:schemeClr val="accent1"/>
+            </a:effectRef>
+            <a:fontRef idx="minor">
+              <a:schemeClr val="lt1"/>
+            </a:fontRef>
+          </p:style>
+          <p:txBody>
+            <a:bodyPr rtlCol="0" anchor="ctr"/>
+            <a:lstStyle/>
+            <a:p>
+              <a:pPr algn="ctr"/>
+              <a:endParaRPr lang="ko-KR" altLang="en-US"/>
+            </a:p>
+          </p:txBody>
+        </p:sp>
+        <p:sp>
+          <p:nvSpPr>
+            <p:cNvPr id="96" name="타원 95">
+              <a:extLst>
+                <a:ext uri="{FF2B5EF4-FFF2-40B4-BE49-F238E27FC236}">
+                  <a16:creationId xmlns:a16="http://schemas.microsoft.com/office/drawing/2014/main" id="{E5A9B3AD-3E88-4EF9-B640-128F21A827A0}"/>
+                </a:ext>
+              </a:extLst>
+            </p:cNvPr>
+            <p:cNvSpPr/>
+            <p:nvPr/>
+          </p:nvSpPr>
+          <p:spPr>
+            <a:xfrm>
+              <a:off x="8142684" y="1512622"/>
+              <a:ext cx="65162" cy="65162"/>
+            </a:xfrm>
+            <a:prstGeom prst="ellipse">
+              <a:avLst/>
+            </a:prstGeom>
+            <a:solidFill>
+              <a:schemeClr val="tx1"/>
+            </a:solidFill>
+            <a:ln>
+              <a:noFill/>
+            </a:ln>
+          </p:spPr>
+          <p:style>
+            <a:lnRef idx="2">
+              <a:schemeClr val="accent1">
+                <a:shade val="50000"/>
+              </a:schemeClr>
+            </a:lnRef>
+            <a:fillRef idx="1">
+              <a:schemeClr val="accent1"/>
+            </a:fillRef>
+            <a:effectRef idx="0">
+              <a:schemeClr val="accent1"/>
+            </a:effectRef>
+            <a:fontRef idx="minor">
+              <a:schemeClr val="lt1"/>
+            </a:fontRef>
+          </p:style>
+          <p:txBody>
+            <a:bodyPr rtlCol="0" anchor="ctr"/>
+            <a:lstStyle/>
+            <a:p>
+              <a:pPr algn="ctr"/>
+              <a:endParaRPr lang="ko-KR" altLang="en-US"/>
+            </a:p>
+          </p:txBody>
+        </p:sp>
+        <p:sp>
+          <p:nvSpPr>
+            <p:cNvPr id="97" name="타원 96">
+              <a:extLst>
+                <a:ext uri="{FF2B5EF4-FFF2-40B4-BE49-F238E27FC236}">
+                  <a16:creationId xmlns:a16="http://schemas.microsoft.com/office/drawing/2014/main" id="{185DA695-3263-4F65-87EF-6727D2E80F19}"/>
+                </a:ext>
+              </a:extLst>
+            </p:cNvPr>
+            <p:cNvSpPr/>
+            <p:nvPr/>
+          </p:nvSpPr>
+          <p:spPr>
+            <a:xfrm>
+              <a:off x="8263334" y="1512622"/>
+              <a:ext cx="65162" cy="65162"/>
+            </a:xfrm>
+            <a:prstGeom prst="ellipse">
+              <a:avLst/>
+            </a:prstGeom>
+            <a:solidFill>
+              <a:schemeClr val="tx1"/>
+            </a:solidFill>
+            <a:ln>
+              <a:noFill/>
+            </a:ln>
+          </p:spPr>
+          <p:style>
+            <a:lnRef idx="2">
+              <a:schemeClr val="accent1">
+                <a:shade val="50000"/>
+              </a:schemeClr>
+            </a:lnRef>
+            <a:fillRef idx="1">
+              <a:schemeClr val="accent1"/>
+            </a:fillRef>
+            <a:effectRef idx="0">
+              <a:schemeClr val="accent1"/>
+            </a:effectRef>
+            <a:fontRef idx="minor">
+              <a:schemeClr val="lt1"/>
+            </a:fontRef>
+          </p:style>
+          <p:txBody>
+            <a:bodyPr rtlCol="0" anchor="ctr"/>
+            <a:lstStyle/>
+            <a:p>
+              <a:pPr algn="ctr"/>
+              <a:endParaRPr lang="ko-KR" altLang="en-US"/>
+            </a:p>
+          </p:txBody>
+        </p:sp>
+      </p:grpSp>
+      <p:cxnSp>
+        <p:nvCxnSpPr>
+          <p:cNvPr id="101" name="직선 연결선 100">
+            <a:extLst>
+              <a:ext uri="{FF2B5EF4-FFF2-40B4-BE49-F238E27FC236}">
+                <a16:creationId xmlns:a16="http://schemas.microsoft.com/office/drawing/2014/main" id="{4F96398B-AB0A-41CA-91C6-83530ECD2D89}"/>
+              </a:ext>
+            </a:extLst>
+          </p:cNvPr>
+          <p:cNvCxnSpPr>
+            <a:cxnSpLocks/>
+            <a:stCxn id="54" idx="3"/>
+            <a:endCxn id="53" idx="1"/>
+          </p:cNvCxnSpPr>
+          <p:nvPr/>
+        </p:nvCxnSpPr>
+        <p:spPr>
+          <a:xfrm>
+            <a:off x="3639969" y="3250316"/>
+            <a:ext cx="192931" cy="0"/>
+          </a:xfrm>
+          <a:prstGeom prst="line">
+            <a:avLst/>
+          </a:prstGeom>
+          <a:ln w="19050">
+            <a:solidFill>
+              <a:srgbClr val="C00000"/>
+            </a:solidFill>
+            <a:headEnd type="none" w="med" len="med"/>
+            <a:tailEnd type="arrow" w="med" len="med"/>
+          </a:ln>
+        </p:spPr>
+        <p:style>
+          <a:lnRef idx="1">
+            <a:schemeClr val="accent1"/>
+          </a:lnRef>
+          <a:fillRef idx="0">
+            <a:schemeClr val="accent1"/>
+          </a:fillRef>
+          <a:effectRef idx="0">
+            <a:schemeClr val="accent1"/>
+          </a:effectRef>
+          <a:fontRef idx="minor">
+            <a:schemeClr val="tx1"/>
+          </a:fontRef>
+        </p:style>
+      </p:cxnSp>
+      <p:sp>
+        <p:nvSpPr>
+          <p:cNvPr id="106" name="사각형: 둥근 모서리 105">
+            <a:extLst>
+              <a:ext uri="{FF2B5EF4-FFF2-40B4-BE49-F238E27FC236}">
+                <a16:creationId xmlns:a16="http://schemas.microsoft.com/office/drawing/2014/main" id="{73AF33D7-79AA-4C7F-B935-09D342451698}"/>
+              </a:ext>
+            </a:extLst>
+          </p:cNvPr>
+          <p:cNvSpPr/>
+          <p:nvPr/>
+        </p:nvSpPr>
+        <p:spPr>
+          <a:xfrm>
+            <a:off x="4993241" y="3045736"/>
+            <a:ext cx="968371" cy="409160"/>
+          </a:xfrm>
+          <a:prstGeom prst="roundRect">
+            <a:avLst>
+              <a:gd name="adj" fmla="val 5026"/>
+            </a:avLst>
+          </a:prstGeom>
+        </p:spPr>
+        <p:style>
+          <a:lnRef idx="2">
+            <a:schemeClr val="dk1"/>
+          </a:lnRef>
+          <a:fillRef idx="1">
+            <a:schemeClr val="lt1"/>
+          </a:fillRef>
+          <a:effectRef idx="0">
+            <a:schemeClr val="dk1"/>
+          </a:effectRef>
+          <a:fontRef idx="minor">
+            <a:schemeClr val="dk1"/>
+          </a:fontRef>
+        </p:style>
+        <p:txBody>
+          <a:bodyPr rtlCol="0" anchor="ctr"/>
+          <a:lstStyle/>
+          <a:p>
+            <a:pPr algn="ctr"/>
+            <a:r>
+              <a:rPr lang="en-US" altLang="ko-KR" sz="1200"/>
+              <a:t>Rule Manager</a:t>
+            </a:r>
+            <a:endParaRPr lang="ko-KR" altLang="en-US" sz="1200"/>
+          </a:p>
+        </p:txBody>
+      </p:sp>
+      <p:sp>
+        <p:nvSpPr>
+          <p:cNvPr id="115" name="사각형: 둥근 모서리 114">
+            <a:extLst>
+              <a:ext uri="{FF2B5EF4-FFF2-40B4-BE49-F238E27FC236}">
+                <a16:creationId xmlns:a16="http://schemas.microsoft.com/office/drawing/2014/main" id="{B038B081-D7FD-43E1-8F07-F4EEE3A7A276}"/>
+              </a:ext>
+            </a:extLst>
+          </p:cNvPr>
+          <p:cNvSpPr/>
+          <p:nvPr/>
+        </p:nvSpPr>
+        <p:spPr>
+          <a:xfrm>
+            <a:off x="3563888" y="3709467"/>
+            <a:ext cx="1207766" cy="409160"/>
+          </a:xfrm>
+          <a:prstGeom prst="roundRect">
+            <a:avLst>
+              <a:gd name="adj" fmla="val 5026"/>
+            </a:avLst>
+          </a:prstGeom>
+        </p:spPr>
+        <p:style>
+          <a:lnRef idx="2">
+            <a:schemeClr val="dk1"/>
+          </a:lnRef>
+          <a:fillRef idx="1">
+            <a:schemeClr val="lt1"/>
+          </a:fillRef>
+          <a:effectRef idx="0">
+            <a:schemeClr val="dk1"/>
+          </a:effectRef>
+          <a:fontRef idx="minor">
+            <a:schemeClr val="dk1"/>
+          </a:fontRef>
+        </p:style>
+        <p:txBody>
+          <a:bodyPr rtlCol="0" anchor="ctr"/>
+          <a:lstStyle/>
+          <a:p>
+            <a:pPr algn="ctr"/>
+            <a:r>
+              <a:rPr lang="en-US" altLang="ko-KR" sz="1200"/>
+              <a:t>Local Storage </a:t>
+            </a:r>
+          </a:p>
+          <a:p>
+            <a:pPr algn="ctr"/>
+            <a:r>
+              <a:rPr lang="en-US" altLang="ko-KR" sz="1200"/>
+              <a:t>(TSDB)</a:t>
+            </a:r>
+            <a:endParaRPr lang="ko-KR" altLang="en-US" sz="1200"/>
+          </a:p>
+        </p:txBody>
+      </p:sp>
+      <p:sp>
+        <p:nvSpPr>
+          <p:cNvPr id="120" name="사각형: 둥근 모서리 119">
+            <a:extLst>
+              <a:ext uri="{FF2B5EF4-FFF2-40B4-BE49-F238E27FC236}">
+                <a16:creationId xmlns:a16="http://schemas.microsoft.com/office/drawing/2014/main" id="{8F5762BA-1C69-4353-A60F-2E13D0CB0F73}"/>
+              </a:ext>
+            </a:extLst>
+          </p:cNvPr>
+          <p:cNvSpPr/>
+          <p:nvPr/>
+        </p:nvSpPr>
+        <p:spPr>
+          <a:xfrm>
+            <a:off x="971600" y="3424592"/>
+            <a:ext cx="1287693" cy="409160"/>
+          </a:xfrm>
+          <a:prstGeom prst="roundRect">
+            <a:avLst>
+              <a:gd name="adj" fmla="val 8130"/>
+            </a:avLst>
+          </a:prstGeom>
+        </p:spPr>
+        <p:style>
+          <a:lnRef idx="2">
+            <a:schemeClr val="dk1"/>
+          </a:lnRef>
+          <a:fillRef idx="1">
+            <a:schemeClr val="lt1"/>
+          </a:fillRef>
+          <a:effectRef idx="0">
+            <a:schemeClr val="dk1"/>
+          </a:effectRef>
+          <a:fontRef idx="minor">
+            <a:schemeClr val="dk1"/>
+          </a:fontRef>
+        </p:style>
+        <p:txBody>
+          <a:bodyPr rtlCol="0" anchor="ctr"/>
+          <a:lstStyle/>
+          <a:p>
+            <a:pPr algn="ctr"/>
+            <a:r>
+              <a:rPr lang="en-US" altLang="ko-KR" sz="1200"/>
+              <a:t>Target</a:t>
+            </a:r>
+            <a:endParaRPr lang="ko-KR" altLang="en-US" sz="1200"/>
+          </a:p>
+        </p:txBody>
+      </p:sp>
+      <p:cxnSp>
+        <p:nvCxnSpPr>
+          <p:cNvPr id="121" name="직선 연결선 120">
+            <a:extLst>
+              <a:ext uri="{FF2B5EF4-FFF2-40B4-BE49-F238E27FC236}">
+                <a16:creationId xmlns:a16="http://schemas.microsoft.com/office/drawing/2014/main" id="{D832854A-109E-4128-9D7C-811155870B70}"/>
+              </a:ext>
+            </a:extLst>
+          </p:cNvPr>
+          <p:cNvCxnSpPr>
+            <a:cxnSpLocks/>
+            <a:stCxn id="53" idx="2"/>
+            <a:endCxn id="115" idx="0"/>
+          </p:cNvCxnSpPr>
+          <p:nvPr/>
+        </p:nvCxnSpPr>
+        <p:spPr>
+          <a:xfrm flipH="1">
+            <a:off x="4167771" y="3454896"/>
+            <a:ext cx="149315" cy="254571"/>
+          </a:xfrm>
+          <a:prstGeom prst="line">
+            <a:avLst/>
+          </a:prstGeom>
+          <a:ln w="19050">
+            <a:solidFill>
+              <a:srgbClr val="C00000"/>
+            </a:solidFill>
+            <a:headEnd type="arrow" w="med" len="med"/>
+            <a:tailEnd type="arrow" w="med" len="med"/>
+          </a:ln>
+        </p:spPr>
+        <p:style>
+          <a:lnRef idx="1">
+            <a:schemeClr val="accent1"/>
+          </a:lnRef>
+          <a:fillRef idx="0">
+            <a:schemeClr val="accent1"/>
+          </a:fillRef>
+          <a:effectRef idx="0">
+            <a:schemeClr val="accent1"/>
+          </a:effectRef>
+          <a:fontRef idx="minor">
+            <a:schemeClr val="tx1"/>
+          </a:fontRef>
+        </p:style>
+      </p:cxnSp>
+      <p:cxnSp>
+        <p:nvCxnSpPr>
+          <p:cNvPr id="125" name="직선 연결선 124">
+            <a:extLst>
+              <a:ext uri="{FF2B5EF4-FFF2-40B4-BE49-F238E27FC236}">
+                <a16:creationId xmlns:a16="http://schemas.microsoft.com/office/drawing/2014/main" id="{961CFF57-071F-4B89-AA73-41EAC9E6DF5D}"/>
+              </a:ext>
+            </a:extLst>
+          </p:cNvPr>
+          <p:cNvCxnSpPr>
+            <a:cxnSpLocks/>
+            <a:stCxn id="53" idx="2"/>
+            <a:endCxn id="69" idx="3"/>
+          </p:cNvCxnSpPr>
+          <p:nvPr/>
+        </p:nvCxnSpPr>
+        <p:spPr>
+          <a:xfrm flipH="1">
+            <a:off x="2259293" y="3454896"/>
+            <a:ext cx="2057793" cy="784482"/>
+          </a:xfrm>
+          <a:prstGeom prst="line">
+            <a:avLst/>
+          </a:prstGeom>
+          <a:ln w="19050">
+            <a:solidFill>
+              <a:srgbClr val="C00000"/>
+            </a:solidFill>
+            <a:headEnd type="arrow" w="med" len="med"/>
+            <a:tailEnd type="arrow" w="med" len="med"/>
+          </a:ln>
+        </p:spPr>
+        <p:style>
+          <a:lnRef idx="1">
+            <a:schemeClr val="accent1"/>
+          </a:lnRef>
+          <a:fillRef idx="0">
+            <a:schemeClr val="accent1"/>
+          </a:fillRef>
+          <a:effectRef idx="0">
+            <a:schemeClr val="accent1"/>
+          </a:effectRef>
+          <a:fontRef idx="minor">
+            <a:schemeClr val="tx1"/>
+          </a:fontRef>
+        </p:style>
+      </p:cxnSp>
+      <p:cxnSp>
+        <p:nvCxnSpPr>
+          <p:cNvPr id="129" name="직선 연결선 128">
+            <a:extLst>
+              <a:ext uri="{FF2B5EF4-FFF2-40B4-BE49-F238E27FC236}">
+                <a16:creationId xmlns:a16="http://schemas.microsoft.com/office/drawing/2014/main" id="{F49D05F0-C8F4-4EDA-9B4A-11DFC968B2F9}"/>
+              </a:ext>
+            </a:extLst>
+          </p:cNvPr>
+          <p:cNvCxnSpPr>
+            <a:cxnSpLocks/>
+            <a:stCxn id="54" idx="0"/>
+            <a:endCxn id="64" idx="1"/>
+          </p:cNvCxnSpPr>
+          <p:nvPr/>
+        </p:nvCxnSpPr>
+        <p:spPr>
+          <a:xfrm flipV="1">
+            <a:off x="3155784" y="2583194"/>
+            <a:ext cx="1839129" cy="462542"/>
+          </a:xfrm>
+          <a:prstGeom prst="line">
+            <a:avLst/>
+          </a:prstGeom>
+          <a:ln w="19050">
+            <a:solidFill>
+              <a:schemeClr val="tx2"/>
+            </a:solidFill>
+            <a:headEnd type="none" w="med" len="med"/>
+            <a:tailEnd type="arrow" w="med" len="med"/>
+          </a:ln>
+        </p:spPr>
+        <p:style>
+          <a:lnRef idx="1">
+            <a:schemeClr val="accent1"/>
+          </a:lnRef>
+          <a:fillRef idx="0">
+            <a:schemeClr val="accent1"/>
+          </a:fillRef>
+          <a:effectRef idx="0">
+            <a:schemeClr val="accent1"/>
+          </a:effectRef>
+          <a:fontRef idx="minor">
+            <a:schemeClr val="tx1"/>
+          </a:fontRef>
+        </p:style>
+      </p:cxnSp>
+      <p:sp>
+        <p:nvSpPr>
+          <p:cNvPr id="135" name="TextBox 134">
+            <a:extLst>
+              <a:ext uri="{FF2B5EF4-FFF2-40B4-BE49-F238E27FC236}">
+                <a16:creationId xmlns:a16="http://schemas.microsoft.com/office/drawing/2014/main" id="{A2854DB8-0308-4B26-83E9-C57A1750E97A}"/>
+              </a:ext>
+            </a:extLst>
+          </p:cNvPr>
+          <p:cNvSpPr txBox="1"/>
+          <p:nvPr/>
+        </p:nvSpPr>
+        <p:spPr>
+          <a:xfrm>
+            <a:off x="4060184" y="2355726"/>
+            <a:ext cx="1159888" cy="261610"/>
+          </a:xfrm>
+          <a:prstGeom prst="rect">
+            <a:avLst/>
+          </a:prstGeom>
+          <a:noFill/>
+        </p:spPr>
+        <p:txBody>
+          <a:bodyPr wrap="square" rtlCol="0" anchor="ctr">
+            <a:spAutoFit/>
+          </a:bodyPr>
+          <a:lstStyle/>
+          <a:p>
+            <a:pPr algn="ctr"/>
+            <a:r>
+              <a:rPr lang="en-US" altLang="ko-KR" sz="1100">
+                <a:solidFill>
+                  <a:schemeClr val="tx2"/>
+                </a:solidFill>
+              </a:rPr>
+              <a:t>Target</a:t>
+            </a:r>
+            <a:endParaRPr lang="ko-KR" altLang="en-US" sz="1100">
+              <a:solidFill>
+                <a:schemeClr val="tx2"/>
+              </a:solidFill>
+            </a:endParaRPr>
+          </a:p>
+        </p:txBody>
+      </p:sp>
+      <p:cxnSp>
+        <p:nvCxnSpPr>
+          <p:cNvPr id="143" name="직선 연결선 142">
+            <a:extLst>
+              <a:ext uri="{FF2B5EF4-FFF2-40B4-BE49-F238E27FC236}">
+                <a16:creationId xmlns:a16="http://schemas.microsoft.com/office/drawing/2014/main" id="{AA349B72-6A93-444D-90E8-1502C2392575}"/>
+              </a:ext>
+            </a:extLst>
+          </p:cNvPr>
+          <p:cNvCxnSpPr>
+            <a:cxnSpLocks/>
+            <a:stCxn id="106" idx="0"/>
+            <a:endCxn id="64" idx="2"/>
+          </p:cNvCxnSpPr>
+          <p:nvPr/>
+        </p:nvCxnSpPr>
+        <p:spPr>
+          <a:xfrm flipV="1">
+            <a:off x="5477427" y="2787774"/>
+            <a:ext cx="1672" cy="257962"/>
+          </a:xfrm>
+          <a:prstGeom prst="line">
+            <a:avLst/>
+          </a:prstGeom>
+          <a:ln w="19050">
+            <a:solidFill>
+              <a:schemeClr val="tx2"/>
+            </a:solidFill>
+            <a:headEnd type="none" w="med" len="med"/>
+            <a:tailEnd type="arrow" w="med" len="med"/>
+          </a:ln>
+        </p:spPr>
+        <p:style>
+          <a:lnRef idx="1">
+            <a:schemeClr val="accent1"/>
+          </a:lnRef>
+          <a:fillRef idx="0">
+            <a:schemeClr val="accent1"/>
+          </a:fillRef>
+          <a:effectRef idx="0">
+            <a:schemeClr val="accent1"/>
+          </a:effectRef>
+          <a:fontRef idx="minor">
+            <a:schemeClr val="tx1"/>
+          </a:fontRef>
+        </p:style>
+      </p:cxnSp>
+      <p:cxnSp>
+        <p:nvCxnSpPr>
+          <p:cNvPr id="147" name="직선 연결선 146">
+            <a:extLst>
+              <a:ext uri="{FF2B5EF4-FFF2-40B4-BE49-F238E27FC236}">
+                <a16:creationId xmlns:a16="http://schemas.microsoft.com/office/drawing/2014/main" id="{0F5B454A-48F1-4EEA-A139-892A1DCD95F8}"/>
+              </a:ext>
+            </a:extLst>
+          </p:cNvPr>
+          <p:cNvCxnSpPr>
+            <a:cxnSpLocks/>
+            <a:stCxn id="73" idx="0"/>
+            <a:endCxn id="106" idx="2"/>
+          </p:cNvCxnSpPr>
+          <p:nvPr/>
+        </p:nvCxnSpPr>
+        <p:spPr>
+          <a:xfrm flipV="1">
+            <a:off x="5476868" y="3454896"/>
+            <a:ext cx="559" cy="260034"/>
+          </a:xfrm>
+          <a:prstGeom prst="line">
+            <a:avLst/>
+          </a:prstGeom>
+          <a:ln w="19050">
+            <a:solidFill>
+              <a:schemeClr val="accent3">
+                <a:lumMod val="75000"/>
+              </a:schemeClr>
+            </a:solidFill>
+            <a:headEnd type="arrow" w="med" len="med"/>
+            <a:tailEnd type="arrow" w="med" len="med"/>
+          </a:ln>
+        </p:spPr>
+        <p:style>
+          <a:lnRef idx="1">
+            <a:schemeClr val="accent1"/>
+          </a:lnRef>
+          <a:fillRef idx="0">
+            <a:schemeClr val="accent1"/>
+          </a:fillRef>
+          <a:effectRef idx="0">
+            <a:schemeClr val="accent1"/>
+          </a:effectRef>
+          <a:fontRef idx="minor">
+            <a:schemeClr val="tx1"/>
+          </a:fontRef>
+        </p:style>
+      </p:cxnSp>
+      <p:sp>
+        <p:nvSpPr>
+          <p:cNvPr id="171" name="TextBox 170">
+            <a:extLst>
+              <a:ext uri="{FF2B5EF4-FFF2-40B4-BE49-F238E27FC236}">
+                <a16:creationId xmlns:a16="http://schemas.microsoft.com/office/drawing/2014/main" id="{36B5238E-0B20-41BA-A95E-71AA4273064E}"/>
+              </a:ext>
+            </a:extLst>
+          </p:cNvPr>
+          <p:cNvSpPr txBox="1"/>
+          <p:nvPr/>
+        </p:nvSpPr>
+        <p:spPr>
+          <a:xfrm>
+            <a:off x="1924477" y="2742188"/>
+            <a:ext cx="956133" cy="261610"/>
+          </a:xfrm>
+          <a:prstGeom prst="rect">
+            <a:avLst/>
+          </a:prstGeom>
+          <a:noFill/>
+        </p:spPr>
+        <p:txBody>
+          <a:bodyPr wrap="square" rtlCol="0" anchor="ctr">
+            <a:spAutoFit/>
+          </a:bodyPr>
+          <a:lstStyle/>
+          <a:p>
+            <a:pPr algn="ctr"/>
+            <a:r>
+              <a:rPr lang="en-US" altLang="ko-KR" sz="1100">
+                <a:solidFill>
+                  <a:srgbClr val="C00000"/>
+                </a:solidFill>
+              </a:rPr>
+              <a:t>Pull</a:t>
+            </a:r>
+            <a:endParaRPr lang="ko-KR" altLang="en-US" sz="1100">
+              <a:solidFill>
+                <a:srgbClr val="C00000"/>
+              </a:solidFill>
+            </a:endParaRPr>
+          </a:p>
+        </p:txBody>
+      </p:sp>
+      <p:cxnSp>
+        <p:nvCxnSpPr>
+          <p:cNvPr id="172" name="직선 연결선 171">
+            <a:extLst>
+              <a:ext uri="{FF2B5EF4-FFF2-40B4-BE49-F238E27FC236}">
+                <a16:creationId xmlns:a16="http://schemas.microsoft.com/office/drawing/2014/main" id="{8B05DCE3-1A7F-4675-BA69-F508B340EE39}"/>
+              </a:ext>
+            </a:extLst>
+          </p:cNvPr>
+          <p:cNvCxnSpPr>
+            <a:cxnSpLocks/>
+            <a:stCxn id="53" idx="3"/>
+            <a:endCxn id="73" idx="1"/>
+          </p:cNvCxnSpPr>
+          <p:nvPr/>
+        </p:nvCxnSpPr>
+        <p:spPr>
+          <a:xfrm>
+            <a:off x="4801271" y="3250316"/>
+            <a:ext cx="191411" cy="669194"/>
+          </a:xfrm>
+          <a:prstGeom prst="line">
+            <a:avLst/>
+          </a:prstGeom>
+          <a:ln w="19050">
+            <a:solidFill>
+              <a:srgbClr val="C00000"/>
+            </a:solidFill>
+            <a:headEnd type="none" w="med" len="med"/>
+            <a:tailEnd type="arrow" w="med" len="med"/>
+          </a:ln>
+        </p:spPr>
+        <p:style>
+          <a:lnRef idx="1">
+            <a:schemeClr val="accent1"/>
+          </a:lnRef>
+          <a:fillRef idx="0">
+            <a:schemeClr val="accent1"/>
+          </a:fillRef>
+          <a:effectRef idx="0">
+            <a:schemeClr val="accent1"/>
+          </a:effectRef>
+          <a:fontRef idx="minor">
+            <a:schemeClr val="tx1"/>
+          </a:fontRef>
+        </p:style>
+      </p:cxnSp>
+      <p:grpSp>
+        <p:nvGrpSpPr>
+          <p:cNvPr id="250" name="그룹 249">
+            <a:extLst>
+              <a:ext uri="{FF2B5EF4-FFF2-40B4-BE49-F238E27FC236}">
+                <a16:creationId xmlns:a16="http://schemas.microsoft.com/office/drawing/2014/main" id="{61479E87-C41F-4F4C-A32B-76B323DA947C}"/>
+              </a:ext>
+            </a:extLst>
+          </p:cNvPr>
+          <p:cNvGrpSpPr/>
+          <p:nvPr/>
+        </p:nvGrpSpPr>
+        <p:grpSpPr>
+          <a:xfrm>
+            <a:off x="6358256" y="2867290"/>
+            <a:ext cx="1598120" cy="1590037"/>
+            <a:chOff x="6358256" y="2757934"/>
+            <a:chExt cx="1598120" cy="1699394"/>
+          </a:xfrm>
+        </p:grpSpPr>
+        <p:sp>
+          <p:nvSpPr>
+            <p:cNvPr id="180" name="사각형: 둥근 모서리 179">
+              <a:extLst>
+                <a:ext uri="{FF2B5EF4-FFF2-40B4-BE49-F238E27FC236}">
+                  <a16:creationId xmlns:a16="http://schemas.microsoft.com/office/drawing/2014/main" id="{2E70D0D8-5548-46F9-8330-ADBA73172C91}"/>
+                </a:ext>
+              </a:extLst>
+            </p:cNvPr>
+            <p:cNvSpPr/>
+            <p:nvPr/>
+          </p:nvSpPr>
+          <p:spPr>
+            <a:xfrm>
+              <a:off x="6358256" y="2757934"/>
+              <a:ext cx="1598120" cy="1699394"/>
+            </a:xfrm>
+            <a:prstGeom prst="roundRect">
+              <a:avLst>
+                <a:gd name="adj" fmla="val 5026"/>
+              </a:avLst>
+            </a:prstGeom>
+            <a:ln>
+              <a:prstDash val="dash"/>
+            </a:ln>
+          </p:spPr>
+          <p:style>
+            <a:lnRef idx="2">
+              <a:schemeClr val="dk1"/>
+            </a:lnRef>
+            <a:fillRef idx="1">
+              <a:schemeClr val="lt1"/>
+            </a:fillRef>
+            <a:effectRef idx="0">
+              <a:schemeClr val="dk1"/>
+            </a:effectRef>
+            <a:fontRef idx="minor">
+              <a:schemeClr val="dk1"/>
+            </a:fontRef>
+          </p:style>
+          <p:txBody>
+            <a:bodyPr rtlCol="0" anchor="t"/>
+            <a:lstStyle/>
+            <a:p>
+              <a:pPr algn="ctr"/>
+              <a:r>
+                <a:rPr lang="en-US" altLang="ko-KR" sz="1200" b="1"/>
+                <a:t>Prometheus Client</a:t>
+              </a:r>
+              <a:endParaRPr lang="ko-KR" altLang="en-US" sz="1200" b="1"/>
+            </a:p>
+          </p:txBody>
+        </p:sp>
+        <p:sp>
+          <p:nvSpPr>
+            <p:cNvPr id="177" name="사각형: 둥근 모서리 176">
+              <a:extLst>
+                <a:ext uri="{FF2B5EF4-FFF2-40B4-BE49-F238E27FC236}">
+                  <a16:creationId xmlns:a16="http://schemas.microsoft.com/office/drawing/2014/main" id="{AE1194B0-F3A1-4DC0-B168-E743331413A0}"/>
+                </a:ext>
+              </a:extLst>
+            </p:cNvPr>
+            <p:cNvSpPr/>
+            <p:nvPr/>
+          </p:nvSpPr>
+          <p:spPr>
+            <a:xfrm>
+              <a:off x="6513469" y="3076867"/>
+              <a:ext cx="1287694" cy="409160"/>
+            </a:xfrm>
+            <a:prstGeom prst="roundRect">
+              <a:avLst>
+                <a:gd name="adj" fmla="val 5026"/>
+              </a:avLst>
+            </a:prstGeom>
+          </p:spPr>
+          <p:style>
+            <a:lnRef idx="2">
+              <a:schemeClr val="dk1"/>
+            </a:lnRef>
+            <a:fillRef idx="1">
+              <a:schemeClr val="lt1"/>
+            </a:fillRef>
+            <a:effectRef idx="0">
+              <a:schemeClr val="dk1"/>
+            </a:effectRef>
+            <a:fontRef idx="minor">
+              <a:schemeClr val="dk1"/>
+            </a:fontRef>
+          </p:style>
+          <p:txBody>
+            <a:bodyPr rtlCol="0" anchor="ctr"/>
+            <a:lstStyle/>
+            <a:p>
+              <a:pPr algn="ctr"/>
+              <a:r>
+                <a:rPr lang="en-US" altLang="ko-KR" sz="1200"/>
+                <a:t>Prometheus</a:t>
+              </a:r>
+            </a:p>
+            <a:p>
+              <a:pPr algn="ctr"/>
+              <a:r>
+                <a:rPr lang="en-US" altLang="ko-KR" sz="1200"/>
+                <a:t>Web UI</a:t>
+              </a:r>
+              <a:endParaRPr lang="ko-KR" altLang="en-US" sz="1200"/>
+            </a:p>
+          </p:txBody>
+        </p:sp>
+        <p:sp>
+          <p:nvSpPr>
+            <p:cNvPr id="178" name="사각형: 둥근 모서리 177">
+              <a:extLst>
+                <a:ext uri="{FF2B5EF4-FFF2-40B4-BE49-F238E27FC236}">
+                  <a16:creationId xmlns:a16="http://schemas.microsoft.com/office/drawing/2014/main" id="{43946E3E-ABCE-479E-AE0A-6D0BB309BFCA}"/>
+                </a:ext>
+              </a:extLst>
+            </p:cNvPr>
+            <p:cNvSpPr/>
+            <p:nvPr/>
+          </p:nvSpPr>
+          <p:spPr>
+            <a:xfrm>
+              <a:off x="6501230" y="3609454"/>
+              <a:ext cx="1287694" cy="409160"/>
+            </a:xfrm>
+            <a:prstGeom prst="roundRect">
+              <a:avLst>
+                <a:gd name="adj" fmla="val 5026"/>
+              </a:avLst>
+            </a:prstGeom>
+          </p:spPr>
+          <p:style>
+            <a:lnRef idx="2">
+              <a:schemeClr val="dk1"/>
+            </a:lnRef>
+            <a:fillRef idx="1">
+              <a:schemeClr val="lt1"/>
+            </a:fillRef>
+            <a:effectRef idx="0">
+              <a:schemeClr val="dk1"/>
+            </a:effectRef>
+            <a:fontRef idx="minor">
+              <a:schemeClr val="dk1"/>
+            </a:fontRef>
+          </p:style>
+          <p:txBody>
+            <a:bodyPr rtlCol="0" anchor="ctr"/>
+            <a:lstStyle/>
+            <a:p>
+              <a:pPr algn="ctr"/>
+              <a:r>
+                <a:rPr lang="en-US" altLang="ko-KR" sz="1200"/>
+                <a:t>Grafana</a:t>
+              </a:r>
+              <a:endParaRPr lang="ko-KR" altLang="en-US" sz="1200"/>
+            </a:p>
+          </p:txBody>
+        </p:sp>
+        <p:grpSp>
+          <p:nvGrpSpPr>
+            <p:cNvPr id="182" name="그룹 181">
+              <a:extLst>
+                <a:ext uri="{FF2B5EF4-FFF2-40B4-BE49-F238E27FC236}">
+                  <a16:creationId xmlns:a16="http://schemas.microsoft.com/office/drawing/2014/main" id="{2A7781F0-6BE8-4CD0-B193-AD889F3016D3}"/>
+                </a:ext>
+              </a:extLst>
+            </p:cNvPr>
+            <p:cNvGrpSpPr/>
+            <p:nvPr/>
+          </p:nvGrpSpPr>
+          <p:grpSpPr>
+            <a:xfrm rot="5400000">
+              <a:off x="7002859" y="4206081"/>
+              <a:ext cx="300112" cy="65162"/>
+              <a:chOff x="8028384" y="1512622"/>
+              <a:chExt cx="300112" cy="65162"/>
+            </a:xfrm>
+          </p:grpSpPr>
+          <p:sp>
+            <p:nvSpPr>
+              <p:cNvPr id="183" name="타원 182">
+                <a:extLst>
+                  <a:ext uri="{FF2B5EF4-FFF2-40B4-BE49-F238E27FC236}">
+                    <a16:creationId xmlns:a16="http://schemas.microsoft.com/office/drawing/2014/main" id="{094BDE03-EDB8-4533-BA48-D2443F90A079}"/>
+                  </a:ext>
+                </a:extLst>
+              </p:cNvPr>
+              <p:cNvSpPr/>
+              <p:nvPr/>
+            </p:nvSpPr>
+            <p:spPr>
+              <a:xfrm>
+                <a:off x="8028384" y="1512622"/>
+                <a:ext cx="65162" cy="65162"/>
+              </a:xfrm>
+              <a:prstGeom prst="ellipse">
+                <a:avLst/>
+              </a:prstGeom>
+              <a:solidFill>
+                <a:schemeClr val="tx1"/>
+              </a:solidFill>
+              <a:ln>
+                <a:noFill/>
+              </a:ln>
+            </p:spPr>
+            <p:style>
+              <a:lnRef idx="2">
+                <a:schemeClr val="accent1">
+                  <a:shade val="50000"/>
+                </a:schemeClr>
+              </a:lnRef>
+              <a:fillRef idx="1">
+                <a:schemeClr val="accent1"/>
+              </a:fillRef>
+              <a:effectRef idx="0">
+                <a:schemeClr val="accent1"/>
+              </a:effectRef>
+              <a:fontRef idx="minor">
+                <a:schemeClr val="lt1"/>
+              </a:fontRef>
+            </p:style>
+            <p:txBody>
+              <a:bodyPr rtlCol="0" anchor="ctr"/>
+              <a:lstStyle/>
+              <a:p>
+                <a:pPr algn="ctr"/>
+                <a:endParaRPr lang="ko-KR" altLang="en-US"/>
+              </a:p>
+            </p:txBody>
+          </p:sp>
+          <p:sp>
+            <p:nvSpPr>
+              <p:cNvPr id="184" name="타원 183">
+                <a:extLst>
+                  <a:ext uri="{FF2B5EF4-FFF2-40B4-BE49-F238E27FC236}">
+                    <a16:creationId xmlns:a16="http://schemas.microsoft.com/office/drawing/2014/main" id="{BA36DCF9-CE47-4E5B-A063-6583746F0CC4}"/>
+                  </a:ext>
+                </a:extLst>
+              </p:cNvPr>
+              <p:cNvSpPr/>
+              <p:nvPr/>
+            </p:nvSpPr>
+            <p:spPr>
+              <a:xfrm>
+                <a:off x="8142684" y="1512622"/>
+                <a:ext cx="65162" cy="65162"/>
+              </a:xfrm>
+              <a:prstGeom prst="ellipse">
+                <a:avLst/>
+              </a:prstGeom>
+              <a:solidFill>
+                <a:schemeClr val="tx1"/>
+              </a:solidFill>
+              <a:ln>
+                <a:noFill/>
+              </a:ln>
+            </p:spPr>
+            <p:style>
+              <a:lnRef idx="2">
+                <a:schemeClr val="accent1">
+                  <a:shade val="50000"/>
+                </a:schemeClr>
+              </a:lnRef>
+              <a:fillRef idx="1">
+                <a:schemeClr val="accent1"/>
+              </a:fillRef>
+              <a:effectRef idx="0">
+                <a:schemeClr val="accent1"/>
+              </a:effectRef>
+              <a:fontRef idx="minor">
+                <a:schemeClr val="lt1"/>
+              </a:fontRef>
+            </p:style>
+            <p:txBody>
+              <a:bodyPr rtlCol="0" anchor="ctr"/>
+              <a:lstStyle/>
+              <a:p>
+                <a:pPr algn="ctr"/>
+                <a:endParaRPr lang="ko-KR" altLang="en-US"/>
+              </a:p>
+            </p:txBody>
+          </p:sp>
+          <p:sp>
+            <p:nvSpPr>
+              <p:cNvPr id="185" name="타원 184">
+                <a:extLst>
+                  <a:ext uri="{FF2B5EF4-FFF2-40B4-BE49-F238E27FC236}">
+                    <a16:creationId xmlns:a16="http://schemas.microsoft.com/office/drawing/2014/main" id="{4016E81F-8CF7-421C-A979-1B9FC24EB8E7}"/>
+                  </a:ext>
+                </a:extLst>
+              </p:cNvPr>
+              <p:cNvSpPr/>
+              <p:nvPr/>
+            </p:nvSpPr>
+            <p:spPr>
+              <a:xfrm>
+                <a:off x="8263334" y="1512622"/>
+                <a:ext cx="65162" cy="65162"/>
+              </a:xfrm>
+              <a:prstGeom prst="ellipse">
+                <a:avLst/>
+              </a:prstGeom>
+              <a:solidFill>
+                <a:schemeClr val="tx1"/>
+              </a:solidFill>
+              <a:ln>
+                <a:noFill/>
+              </a:ln>
+            </p:spPr>
+            <p:style>
+              <a:lnRef idx="2">
+                <a:schemeClr val="accent1">
+                  <a:shade val="50000"/>
+                </a:schemeClr>
+              </a:lnRef>
+              <a:fillRef idx="1">
+                <a:schemeClr val="accent1"/>
+              </a:fillRef>
+              <a:effectRef idx="0">
+                <a:schemeClr val="accent1"/>
+              </a:effectRef>
+              <a:fontRef idx="minor">
+                <a:schemeClr val="lt1"/>
+              </a:fontRef>
+            </p:style>
+            <p:txBody>
+              <a:bodyPr rtlCol="0" anchor="ctr"/>
+              <a:lstStyle/>
+              <a:p>
+                <a:pPr algn="ctr"/>
+                <a:endParaRPr lang="ko-KR" altLang="en-US"/>
+              </a:p>
+            </p:txBody>
+          </p:sp>
+        </p:grpSp>
+      </p:grpSp>
+      <p:cxnSp>
+        <p:nvCxnSpPr>
+          <p:cNvPr id="186" name="직선 연결선 185">
+            <a:extLst>
+              <a:ext uri="{FF2B5EF4-FFF2-40B4-BE49-F238E27FC236}">
+                <a16:creationId xmlns:a16="http://schemas.microsoft.com/office/drawing/2014/main" id="{73AE958F-7573-4451-B278-47484BAE533E}"/>
+              </a:ext>
+            </a:extLst>
+          </p:cNvPr>
+          <p:cNvCxnSpPr>
+            <a:cxnSpLocks/>
+            <a:stCxn id="73" idx="3"/>
+            <a:endCxn id="178" idx="1"/>
+          </p:cNvCxnSpPr>
+          <p:nvPr/>
+        </p:nvCxnSpPr>
+        <p:spPr>
+          <a:xfrm flipV="1">
+            <a:off x="5961053" y="3855429"/>
+            <a:ext cx="540177" cy="64081"/>
+          </a:xfrm>
+          <a:prstGeom prst="line">
+            <a:avLst/>
+          </a:prstGeom>
+          <a:ln w="19050">
+            <a:solidFill>
+              <a:schemeClr val="accent3">
+                <a:lumMod val="75000"/>
+              </a:schemeClr>
+            </a:solidFill>
+            <a:headEnd type="arrow" w="med" len="med"/>
+            <a:tailEnd type="arrow" w="med" len="med"/>
+          </a:ln>
+        </p:spPr>
+        <p:style>
+          <a:lnRef idx="1">
+            <a:schemeClr val="accent1"/>
+          </a:lnRef>
+          <a:fillRef idx="0">
+            <a:schemeClr val="accent1"/>
+          </a:fillRef>
+          <a:effectRef idx="0">
+            <a:schemeClr val="accent1"/>
+          </a:effectRef>
+          <a:fontRef idx="minor">
+            <a:schemeClr val="tx1"/>
+          </a:fontRef>
+        </p:style>
+      </p:cxnSp>
+      <p:cxnSp>
+        <p:nvCxnSpPr>
+          <p:cNvPr id="189" name="직선 연결선 188">
+            <a:extLst>
+              <a:ext uri="{FF2B5EF4-FFF2-40B4-BE49-F238E27FC236}">
+                <a16:creationId xmlns:a16="http://schemas.microsoft.com/office/drawing/2014/main" id="{B0492CC0-BAD3-43CB-824C-16FB30B2C919}"/>
+              </a:ext>
+            </a:extLst>
+          </p:cNvPr>
+          <p:cNvCxnSpPr>
+            <a:cxnSpLocks/>
+            <a:stCxn id="73" idx="3"/>
+            <a:endCxn id="177" idx="1"/>
+          </p:cNvCxnSpPr>
+          <p:nvPr/>
+        </p:nvCxnSpPr>
+        <p:spPr>
+          <a:xfrm flipV="1">
+            <a:off x="5961053" y="3357114"/>
+            <a:ext cx="552416" cy="562396"/>
+          </a:xfrm>
+          <a:prstGeom prst="line">
+            <a:avLst/>
+          </a:prstGeom>
+          <a:ln w="19050">
+            <a:solidFill>
+              <a:schemeClr val="accent3">
+                <a:lumMod val="75000"/>
+              </a:schemeClr>
+            </a:solidFill>
+            <a:headEnd type="arrow" w="med" len="med"/>
+            <a:tailEnd type="arrow" w="med" len="med"/>
+          </a:ln>
+        </p:spPr>
+        <p:style>
+          <a:lnRef idx="1">
+            <a:schemeClr val="accent1"/>
+          </a:lnRef>
+          <a:fillRef idx="0">
+            <a:schemeClr val="accent1"/>
+          </a:fillRef>
+          <a:effectRef idx="0">
+            <a:schemeClr val="accent1"/>
+          </a:effectRef>
+          <a:fontRef idx="minor">
+            <a:schemeClr val="tx1"/>
+          </a:fontRef>
+        </p:style>
+      </p:cxnSp>
+      <p:grpSp>
+        <p:nvGrpSpPr>
+          <p:cNvPr id="249" name="그룹 248">
+            <a:extLst>
+              <a:ext uri="{FF2B5EF4-FFF2-40B4-BE49-F238E27FC236}">
+                <a16:creationId xmlns:a16="http://schemas.microsoft.com/office/drawing/2014/main" id="{6F4DDCB0-07EC-4C89-9A85-856950C40EA8}"/>
+              </a:ext>
+            </a:extLst>
+          </p:cNvPr>
+          <p:cNvGrpSpPr/>
+          <p:nvPr/>
+        </p:nvGrpSpPr>
+        <p:grpSpPr>
+          <a:xfrm>
+            <a:off x="2356526" y="4515966"/>
+            <a:ext cx="4015674" cy="261610"/>
+            <a:chOff x="2555776" y="4515966"/>
+            <a:chExt cx="4015674" cy="261610"/>
+          </a:xfrm>
+        </p:grpSpPr>
+        <p:cxnSp>
+          <p:nvCxnSpPr>
+            <p:cNvPr id="234" name="직선 연결선 233">
+              <a:extLst>
+                <a:ext uri="{FF2B5EF4-FFF2-40B4-BE49-F238E27FC236}">
+                  <a16:creationId xmlns:a16="http://schemas.microsoft.com/office/drawing/2014/main" id="{0F121FC2-BEFB-4D11-A68D-F08DA54304B2}"/>
+                </a:ext>
+              </a:extLst>
+            </p:cNvPr>
+            <p:cNvCxnSpPr>
+              <a:cxnSpLocks/>
+              <a:stCxn id="236" idx="1"/>
+            </p:cNvCxnSpPr>
+            <p:nvPr/>
+          </p:nvCxnSpPr>
+          <p:spPr>
+            <a:xfrm flipH="1">
+              <a:off x="2555776" y="4646771"/>
+              <a:ext cx="288032" cy="0"/>
+            </a:xfrm>
+            <a:prstGeom prst="line">
+              <a:avLst/>
+            </a:prstGeom>
+            <a:ln w="19050">
+              <a:solidFill>
+                <a:srgbClr val="C00000"/>
+              </a:solidFill>
+              <a:headEnd type="arrow" w="med" len="med"/>
+              <a:tailEnd type="none" w="med" len="med"/>
+            </a:ln>
+          </p:spPr>
+          <p:style>
+            <a:lnRef idx="1">
+              <a:schemeClr val="accent1"/>
+            </a:lnRef>
+            <a:fillRef idx="0">
+              <a:schemeClr val="accent1"/>
+            </a:fillRef>
+            <a:effectRef idx="0">
+              <a:schemeClr val="accent1"/>
+            </a:effectRef>
+            <a:fontRef idx="minor">
+              <a:schemeClr val="tx1"/>
+            </a:fontRef>
+          </p:style>
+        </p:cxnSp>
+        <p:sp>
+          <p:nvSpPr>
+            <p:cNvPr id="236" name="TextBox 235">
+              <a:extLst>
+                <a:ext uri="{FF2B5EF4-FFF2-40B4-BE49-F238E27FC236}">
+                  <a16:creationId xmlns:a16="http://schemas.microsoft.com/office/drawing/2014/main" id="{4985D540-5031-42FF-88F6-614AAD2B6D2C}"/>
+                </a:ext>
+              </a:extLst>
+            </p:cNvPr>
+            <p:cNvSpPr txBox="1"/>
+            <p:nvPr/>
+          </p:nvSpPr>
+          <p:spPr>
+            <a:xfrm>
+              <a:off x="2843808" y="4515966"/>
+              <a:ext cx="697828" cy="261610"/>
+            </a:xfrm>
+            <a:prstGeom prst="rect">
+              <a:avLst/>
+            </a:prstGeom>
+            <a:noFill/>
+          </p:spPr>
+          <p:txBody>
+            <a:bodyPr wrap="square" rtlCol="0" anchor="ctr">
+              <a:spAutoFit/>
+            </a:bodyPr>
+            <a:lstStyle/>
+            <a:p>
+              <a:pPr algn="ctr"/>
+              <a:r>
+                <a:rPr lang="en-US" altLang="ko-KR" sz="1100"/>
+                <a:t>Metric</a:t>
+              </a:r>
+            </a:p>
+          </p:txBody>
+        </p:sp>
+        <p:cxnSp>
+          <p:nvCxnSpPr>
+            <p:cNvPr id="242" name="직선 연결선 241">
+              <a:extLst>
+                <a:ext uri="{FF2B5EF4-FFF2-40B4-BE49-F238E27FC236}">
+                  <a16:creationId xmlns:a16="http://schemas.microsoft.com/office/drawing/2014/main" id="{B2077152-5942-451F-B3EE-CCEC7E0728EC}"/>
+                </a:ext>
+              </a:extLst>
+            </p:cNvPr>
+            <p:cNvCxnSpPr>
+              <a:cxnSpLocks/>
+              <a:stCxn id="243" idx="1"/>
+            </p:cNvCxnSpPr>
+            <p:nvPr/>
+          </p:nvCxnSpPr>
+          <p:spPr>
+            <a:xfrm flipH="1">
+              <a:off x="3669014" y="4646771"/>
+              <a:ext cx="288032" cy="0"/>
+            </a:xfrm>
+            <a:prstGeom prst="line">
+              <a:avLst/>
+            </a:prstGeom>
+            <a:ln w="19050">
+              <a:solidFill>
+                <a:schemeClr val="tx2"/>
+              </a:solidFill>
+              <a:headEnd type="arrow" w="med" len="med"/>
+              <a:tailEnd type="none" w="med" len="med"/>
+            </a:ln>
+          </p:spPr>
+          <p:style>
+            <a:lnRef idx="1">
+              <a:schemeClr val="accent1"/>
+            </a:lnRef>
+            <a:fillRef idx="0">
+              <a:schemeClr val="accent1"/>
+            </a:fillRef>
+            <a:effectRef idx="0">
+              <a:schemeClr val="accent1"/>
+            </a:effectRef>
+            <a:fontRef idx="minor">
+              <a:schemeClr val="tx1"/>
+            </a:fontRef>
+          </p:style>
+        </p:cxnSp>
+        <p:sp>
+          <p:nvSpPr>
+            <p:cNvPr id="243" name="TextBox 242">
+              <a:extLst>
+                <a:ext uri="{FF2B5EF4-FFF2-40B4-BE49-F238E27FC236}">
+                  <a16:creationId xmlns:a16="http://schemas.microsoft.com/office/drawing/2014/main" id="{DDE7163D-D7F2-4869-AA0E-34ADE78D0CE0}"/>
+                </a:ext>
+              </a:extLst>
+            </p:cNvPr>
+            <p:cNvSpPr txBox="1"/>
+            <p:nvPr/>
+          </p:nvSpPr>
+          <p:spPr>
+            <a:xfrm>
+              <a:off x="3957046" y="4515966"/>
+              <a:ext cx="614954" cy="261610"/>
+            </a:xfrm>
+            <a:prstGeom prst="rect">
+              <a:avLst/>
+            </a:prstGeom>
+            <a:noFill/>
+          </p:spPr>
+          <p:txBody>
+            <a:bodyPr wrap="square" rtlCol="0" anchor="ctr">
+              <a:spAutoFit/>
+            </a:bodyPr>
+            <a:lstStyle/>
+            <a:p>
+              <a:pPr algn="ctr"/>
+              <a:r>
+                <a:rPr lang="en-US" altLang="ko-KR" sz="1100"/>
+                <a:t>Alert</a:t>
+              </a:r>
+            </a:p>
+          </p:txBody>
+        </p:sp>
+        <p:cxnSp>
+          <p:nvCxnSpPr>
+            <p:cNvPr id="244" name="직선 연결선 243">
+              <a:extLst>
+                <a:ext uri="{FF2B5EF4-FFF2-40B4-BE49-F238E27FC236}">
+                  <a16:creationId xmlns:a16="http://schemas.microsoft.com/office/drawing/2014/main" id="{5D4822EB-D9F8-48B1-8569-39491786D9C4}"/>
+                </a:ext>
+              </a:extLst>
+            </p:cNvPr>
+            <p:cNvCxnSpPr>
+              <a:cxnSpLocks/>
+              <a:stCxn id="245" idx="1"/>
+            </p:cNvCxnSpPr>
+            <p:nvPr/>
+          </p:nvCxnSpPr>
+          <p:spPr>
+            <a:xfrm flipH="1">
+              <a:off x="4644009" y="4646771"/>
+              <a:ext cx="288030" cy="1"/>
+            </a:xfrm>
+            <a:prstGeom prst="line">
+              <a:avLst/>
+            </a:prstGeom>
+            <a:ln w="19050">
+              <a:solidFill>
+                <a:schemeClr val="accent3">
+                  <a:lumMod val="75000"/>
+                </a:schemeClr>
+              </a:solidFill>
+              <a:headEnd type="arrow" w="med" len="med"/>
+              <a:tailEnd type="none" w="med" len="med"/>
+            </a:ln>
+          </p:spPr>
+          <p:style>
+            <a:lnRef idx="1">
+              <a:schemeClr val="accent1"/>
+            </a:lnRef>
+            <a:fillRef idx="0">
+              <a:schemeClr val="accent1"/>
+            </a:fillRef>
+            <a:effectRef idx="0">
+              <a:schemeClr val="accent1"/>
+            </a:effectRef>
+            <a:fontRef idx="minor">
+              <a:schemeClr val="tx1"/>
+            </a:fontRef>
+          </p:style>
+        </p:cxnSp>
+        <p:sp>
+          <p:nvSpPr>
+            <p:cNvPr id="245" name="TextBox 244">
+              <a:extLst>
+                <a:ext uri="{FF2B5EF4-FFF2-40B4-BE49-F238E27FC236}">
+                  <a16:creationId xmlns:a16="http://schemas.microsoft.com/office/drawing/2014/main" id="{CB867BC1-D1A2-436A-B906-96F1931BC529}"/>
+                </a:ext>
+              </a:extLst>
+            </p:cNvPr>
+            <p:cNvSpPr txBox="1"/>
+            <p:nvPr/>
+          </p:nvSpPr>
+          <p:spPr>
+            <a:xfrm>
+              <a:off x="4932039" y="4515966"/>
+              <a:ext cx="1639411" cy="261610"/>
+            </a:xfrm>
+            <a:prstGeom prst="rect">
+              <a:avLst/>
+            </a:prstGeom>
+            <a:noFill/>
+          </p:spPr>
+          <p:txBody>
+            <a:bodyPr wrap="square" rtlCol="0" anchor="ctr">
+              <a:spAutoFit/>
+            </a:bodyPr>
+            <a:lstStyle/>
+            <a:p>
+              <a:pPr algn="ctr"/>
+              <a:r>
+                <a:rPr lang="en-US" altLang="ko-KR" sz="1100"/>
+                <a:t>PromQL Query/Result</a:t>
               </a:r>
             </a:p>
           </p:txBody>

--- a/images/theory_analysis/Prometheus_Architecture/Prometheus.pptx
+++ b/images/theory_analysis/Prometheus_Architecture/Prometheus.pptx
@@ -3559,51 +3559,6 @@
       </p:grpSpPr>
       <p:sp>
         <p:nvSpPr>
-          <p:cNvPr id="168" name="TextBox 167">
-            <a:extLst>
-              <a:ext uri="{FF2B5EF4-FFF2-40B4-BE49-F238E27FC236}">
-                <a16:creationId xmlns:a16="http://schemas.microsoft.com/office/drawing/2014/main" id="{4D658D72-C27E-4E8B-BA5E-404B6E6A557C}"/>
-              </a:ext>
-            </a:extLst>
-          </p:cNvPr>
-          <p:cNvSpPr txBox="1"/>
-          <p:nvPr/>
-        </p:nvSpPr>
-        <p:spPr>
-          <a:xfrm>
-            <a:off x="4308360" y="2785048"/>
-            <a:ext cx="1157562" cy="261610"/>
-          </a:xfrm>
-          <a:prstGeom prst="rect">
-            <a:avLst/>
-          </a:prstGeom>
-          <a:noFill/>
-        </p:spPr>
-        <p:txBody>
-          <a:bodyPr wrap="square" rtlCol="0" anchor="ctr">
-            <a:spAutoFit/>
-          </a:bodyPr>
-          <a:lstStyle/>
-          <a:p>
-            <a:pPr algn="ctr"/>
-            <a:r>
-              <a:rPr lang="en-US" altLang="ko-KR" sz="1100">
-                <a:solidFill>
-                  <a:schemeClr val="tx2"/>
-                </a:solidFill>
-              </a:rPr>
-              <a:t>Metric</a:t>
-            </a:r>
-            <a:endParaRPr lang="ko-KR" altLang="en-US" sz="1100">
-              <a:solidFill>
-                <a:schemeClr val="tx2"/>
-              </a:solidFill>
-            </a:endParaRPr>
-          </a:p>
-        </p:txBody>
-      </p:sp>
-      <p:sp>
-        <p:nvSpPr>
           <p:cNvPr id="44" name="사각형: 둥근 모서리 43">
             <a:extLst>
               <a:ext uri="{FF2B5EF4-FFF2-40B4-BE49-F238E27FC236}">
@@ -4663,7 +4618,7 @@
         </p:nvSpPr>
         <p:spPr>
           <a:xfrm>
-            <a:off x="3524127" y="2289061"/>
+            <a:off x="3615867" y="2289061"/>
             <a:ext cx="956133" cy="430887"/>
           </a:xfrm>
           <a:prstGeom prst="rect">
@@ -5458,97 +5413,6 @@
       </p:sp>
       <p:cxnSp>
         <p:nvCxnSpPr>
-          <p:cNvPr id="129" name="직선 연결선 128">
-            <a:extLst>
-              <a:ext uri="{FF2B5EF4-FFF2-40B4-BE49-F238E27FC236}">
-                <a16:creationId xmlns:a16="http://schemas.microsoft.com/office/drawing/2014/main" id="{F49D05F0-C8F4-4EDA-9B4A-11DFC968B2F9}"/>
-              </a:ext>
-            </a:extLst>
-          </p:cNvPr>
-          <p:cNvCxnSpPr>
-            <a:cxnSpLocks/>
-            <a:stCxn id="89" idx="2"/>
-          </p:cNvCxnSpPr>
-          <p:nvPr/>
-        </p:nvCxnSpPr>
-        <p:spPr>
-          <a:xfrm>
-            <a:off x="4028802" y="2139702"/>
-            <a:ext cx="655117" cy="329654"/>
-          </a:xfrm>
-          <a:prstGeom prst="line">
-            <a:avLst/>
-          </a:prstGeom>
-          <a:ln w="19050">
-            <a:solidFill>
-              <a:schemeClr val="tx2"/>
-            </a:solidFill>
-            <a:headEnd type="none" w="med" len="med"/>
-            <a:tailEnd type="arrow" w="med" len="med"/>
-          </a:ln>
-        </p:spPr>
-        <p:style>
-          <a:lnRef idx="1">
-            <a:schemeClr val="accent1"/>
-          </a:lnRef>
-          <a:fillRef idx="0">
-            <a:schemeClr val="accent1"/>
-          </a:fillRef>
-          <a:effectRef idx="0">
-            <a:schemeClr val="accent1"/>
-          </a:effectRef>
-          <a:fontRef idx="minor">
-            <a:schemeClr val="tx1"/>
-          </a:fontRef>
-        </p:style>
-      </p:cxnSp>
-      <p:sp>
-        <p:nvSpPr>
-          <p:cNvPr id="135" name="TextBox 134">
-            <a:extLst>
-              <a:ext uri="{FF2B5EF4-FFF2-40B4-BE49-F238E27FC236}">
-                <a16:creationId xmlns:a16="http://schemas.microsoft.com/office/drawing/2014/main" id="{A2854DB8-0308-4B26-83E9-C57A1750E97A}"/>
-              </a:ext>
-            </a:extLst>
-          </p:cNvPr>
-          <p:cNvSpPr txBox="1"/>
-          <p:nvPr/>
-        </p:nvSpPr>
-        <p:spPr>
-          <a:xfrm>
-            <a:off x="4341073" y="2322045"/>
-            <a:ext cx="1159888" cy="261610"/>
-          </a:xfrm>
-          <a:prstGeom prst="rect">
-            <a:avLst/>
-          </a:prstGeom>
-          <a:noFill/>
-        </p:spPr>
-        <p:txBody>
-          <a:bodyPr wrap="square" rtlCol="0" anchor="ctr">
-            <a:spAutoFit/>
-          </a:bodyPr>
-          <a:lstStyle/>
-          <a:p>
-            <a:pPr algn="ctr"/>
-            <a:r>
-              <a:rPr lang="en-US" altLang="ko-KR" sz="1100">
-                <a:solidFill>
-                  <a:schemeClr val="tx2"/>
-                </a:solidFill>
-              </a:rPr>
-              <a:t>Target</a:t>
-            </a:r>
-            <a:endParaRPr lang="ko-KR" altLang="en-US" sz="1100">
-              <a:solidFill>
-                <a:schemeClr val="tx2"/>
-              </a:solidFill>
-            </a:endParaRPr>
-          </a:p>
-        </p:txBody>
-      </p:sp>
-      <p:cxnSp>
-        <p:nvCxnSpPr>
           <p:cNvPr id="143" name="직선 연결선 142">
             <a:extLst>
               <a:ext uri="{FF2B5EF4-FFF2-40B4-BE49-F238E27FC236}">
@@ -5673,14 +5537,14 @@
           <a:p>
             <a:pPr algn="ctr"/>
             <a:r>
-              <a:rPr lang="en-US" altLang="ko-KR" sz="1100">
+              <a:rPr lang="en-US" altLang="ko-KR" sz="1100" b="1">
                 <a:solidFill>
                   <a:srgbClr val="C00000"/>
                 </a:solidFill>
               </a:rPr>
               <a:t>Pull</a:t>
             </a:r>
-            <a:endParaRPr lang="ko-KR" altLang="en-US" sz="1100">
+            <a:endParaRPr lang="ko-KR" altLang="en-US" sz="1100" b="1">
               <a:solidFill>
                 <a:srgbClr val="C00000"/>
               </a:solidFill>
@@ -6490,14 +6354,14 @@
           <a:p>
             <a:pPr algn="ctr"/>
             <a:r>
-              <a:rPr lang="en-US" altLang="ko-KR" sz="1100">
+              <a:rPr lang="en-US" altLang="ko-KR" sz="1100" b="1">
                 <a:solidFill>
                   <a:srgbClr val="C00000"/>
                 </a:solidFill>
               </a:rPr>
               <a:t>Push</a:t>
             </a:r>
-            <a:endParaRPr lang="ko-KR" altLang="en-US" sz="1100">
+            <a:endParaRPr lang="ko-KR" altLang="en-US" sz="1100" b="1">
               <a:solidFill>
                 <a:srgbClr val="C00000"/>
               </a:solidFill>
@@ -6707,6 +6571,7 @@
           </p:cNvPr>
           <p:cNvCxnSpPr>
             <a:cxnSpLocks/>
+            <a:stCxn id="64" idx="1"/>
             <a:endCxn id="89" idx="2"/>
           </p:cNvCxnSpPr>
           <p:nvPr/>
@@ -6714,7 +6579,7 @@
         <p:spPr>
           <a:xfrm flipH="1" flipV="1">
             <a:off x="4028802" y="2139702"/>
-            <a:ext cx="655117" cy="548729"/>
+            <a:ext cx="654947" cy="443492"/>
           </a:xfrm>
           <a:prstGeom prst="line">
             <a:avLst/>

--- a/images/theory_analysis/Prometheus_Architecture/Prometheus.pptx
+++ b/images/theory_analysis/Prometheus_Architecture/Prometheus.pptx
@@ -215,7 +215,7 @@
           <a:p>
             <a:fld id="{6CD5550B-26C4-49A9-A5BA-636EF7BE6CE9}" type="datetimeFigureOut">
               <a:rPr lang="ko-KR" altLang="en-US" smtClean="0"/>
-              <a:t>2020-01-05</a:t>
+              <a:t>2020-01-06</a:t>
             </a:fld>
             <a:endParaRPr lang="ko-KR" altLang="en-US"/>
           </a:p>
@@ -829,7 +829,7 @@
           <a:p>
             <a:fld id="{FB30EDBD-1C2D-4C1E-B459-B60219FAB484}" type="datetimeFigureOut">
               <a:rPr lang="ko-KR" altLang="en-US" smtClean="0"/>
-              <a:t>2020-01-05</a:t>
+              <a:t>2020-01-06</a:t>
             </a:fld>
             <a:endParaRPr lang="ko-KR" altLang="en-US"/>
           </a:p>
@@ -992,7 +992,7 @@
           <a:p>
             <a:fld id="{FB30EDBD-1C2D-4C1E-B459-B60219FAB484}" type="datetimeFigureOut">
               <a:rPr lang="ko-KR" altLang="en-US" smtClean="0"/>
-              <a:t>2020-01-05</a:t>
+              <a:t>2020-01-06</a:t>
             </a:fld>
             <a:endParaRPr lang="ko-KR" altLang="en-US"/>
           </a:p>
@@ -1165,7 +1165,7 @@
           <a:p>
             <a:fld id="{FB30EDBD-1C2D-4C1E-B459-B60219FAB484}" type="datetimeFigureOut">
               <a:rPr lang="ko-KR" altLang="en-US" smtClean="0"/>
-              <a:t>2020-01-05</a:t>
+              <a:t>2020-01-06</a:t>
             </a:fld>
             <a:endParaRPr lang="ko-KR" altLang="en-US"/>
           </a:p>
@@ -1328,7 +1328,7 @@
           <a:p>
             <a:fld id="{FB30EDBD-1C2D-4C1E-B459-B60219FAB484}" type="datetimeFigureOut">
               <a:rPr lang="ko-KR" altLang="en-US" smtClean="0"/>
-              <a:t>2020-01-05</a:t>
+              <a:t>2020-01-06</a:t>
             </a:fld>
             <a:endParaRPr lang="ko-KR" altLang="en-US"/>
           </a:p>
@@ -1568,7 +1568,7 @@
           <a:p>
             <a:fld id="{FB30EDBD-1C2D-4C1E-B459-B60219FAB484}" type="datetimeFigureOut">
               <a:rPr lang="ko-KR" altLang="en-US" smtClean="0"/>
-              <a:t>2020-01-05</a:t>
+              <a:t>2020-01-06</a:t>
             </a:fld>
             <a:endParaRPr lang="ko-KR" altLang="en-US"/>
           </a:p>
@@ -1848,7 +1848,7 @@
           <a:p>
             <a:fld id="{FB30EDBD-1C2D-4C1E-B459-B60219FAB484}" type="datetimeFigureOut">
               <a:rPr lang="ko-KR" altLang="en-US" smtClean="0"/>
-              <a:t>2020-01-05</a:t>
+              <a:t>2020-01-06</a:t>
             </a:fld>
             <a:endParaRPr lang="ko-KR" altLang="en-US"/>
           </a:p>
@@ -2262,7 +2262,7 @@
           <a:p>
             <a:fld id="{FB30EDBD-1C2D-4C1E-B459-B60219FAB484}" type="datetimeFigureOut">
               <a:rPr lang="ko-KR" altLang="en-US" smtClean="0"/>
-              <a:t>2020-01-05</a:t>
+              <a:t>2020-01-06</a:t>
             </a:fld>
             <a:endParaRPr lang="ko-KR" altLang="en-US"/>
           </a:p>
@@ -2374,7 +2374,7 @@
           <a:p>
             <a:fld id="{FB30EDBD-1C2D-4C1E-B459-B60219FAB484}" type="datetimeFigureOut">
               <a:rPr lang="ko-KR" altLang="en-US" smtClean="0"/>
-              <a:t>2020-01-05</a:t>
+              <a:t>2020-01-06</a:t>
             </a:fld>
             <a:endParaRPr lang="ko-KR" altLang="en-US"/>
           </a:p>
@@ -2464,7 +2464,7 @@
           <a:p>
             <a:fld id="{FB30EDBD-1C2D-4C1E-B459-B60219FAB484}" type="datetimeFigureOut">
               <a:rPr lang="ko-KR" altLang="en-US" smtClean="0"/>
-              <a:t>2020-01-05</a:t>
+              <a:t>2020-01-06</a:t>
             </a:fld>
             <a:endParaRPr lang="ko-KR" altLang="en-US"/>
           </a:p>
@@ -2734,7 +2734,7 @@
           <a:p>
             <a:fld id="{FB30EDBD-1C2D-4C1E-B459-B60219FAB484}" type="datetimeFigureOut">
               <a:rPr lang="ko-KR" altLang="en-US" smtClean="0"/>
-              <a:t>2020-01-05</a:t>
+              <a:t>2020-01-06</a:t>
             </a:fld>
             <a:endParaRPr lang="ko-KR" altLang="en-US"/>
           </a:p>
@@ -2981,7 +2981,7 @@
           <a:p>
             <a:fld id="{FB30EDBD-1C2D-4C1E-B459-B60219FAB484}" type="datetimeFigureOut">
               <a:rPr lang="ko-KR" altLang="en-US" smtClean="0"/>
-              <a:t>2020-01-05</a:t>
+              <a:t>2020-01-06</a:t>
             </a:fld>
             <a:endParaRPr lang="ko-KR" altLang="en-US"/>
           </a:p>
@@ -3187,7 +3187,7 @@
           <a:p>
             <a:fld id="{FB30EDBD-1C2D-4C1E-B459-B60219FAB484}" type="datetimeFigureOut">
               <a:rPr lang="ko-KR" altLang="en-US" smtClean="0"/>
-              <a:t>2020-01-05</a:t>
+              <a:t>2020-01-06</a:t>
             </a:fld>
             <a:endParaRPr lang="ko-KR" altLang="en-US"/>
           </a:p>
@@ -4553,6 +4553,13 @@
             <a:r>
               <a:rPr lang="en-US" altLang="ko-KR" sz="1200"/>
               <a:t>PromQL</a:t>
+            </a:r>
+          </a:p>
+          <a:p>
+            <a:pPr algn="ctr"/>
+            <a:r>
+              <a:rPr lang="en-US" altLang="ko-KR" sz="1200"/>
+              <a:t>Engine</a:t>
             </a:r>
           </a:p>
         </p:txBody>

--- a/images/theory_analysis/Prometheus_Architecture/Prometheus.pptx
+++ b/images/theory_analysis/Prometheus_Architecture/Prometheus.pptx
@@ -215,7 +215,7 @@
           <a:p>
             <a:fld id="{6CD5550B-26C4-49A9-A5BA-636EF7BE6CE9}" type="datetimeFigureOut">
               <a:rPr lang="ko-KR" altLang="en-US" smtClean="0"/>
-              <a:t>2020-01-06</a:t>
+              <a:t>2020-01-12</a:t>
             </a:fld>
             <a:endParaRPr lang="ko-KR" altLang="en-US"/>
           </a:p>
@@ -829,7 +829,7 @@
           <a:p>
             <a:fld id="{FB30EDBD-1C2D-4C1E-B459-B60219FAB484}" type="datetimeFigureOut">
               <a:rPr lang="ko-KR" altLang="en-US" smtClean="0"/>
-              <a:t>2020-01-06</a:t>
+              <a:t>2020-01-12</a:t>
             </a:fld>
             <a:endParaRPr lang="ko-KR" altLang="en-US"/>
           </a:p>
@@ -992,7 +992,7 @@
           <a:p>
             <a:fld id="{FB30EDBD-1C2D-4C1E-B459-B60219FAB484}" type="datetimeFigureOut">
               <a:rPr lang="ko-KR" altLang="en-US" smtClean="0"/>
-              <a:t>2020-01-06</a:t>
+              <a:t>2020-01-12</a:t>
             </a:fld>
             <a:endParaRPr lang="ko-KR" altLang="en-US"/>
           </a:p>
@@ -1165,7 +1165,7 @@
           <a:p>
             <a:fld id="{FB30EDBD-1C2D-4C1E-B459-B60219FAB484}" type="datetimeFigureOut">
               <a:rPr lang="ko-KR" altLang="en-US" smtClean="0"/>
-              <a:t>2020-01-06</a:t>
+              <a:t>2020-01-12</a:t>
             </a:fld>
             <a:endParaRPr lang="ko-KR" altLang="en-US"/>
           </a:p>
@@ -1328,7 +1328,7 @@
           <a:p>
             <a:fld id="{FB30EDBD-1C2D-4C1E-B459-B60219FAB484}" type="datetimeFigureOut">
               <a:rPr lang="ko-KR" altLang="en-US" smtClean="0"/>
-              <a:t>2020-01-06</a:t>
+              <a:t>2020-01-12</a:t>
             </a:fld>
             <a:endParaRPr lang="ko-KR" altLang="en-US"/>
           </a:p>
@@ -1568,7 +1568,7 @@
           <a:p>
             <a:fld id="{FB30EDBD-1C2D-4C1E-B459-B60219FAB484}" type="datetimeFigureOut">
               <a:rPr lang="ko-KR" altLang="en-US" smtClean="0"/>
-              <a:t>2020-01-06</a:t>
+              <a:t>2020-01-12</a:t>
             </a:fld>
             <a:endParaRPr lang="ko-KR" altLang="en-US"/>
           </a:p>
@@ -1848,7 +1848,7 @@
           <a:p>
             <a:fld id="{FB30EDBD-1C2D-4C1E-B459-B60219FAB484}" type="datetimeFigureOut">
               <a:rPr lang="ko-KR" altLang="en-US" smtClean="0"/>
-              <a:t>2020-01-06</a:t>
+              <a:t>2020-01-12</a:t>
             </a:fld>
             <a:endParaRPr lang="ko-KR" altLang="en-US"/>
           </a:p>
@@ -2262,7 +2262,7 @@
           <a:p>
             <a:fld id="{FB30EDBD-1C2D-4C1E-B459-B60219FAB484}" type="datetimeFigureOut">
               <a:rPr lang="ko-KR" altLang="en-US" smtClean="0"/>
-              <a:t>2020-01-06</a:t>
+              <a:t>2020-01-12</a:t>
             </a:fld>
             <a:endParaRPr lang="ko-KR" altLang="en-US"/>
           </a:p>
@@ -2374,7 +2374,7 @@
           <a:p>
             <a:fld id="{FB30EDBD-1C2D-4C1E-B459-B60219FAB484}" type="datetimeFigureOut">
               <a:rPr lang="ko-KR" altLang="en-US" smtClean="0"/>
-              <a:t>2020-01-06</a:t>
+              <a:t>2020-01-12</a:t>
             </a:fld>
             <a:endParaRPr lang="ko-KR" altLang="en-US"/>
           </a:p>
@@ -2464,7 +2464,7 @@
           <a:p>
             <a:fld id="{FB30EDBD-1C2D-4C1E-B459-B60219FAB484}" type="datetimeFigureOut">
               <a:rPr lang="ko-KR" altLang="en-US" smtClean="0"/>
-              <a:t>2020-01-06</a:t>
+              <a:t>2020-01-12</a:t>
             </a:fld>
             <a:endParaRPr lang="ko-KR" altLang="en-US"/>
           </a:p>
@@ -2734,7 +2734,7 @@
           <a:p>
             <a:fld id="{FB30EDBD-1C2D-4C1E-B459-B60219FAB484}" type="datetimeFigureOut">
               <a:rPr lang="ko-KR" altLang="en-US" smtClean="0"/>
-              <a:t>2020-01-06</a:t>
+              <a:t>2020-01-12</a:t>
             </a:fld>
             <a:endParaRPr lang="ko-KR" altLang="en-US"/>
           </a:p>
@@ -2981,7 +2981,7 @@
           <a:p>
             <a:fld id="{FB30EDBD-1C2D-4C1E-B459-B60219FAB484}" type="datetimeFigureOut">
               <a:rPr lang="ko-KR" altLang="en-US" smtClean="0"/>
-              <a:t>2020-01-06</a:t>
+              <a:t>2020-01-12</a:t>
             </a:fld>
             <a:endParaRPr lang="ko-KR" altLang="en-US"/>
           </a:p>
@@ -3187,7 +3187,7 @@
           <a:p>
             <a:fld id="{FB30EDBD-1C2D-4C1E-B459-B60219FAB484}" type="datetimeFigureOut">
               <a:rPr lang="ko-KR" altLang="en-US" smtClean="0"/>
-              <a:t>2020-01-06</a:t>
+              <a:t>2020-01-12</a:t>
             </a:fld>
             <a:endParaRPr lang="ko-KR" altLang="en-US"/>
           </a:p>
@@ -5559,53 +5559,6 @@
           </a:p>
         </p:txBody>
       </p:sp>
-      <p:cxnSp>
-        <p:nvCxnSpPr>
-          <p:cNvPr id="172" name="직선 연결선 171">
-            <a:extLst>
-              <a:ext uri="{FF2B5EF4-FFF2-40B4-BE49-F238E27FC236}">
-                <a16:creationId xmlns:a16="http://schemas.microsoft.com/office/drawing/2014/main" id="{8B05DCE3-1A7F-4675-BA69-F508B340EE39}"/>
-              </a:ext>
-            </a:extLst>
-          </p:cNvPr>
-          <p:cNvCxnSpPr>
-            <a:cxnSpLocks/>
-            <a:stCxn id="53" idx="3"/>
-            <a:endCxn id="73" idx="1"/>
-          </p:cNvCxnSpPr>
-          <p:nvPr/>
-        </p:nvCxnSpPr>
-        <p:spPr>
-          <a:xfrm>
-            <a:off x="4472557" y="3685289"/>
-            <a:ext cx="208961" cy="234221"/>
-          </a:xfrm>
-          <a:prstGeom prst="line">
-            <a:avLst/>
-          </a:prstGeom>
-          <a:ln w="19050">
-            <a:solidFill>
-              <a:srgbClr val="C00000"/>
-            </a:solidFill>
-            <a:headEnd type="none" w="med" len="med"/>
-            <a:tailEnd type="arrow" w="med" len="med"/>
-          </a:ln>
-        </p:spPr>
-        <p:style>
-          <a:lnRef idx="1">
-            <a:schemeClr val="accent1"/>
-          </a:lnRef>
-          <a:fillRef idx="0">
-            <a:schemeClr val="accent1"/>
-          </a:fillRef>
-          <a:effectRef idx="0">
-            <a:schemeClr val="accent1"/>
-          </a:effectRef>
-          <a:fontRef idx="minor">
-            <a:schemeClr val="tx1"/>
-          </a:fontRef>
-        </p:style>
-      </p:cxnSp>
       <p:grpSp>
         <p:nvGrpSpPr>
           <p:cNvPr id="250" name="그룹 249">
@@ -6594,6 +6547,145 @@
           <a:ln w="19050">
             <a:solidFill>
               <a:schemeClr val="tx1"/>
+            </a:solidFill>
+            <a:headEnd type="none" w="med" len="med"/>
+            <a:tailEnd type="arrow" w="med" len="med"/>
+          </a:ln>
+        </p:spPr>
+        <p:style>
+          <a:lnRef idx="1">
+            <a:schemeClr val="accent1"/>
+          </a:lnRef>
+          <a:fillRef idx="0">
+            <a:schemeClr val="accent1"/>
+          </a:fillRef>
+          <a:effectRef idx="0">
+            <a:schemeClr val="accent1"/>
+          </a:effectRef>
+          <a:fontRef idx="minor">
+            <a:schemeClr val="tx1"/>
+          </a:fontRef>
+        </p:style>
+      </p:cxnSp>
+      <p:cxnSp>
+        <p:nvCxnSpPr>
+          <p:cNvPr id="67" name="직선 연결선 66">
+            <a:extLst>
+              <a:ext uri="{FF2B5EF4-FFF2-40B4-BE49-F238E27FC236}">
+                <a16:creationId xmlns:a16="http://schemas.microsoft.com/office/drawing/2014/main" id="{BCFB30E7-D129-4DFB-B5E6-93E93D979CC9}"/>
+              </a:ext>
+            </a:extLst>
+          </p:cNvPr>
+          <p:cNvCxnSpPr>
+            <a:cxnSpLocks/>
+            <a:stCxn id="73" idx="1"/>
+            <a:endCxn id="53" idx="3"/>
+          </p:cNvCxnSpPr>
+          <p:nvPr/>
+        </p:nvCxnSpPr>
+        <p:spPr>
+          <a:xfrm flipH="1" flipV="1">
+            <a:off x="4472557" y="3685289"/>
+            <a:ext cx="208961" cy="234221"/>
+          </a:xfrm>
+          <a:prstGeom prst="line">
+            <a:avLst/>
+          </a:prstGeom>
+          <a:ln w="19050">
+            <a:solidFill>
+              <a:srgbClr val="C00000"/>
+            </a:solidFill>
+            <a:headEnd type="arrow" w="med" len="med"/>
+            <a:tailEnd type="none" w="med" len="med"/>
+          </a:ln>
+        </p:spPr>
+        <p:style>
+          <a:lnRef idx="1">
+            <a:schemeClr val="accent1"/>
+          </a:lnRef>
+          <a:fillRef idx="0">
+            <a:schemeClr val="accent1"/>
+          </a:fillRef>
+          <a:effectRef idx="0">
+            <a:schemeClr val="accent1"/>
+          </a:effectRef>
+          <a:fontRef idx="minor">
+            <a:schemeClr val="tx1"/>
+          </a:fontRef>
+        </p:style>
+      </p:cxnSp>
+      <p:cxnSp>
+        <p:nvCxnSpPr>
+          <p:cNvPr id="70" name="직선 연결선 69">
+            <a:extLst>
+              <a:ext uri="{FF2B5EF4-FFF2-40B4-BE49-F238E27FC236}">
+                <a16:creationId xmlns:a16="http://schemas.microsoft.com/office/drawing/2014/main" id="{962B32F5-837F-44DE-A904-586272478FAE}"/>
+              </a:ext>
+            </a:extLst>
+          </p:cNvPr>
+          <p:cNvCxnSpPr>
+            <a:cxnSpLocks/>
+            <a:stCxn id="53" idx="3"/>
+            <a:endCxn id="106" idx="1"/>
+          </p:cNvCxnSpPr>
+          <p:nvPr/>
+        </p:nvCxnSpPr>
+        <p:spPr>
+          <a:xfrm flipV="1">
+            <a:off x="4472557" y="3250316"/>
+            <a:ext cx="209520" cy="434973"/>
+          </a:xfrm>
+          <a:prstGeom prst="line">
+            <a:avLst/>
+          </a:prstGeom>
+          <a:ln w="19050">
+            <a:solidFill>
+              <a:srgbClr val="C00000"/>
+            </a:solidFill>
+            <a:headEnd type="arrow" w="med" len="med"/>
+            <a:tailEnd type="none" w="med" len="med"/>
+          </a:ln>
+        </p:spPr>
+        <p:style>
+          <a:lnRef idx="1">
+            <a:schemeClr val="accent1"/>
+          </a:lnRef>
+          <a:fillRef idx="0">
+            <a:schemeClr val="accent1"/>
+          </a:fillRef>
+          <a:effectRef idx="0">
+            <a:schemeClr val="accent1"/>
+          </a:effectRef>
+          <a:fontRef idx="minor">
+            <a:schemeClr val="tx1"/>
+          </a:fontRef>
+        </p:style>
+      </p:cxnSp>
+      <p:cxnSp>
+        <p:nvCxnSpPr>
+          <p:cNvPr id="68" name="직선 연결선 67">
+            <a:extLst>
+              <a:ext uri="{FF2B5EF4-FFF2-40B4-BE49-F238E27FC236}">
+                <a16:creationId xmlns:a16="http://schemas.microsoft.com/office/drawing/2014/main" id="{B69BA58D-1691-4A6A-9CF7-226FE622B0BE}"/>
+              </a:ext>
+            </a:extLst>
+          </p:cNvPr>
+          <p:cNvCxnSpPr>
+            <a:cxnSpLocks/>
+          </p:cNvCxnSpPr>
+          <p:nvPr/>
+        </p:nvCxnSpPr>
+        <p:spPr>
+          <a:xfrm flipH="1">
+            <a:off x="4472557" y="3144889"/>
+            <a:ext cx="209520" cy="434973"/>
+          </a:xfrm>
+          <a:prstGeom prst="line">
+            <a:avLst/>
+          </a:prstGeom>
+          <a:ln w="19050">
+            <a:solidFill>
+              <a:schemeClr val="tx2"/>
             </a:solidFill>
             <a:headEnd type="none" w="med" len="med"/>
             <a:tailEnd type="arrow" w="med" len="med"/>
